--- a/Slides/Mid_bootcamp_project_Bank_marketing_campaing.pptx
+++ b/Slides/Mid_bootcamp_project_Bank_marketing_campaing.pptx
@@ -8,6 +8,19 @@
     <p:sldId id="256" r:id="rId2"/>
     <p:sldId id="258" r:id="rId3"/>
     <p:sldId id="259" r:id="rId4"/>
+    <p:sldId id="260" r:id="rId5"/>
+    <p:sldId id="261" r:id="rId6"/>
+    <p:sldId id="262" r:id="rId7"/>
+    <p:sldId id="263" r:id="rId8"/>
+    <p:sldId id="264" r:id="rId9"/>
+    <p:sldId id="265" r:id="rId10"/>
+    <p:sldId id="266" r:id="rId11"/>
+    <p:sldId id="267" r:id="rId12"/>
+    <p:sldId id="268" r:id="rId13"/>
+    <p:sldId id="269" r:id="rId14"/>
+    <p:sldId id="270" r:id="rId15"/>
+    <p:sldId id="271" r:id="rId16"/>
+    <p:sldId id="272" r:id="rId17"/>
   </p:sldIdLst>
   <p:sldSz cx="12192000" cy="6858000"/>
   <p:notesSz cx="6858000" cy="9144000"/>
@@ -106,6 +119,11 @@
       </a:defRPr>
     </a:lvl9pPr>
   </p:defaultTextStyle>
+  <p:extLst>
+    <p:ext uri="{EFAFB233-063F-42B5-8137-9DF3F51BA10A}">
+      <p15:sldGuideLst xmlns:p15="http://schemas.microsoft.com/office/powerpoint/2012/main"/>
+    </p:ext>
+  </p:extLst>
 </p:presentation>
 </file>
 
@@ -159,7 +177,7 @@
           <a:noFill/>
           <a:extLst>
             <a:ext uri="{909E8E84-426E-40dd-AFC4-6F175D3DCCD1}">
-              <a14:hiddenFill xmlns:a14="http://schemas.microsoft.com/office/drawing/2010/main" xmlns="">
+              <a14:hiddenFill xmlns="" xmlns:a14="http://schemas.microsoft.com/office/drawing/2010/main">
                 <a:solidFill>
                   <a:srgbClr val="FFFFFF"/>
                 </a:solidFill>
@@ -219,7 +237,7 @@
             </a:ln>
             <a:extLst>
               <a:ext uri="{91240B29-F687-4f45-9708-019B960494DF}">
-                <a14:hiddenLine xmlns:a14="http://schemas.microsoft.com/office/drawing/2010/main" xmlns="" w="9525">
+                <a14:hiddenLine xmlns="" xmlns:a14="http://schemas.microsoft.com/office/drawing/2010/main" w="9525">
                   <a:solidFill>
                     <a:srgbClr val="000000"/>
                   </a:solidFill>
@@ -309,7 +327,7 @@
             </a:ln>
             <a:extLst>
               <a:ext uri="{91240B29-F687-4f45-9708-019B960494DF}">
-                <a14:hiddenLine xmlns:a14="http://schemas.microsoft.com/office/drawing/2010/main" xmlns="" w="9525">
+                <a14:hiddenLine xmlns="" xmlns:a14="http://schemas.microsoft.com/office/drawing/2010/main" w="9525">
                   <a:solidFill>
                     <a:srgbClr val="000000"/>
                   </a:solidFill>
@@ -399,7 +417,7 @@
             </a:ln>
             <a:extLst>
               <a:ext uri="{91240B29-F687-4f45-9708-019B960494DF}">
-                <a14:hiddenLine xmlns:a14="http://schemas.microsoft.com/office/drawing/2010/main" xmlns="" w="9525">
+                <a14:hiddenLine xmlns="" xmlns:a14="http://schemas.microsoft.com/office/drawing/2010/main" w="9525">
                   <a:solidFill>
                     <a:srgbClr val="000000"/>
                   </a:solidFill>
@@ -433,7 +451,7 @@
             </a:ln>
             <a:extLst>
               <a:ext uri="{91240B29-F687-4f45-9708-019B960494DF}">
-                <a14:hiddenLine xmlns:a14="http://schemas.microsoft.com/office/drawing/2010/main" xmlns="" w="9525">
+                <a14:hiddenLine xmlns="" xmlns:a14="http://schemas.microsoft.com/office/drawing/2010/main" w="9525">
                   <a:solidFill>
                     <a:srgbClr val="000000"/>
                   </a:solidFill>
@@ -523,7 +541,7 @@
             </a:ln>
             <a:extLst>
               <a:ext uri="{91240B29-F687-4f45-9708-019B960494DF}">
-                <a14:hiddenLine xmlns:a14="http://schemas.microsoft.com/office/drawing/2010/main" xmlns="" w="9525">
+                <a14:hiddenLine xmlns="" xmlns:a14="http://schemas.microsoft.com/office/drawing/2010/main" w="9525">
                   <a:solidFill>
                     <a:srgbClr val="000000"/>
                   </a:solidFill>
@@ -585,7 +603,7 @@
             </a:ln>
             <a:extLst>
               <a:ext uri="{91240B29-F687-4f45-9708-019B960494DF}">
-                <a14:hiddenLine xmlns:a14="http://schemas.microsoft.com/office/drawing/2010/main" xmlns="" w="9525">
+                <a14:hiddenLine xmlns="" xmlns:a14="http://schemas.microsoft.com/office/drawing/2010/main" w="9525">
                   <a:solidFill>
                     <a:srgbClr val="000000"/>
                   </a:solidFill>
@@ -647,7 +665,7 @@
             </a:ln>
             <a:extLst>
               <a:ext uri="{91240B29-F687-4f45-9708-019B960494DF}">
-                <a14:hiddenLine xmlns:a14="http://schemas.microsoft.com/office/drawing/2010/main" xmlns="" w="9525">
+                <a14:hiddenLine xmlns="" xmlns:a14="http://schemas.microsoft.com/office/drawing/2010/main" w="9525">
                   <a:solidFill>
                     <a:srgbClr val="000000"/>
                   </a:solidFill>
@@ -737,7 +755,7 @@
             </a:ln>
             <a:extLst>
               <a:ext uri="{91240B29-F687-4f45-9708-019B960494DF}">
-                <a14:hiddenLine xmlns:a14="http://schemas.microsoft.com/office/drawing/2010/main" xmlns="" w="9525">
+                <a14:hiddenLine xmlns="" xmlns:a14="http://schemas.microsoft.com/office/drawing/2010/main" w="9525">
                   <a:solidFill>
                     <a:srgbClr val="000000"/>
                   </a:solidFill>
@@ -799,7 +817,7 @@
             </a:ln>
             <a:extLst>
               <a:ext uri="{91240B29-F687-4f45-9708-019B960494DF}">
-                <a14:hiddenLine xmlns:a14="http://schemas.microsoft.com/office/drawing/2010/main" xmlns="" w="9525">
+                <a14:hiddenLine xmlns="" xmlns:a14="http://schemas.microsoft.com/office/drawing/2010/main" w="9525">
                   <a:solidFill>
                     <a:srgbClr val="000000"/>
                   </a:solidFill>
@@ -861,7 +879,7 @@
             </a:ln>
             <a:extLst>
               <a:ext uri="{91240B29-F687-4f45-9708-019B960494DF}">
-                <a14:hiddenLine xmlns:a14="http://schemas.microsoft.com/office/drawing/2010/main" xmlns="" w="9525">
+                <a14:hiddenLine xmlns="" xmlns:a14="http://schemas.microsoft.com/office/drawing/2010/main" w="9525">
                   <a:solidFill>
                     <a:srgbClr val="000000"/>
                   </a:solidFill>
@@ -951,7 +969,7 @@
             </a:ln>
             <a:extLst>
               <a:ext uri="{91240B29-F687-4f45-9708-019B960494DF}">
-                <a14:hiddenLine xmlns:a14="http://schemas.microsoft.com/office/drawing/2010/main" xmlns="" w="9525">
+                <a14:hiddenLine xmlns="" xmlns:a14="http://schemas.microsoft.com/office/drawing/2010/main" w="9525">
                   <a:solidFill>
                     <a:srgbClr val="000000"/>
                   </a:solidFill>
@@ -1041,7 +1059,7 @@
             </a:ln>
             <a:extLst>
               <a:ext uri="{91240B29-F687-4f45-9708-019B960494DF}">
-                <a14:hiddenLine xmlns:a14="http://schemas.microsoft.com/office/drawing/2010/main" xmlns="" w="9525">
+                <a14:hiddenLine xmlns="" xmlns:a14="http://schemas.microsoft.com/office/drawing/2010/main" w="9525">
                   <a:solidFill>
                     <a:srgbClr val="000000"/>
                   </a:solidFill>
@@ -1103,7 +1121,7 @@
             </a:ln>
             <a:extLst>
               <a:ext uri="{91240B29-F687-4f45-9708-019B960494DF}">
-                <a14:hiddenLine xmlns:a14="http://schemas.microsoft.com/office/drawing/2010/main" xmlns="" w="9525">
+                <a14:hiddenLine xmlns="" xmlns:a14="http://schemas.microsoft.com/office/drawing/2010/main" w="9525">
                   <a:solidFill>
                     <a:srgbClr val="000000"/>
                   </a:solidFill>
@@ -1213,7 +1231,7 @@
             </a:ln>
             <a:extLst>
               <a:ext uri="{91240B29-F687-4f45-9708-019B960494DF}">
-                <a14:hiddenLine xmlns:a14="http://schemas.microsoft.com/office/drawing/2010/main" xmlns="" w="9525">
+                <a14:hiddenLine xmlns="" xmlns:a14="http://schemas.microsoft.com/office/drawing/2010/main" w="9525">
                   <a:solidFill>
                     <a:srgbClr val="000000"/>
                   </a:solidFill>
@@ -1275,7 +1293,7 @@
             </a:ln>
             <a:extLst>
               <a:ext uri="{91240B29-F687-4f45-9708-019B960494DF}">
-                <a14:hiddenLine xmlns:a14="http://schemas.microsoft.com/office/drawing/2010/main" xmlns="" w="9525">
+                <a14:hiddenLine xmlns="" xmlns:a14="http://schemas.microsoft.com/office/drawing/2010/main" w="9525">
                   <a:solidFill>
                     <a:srgbClr val="000000"/>
                   </a:solidFill>
@@ -1365,7 +1383,7 @@
             </a:ln>
             <a:extLst>
               <a:ext uri="{91240B29-F687-4f45-9708-019B960494DF}">
-                <a14:hiddenLine xmlns:a14="http://schemas.microsoft.com/office/drawing/2010/main" xmlns="" w="9525">
+                <a14:hiddenLine xmlns="" xmlns:a14="http://schemas.microsoft.com/office/drawing/2010/main" w="9525">
                   <a:solidFill>
                     <a:srgbClr val="000000"/>
                   </a:solidFill>
@@ -1455,7 +1473,7 @@
             </a:ln>
             <a:extLst>
               <a:ext uri="{91240B29-F687-4f45-9708-019B960494DF}">
-                <a14:hiddenLine xmlns:a14="http://schemas.microsoft.com/office/drawing/2010/main" xmlns="" w="9525">
+                <a14:hiddenLine xmlns="" xmlns:a14="http://schemas.microsoft.com/office/drawing/2010/main" w="9525">
                   <a:solidFill>
                     <a:srgbClr val="000000"/>
                   </a:solidFill>
@@ -1517,7 +1535,7 @@
             </a:ln>
             <a:extLst>
               <a:ext uri="{91240B29-F687-4f45-9708-019B960494DF}">
-                <a14:hiddenLine xmlns:a14="http://schemas.microsoft.com/office/drawing/2010/main" xmlns="" w="9525">
+                <a14:hiddenLine xmlns="" xmlns:a14="http://schemas.microsoft.com/office/drawing/2010/main" w="9525">
                   <a:solidFill>
                     <a:srgbClr val="000000"/>
                   </a:solidFill>
@@ -1607,7 +1625,7 @@
             </a:ln>
             <a:extLst>
               <a:ext uri="{91240B29-F687-4f45-9708-019B960494DF}">
-                <a14:hiddenLine xmlns:a14="http://schemas.microsoft.com/office/drawing/2010/main" xmlns="" w="9525">
+                <a14:hiddenLine xmlns="" xmlns:a14="http://schemas.microsoft.com/office/drawing/2010/main" w="9525">
                   <a:solidFill>
                     <a:srgbClr val="000000"/>
                   </a:solidFill>
@@ -1697,7 +1715,7 @@
             </a:ln>
             <a:extLst>
               <a:ext uri="{91240B29-F687-4f45-9708-019B960494DF}">
-                <a14:hiddenLine xmlns:a14="http://schemas.microsoft.com/office/drawing/2010/main" xmlns="" w="9525">
+                <a14:hiddenLine xmlns="" xmlns:a14="http://schemas.microsoft.com/office/drawing/2010/main" w="9525">
                   <a:solidFill>
                     <a:srgbClr val="000000"/>
                   </a:solidFill>
@@ -1753,7 +1771,7 @@
             </a:ln>
             <a:extLst>
               <a:ext uri="{91240B29-F687-4f45-9708-019B960494DF}">
-                <a14:hiddenLine xmlns:a14="http://schemas.microsoft.com/office/drawing/2010/main" xmlns="" w="9525">
+                <a14:hiddenLine xmlns="" xmlns:a14="http://schemas.microsoft.com/office/drawing/2010/main" w="9525">
                   <a:solidFill>
                     <a:srgbClr val="000000"/>
                   </a:solidFill>
@@ -1843,7 +1861,7 @@
             </a:ln>
             <a:extLst>
               <a:ext uri="{91240B29-F687-4f45-9708-019B960494DF}">
-                <a14:hiddenLine xmlns:a14="http://schemas.microsoft.com/office/drawing/2010/main" xmlns="" w="9525">
+                <a14:hiddenLine xmlns="" xmlns:a14="http://schemas.microsoft.com/office/drawing/2010/main" w="9525">
                   <a:solidFill>
                     <a:srgbClr val="000000"/>
                   </a:solidFill>
@@ -1899,7 +1917,7 @@
             </a:ln>
             <a:extLst>
               <a:ext uri="{91240B29-F687-4f45-9708-019B960494DF}">
-                <a14:hiddenLine xmlns:a14="http://schemas.microsoft.com/office/drawing/2010/main" xmlns="" w="9525">
+                <a14:hiddenLine xmlns="" xmlns:a14="http://schemas.microsoft.com/office/drawing/2010/main" w="9525">
                   <a:solidFill>
                     <a:srgbClr val="000000"/>
                   </a:solidFill>
@@ -1989,7 +2007,7 @@
             </a:ln>
             <a:extLst>
               <a:ext uri="{91240B29-F687-4f45-9708-019B960494DF}">
-                <a14:hiddenLine xmlns:a14="http://schemas.microsoft.com/office/drawing/2010/main" xmlns="" w="9525">
+                <a14:hiddenLine xmlns="" xmlns:a14="http://schemas.microsoft.com/office/drawing/2010/main" w="9525">
                   <a:solidFill>
                     <a:srgbClr val="000000"/>
                   </a:solidFill>
@@ -2057,7 +2075,7 @@
             </a:ln>
             <a:extLst>
               <a:ext uri="{91240B29-F687-4f45-9708-019B960494DF}">
-                <a14:hiddenLine xmlns:a14="http://schemas.microsoft.com/office/drawing/2010/main" xmlns="" w="9525">
+                <a14:hiddenLine xmlns="" xmlns:a14="http://schemas.microsoft.com/office/drawing/2010/main" w="9525">
                   <a:solidFill>
                     <a:srgbClr val="000000"/>
                   </a:solidFill>
@@ -2147,7 +2165,7 @@
             </a:ln>
             <a:extLst>
               <a:ext uri="{91240B29-F687-4f45-9708-019B960494DF}">
-                <a14:hiddenLine xmlns:a14="http://schemas.microsoft.com/office/drawing/2010/main" xmlns="" w="9525">
+                <a14:hiddenLine xmlns="" xmlns:a14="http://schemas.microsoft.com/office/drawing/2010/main" w="9525">
                   <a:solidFill>
                     <a:srgbClr val="000000"/>
                   </a:solidFill>
@@ -2215,7 +2233,7 @@
             </a:ln>
             <a:extLst>
               <a:ext uri="{91240B29-F687-4f45-9708-019B960494DF}">
-                <a14:hiddenLine xmlns:a14="http://schemas.microsoft.com/office/drawing/2010/main" xmlns="" w="9525">
+                <a14:hiddenLine xmlns="" xmlns:a14="http://schemas.microsoft.com/office/drawing/2010/main" w="9525">
                   <a:solidFill>
                     <a:srgbClr val="000000"/>
                   </a:solidFill>
@@ -2305,7 +2323,7 @@
             </a:ln>
             <a:extLst>
               <a:ext uri="{91240B29-F687-4f45-9708-019B960494DF}">
-                <a14:hiddenLine xmlns:a14="http://schemas.microsoft.com/office/drawing/2010/main" xmlns="" w="9525">
+                <a14:hiddenLine xmlns="" xmlns:a14="http://schemas.microsoft.com/office/drawing/2010/main" w="9525">
                   <a:solidFill>
                     <a:srgbClr val="000000"/>
                   </a:solidFill>
@@ -2339,7 +2357,7 @@
             </a:ln>
             <a:extLst>
               <a:ext uri="{91240B29-F687-4f45-9708-019B960494DF}">
-                <a14:hiddenLine xmlns:a14="http://schemas.microsoft.com/office/drawing/2010/main" xmlns="" w="9525">
+                <a14:hiddenLine xmlns="" xmlns:a14="http://schemas.microsoft.com/office/drawing/2010/main" w="9525">
                   <a:solidFill>
                     <a:srgbClr val="000000"/>
                   </a:solidFill>
@@ -2429,7 +2447,7 @@
             </a:ln>
             <a:extLst>
               <a:ext uri="{91240B29-F687-4f45-9708-019B960494DF}">
-                <a14:hiddenLine xmlns:a14="http://schemas.microsoft.com/office/drawing/2010/main" xmlns="" w="9525">
+                <a14:hiddenLine xmlns="" xmlns:a14="http://schemas.microsoft.com/office/drawing/2010/main" w="9525">
                   <a:solidFill>
                     <a:srgbClr val="000000"/>
                   </a:solidFill>
@@ -2491,7 +2509,7 @@
             </a:ln>
             <a:extLst>
               <a:ext uri="{91240B29-F687-4f45-9708-019B960494DF}">
-                <a14:hiddenLine xmlns:a14="http://schemas.microsoft.com/office/drawing/2010/main" xmlns="" w="9525">
+                <a14:hiddenLine xmlns="" xmlns:a14="http://schemas.microsoft.com/office/drawing/2010/main" w="9525">
                   <a:solidFill>
                     <a:srgbClr val="000000"/>
                   </a:solidFill>
@@ -2553,7 +2571,7 @@
             </a:ln>
             <a:extLst>
               <a:ext uri="{91240B29-F687-4f45-9708-019B960494DF}">
-                <a14:hiddenLine xmlns:a14="http://schemas.microsoft.com/office/drawing/2010/main" xmlns="" w="9525">
+                <a14:hiddenLine xmlns="" xmlns:a14="http://schemas.microsoft.com/office/drawing/2010/main" w="9525">
                   <a:solidFill>
                     <a:srgbClr val="000000"/>
                   </a:solidFill>
@@ -2643,7 +2661,7 @@
             </a:ln>
             <a:extLst>
               <a:ext uri="{91240B29-F687-4f45-9708-019B960494DF}">
-                <a14:hiddenLine xmlns:a14="http://schemas.microsoft.com/office/drawing/2010/main" xmlns="" w="9525">
+                <a14:hiddenLine xmlns="" xmlns:a14="http://schemas.microsoft.com/office/drawing/2010/main" w="9525">
                   <a:solidFill>
                     <a:srgbClr val="000000"/>
                   </a:solidFill>
@@ -2711,7 +2729,7 @@
             </a:ln>
             <a:extLst>
               <a:ext uri="{91240B29-F687-4f45-9708-019B960494DF}">
-                <a14:hiddenLine xmlns:a14="http://schemas.microsoft.com/office/drawing/2010/main" xmlns="" w="9525">
+                <a14:hiddenLine xmlns="" xmlns:a14="http://schemas.microsoft.com/office/drawing/2010/main" w="9525">
                   <a:solidFill>
                     <a:srgbClr val="000000"/>
                   </a:solidFill>
@@ -2773,7 +2791,7 @@
             </a:ln>
             <a:extLst>
               <a:ext uri="{91240B29-F687-4f45-9708-019B960494DF}">
-                <a14:hiddenLine xmlns:a14="http://schemas.microsoft.com/office/drawing/2010/main" xmlns="" w="9525">
+                <a14:hiddenLine xmlns="" xmlns:a14="http://schemas.microsoft.com/office/drawing/2010/main" w="9525">
                   <a:solidFill>
                     <a:srgbClr val="000000"/>
                   </a:solidFill>
@@ -2863,7 +2881,7 @@
             </a:ln>
             <a:extLst>
               <a:ext uri="{91240B29-F687-4f45-9708-019B960494DF}">
-                <a14:hiddenLine xmlns:a14="http://schemas.microsoft.com/office/drawing/2010/main" xmlns="" w="9525">
+                <a14:hiddenLine xmlns="" xmlns:a14="http://schemas.microsoft.com/office/drawing/2010/main" w="9525">
                   <a:solidFill>
                     <a:srgbClr val="000000"/>
                   </a:solidFill>
@@ -2925,7 +2943,7 @@
             </a:ln>
             <a:extLst>
               <a:ext uri="{91240B29-F687-4f45-9708-019B960494DF}">
-                <a14:hiddenLine xmlns:a14="http://schemas.microsoft.com/office/drawing/2010/main" xmlns="" w="9525">
+                <a14:hiddenLine xmlns="" xmlns:a14="http://schemas.microsoft.com/office/drawing/2010/main" w="9525">
                   <a:solidFill>
                     <a:srgbClr val="000000"/>
                   </a:solidFill>
@@ -3015,7 +3033,7 @@
             </a:ln>
             <a:extLst>
               <a:ext uri="{91240B29-F687-4f45-9708-019B960494DF}">
-                <a14:hiddenLine xmlns:a14="http://schemas.microsoft.com/office/drawing/2010/main" xmlns="" w="9525">
+                <a14:hiddenLine xmlns="" xmlns:a14="http://schemas.microsoft.com/office/drawing/2010/main" w="9525">
                   <a:solidFill>
                     <a:srgbClr val="000000"/>
                   </a:solidFill>
@@ -3077,7 +3095,7 @@
             </a:ln>
             <a:extLst>
               <a:ext uri="{91240B29-F687-4f45-9708-019B960494DF}">
-                <a14:hiddenLine xmlns:a14="http://schemas.microsoft.com/office/drawing/2010/main" xmlns="" w="9525">
+                <a14:hiddenLine xmlns="" xmlns:a14="http://schemas.microsoft.com/office/drawing/2010/main" w="9525">
                   <a:solidFill>
                     <a:srgbClr val="000000"/>
                   </a:solidFill>
@@ -3167,7 +3185,7 @@
             </a:ln>
             <a:extLst>
               <a:ext uri="{91240B29-F687-4f45-9708-019B960494DF}">
-                <a14:hiddenLine xmlns:a14="http://schemas.microsoft.com/office/drawing/2010/main" xmlns="" w="9525">
+                <a14:hiddenLine xmlns="" xmlns:a14="http://schemas.microsoft.com/office/drawing/2010/main" w="9525">
                   <a:solidFill>
                     <a:srgbClr val="000000"/>
                   </a:solidFill>
@@ -3201,7 +3219,7 @@
             </a:ln>
             <a:extLst>
               <a:ext uri="{91240B29-F687-4f45-9708-019B960494DF}">
-                <a14:hiddenLine xmlns:a14="http://schemas.microsoft.com/office/drawing/2010/main" xmlns="" w="9525">
+                <a14:hiddenLine xmlns="" xmlns:a14="http://schemas.microsoft.com/office/drawing/2010/main" w="9525">
                   <a:solidFill>
                     <a:srgbClr val="000000"/>
                   </a:solidFill>
@@ -3266,7 +3284,7 @@
             </a:ln>
             <a:extLst>
               <a:ext uri="{91240B29-F687-4f45-9708-019B960494DF}">
-                <a14:hiddenLine xmlns:a14="http://schemas.microsoft.com/office/drawing/2010/main" xmlns="" w="9525">
+                <a14:hiddenLine xmlns="" xmlns:a14="http://schemas.microsoft.com/office/drawing/2010/main" w="9525">
                   <a:solidFill>
                     <a:srgbClr val="000000"/>
                   </a:solidFill>
@@ -3356,7 +3374,7 @@
             </a:ln>
             <a:extLst>
               <a:ext uri="{91240B29-F687-4f45-9708-019B960494DF}">
-                <a14:hiddenLine xmlns:a14="http://schemas.microsoft.com/office/drawing/2010/main" xmlns="" w="9525">
+                <a14:hiddenLine xmlns="" xmlns:a14="http://schemas.microsoft.com/office/drawing/2010/main" w="9525">
                   <a:solidFill>
                     <a:srgbClr val="000000"/>
                   </a:solidFill>
@@ -3418,7 +3436,7 @@
             </a:ln>
             <a:extLst>
               <a:ext uri="{91240B29-F687-4f45-9708-019B960494DF}">
-                <a14:hiddenLine xmlns:a14="http://schemas.microsoft.com/office/drawing/2010/main" xmlns="" w="9525">
+                <a14:hiddenLine xmlns="" xmlns:a14="http://schemas.microsoft.com/office/drawing/2010/main" w="9525">
                   <a:solidFill>
                     <a:srgbClr val="000000"/>
                   </a:solidFill>
@@ -3508,7 +3526,7 @@
             </a:ln>
             <a:extLst>
               <a:ext uri="{91240B29-F687-4f45-9708-019B960494DF}">
-                <a14:hiddenLine xmlns:a14="http://schemas.microsoft.com/office/drawing/2010/main" xmlns="" w="9525">
+                <a14:hiddenLine xmlns="" xmlns:a14="http://schemas.microsoft.com/office/drawing/2010/main" w="9525">
                   <a:solidFill>
                     <a:srgbClr val="000000"/>
                   </a:solidFill>
@@ -3598,7 +3616,7 @@
             </a:ln>
             <a:extLst>
               <a:ext uri="{91240B29-F687-4f45-9708-019B960494DF}">
-                <a14:hiddenLine xmlns:a14="http://schemas.microsoft.com/office/drawing/2010/main" xmlns="" w="9525">
+                <a14:hiddenLine xmlns="" xmlns:a14="http://schemas.microsoft.com/office/drawing/2010/main" w="9525">
                   <a:solidFill>
                     <a:srgbClr val="000000"/>
                   </a:solidFill>
@@ -3663,7 +3681,7 @@
             </a:ln>
             <a:extLst>
               <a:ext uri="{91240B29-F687-4f45-9708-019B960494DF}">
-                <a14:hiddenLine xmlns:a14="http://schemas.microsoft.com/office/drawing/2010/main" xmlns="" w="9525">
+                <a14:hiddenLine xmlns="" xmlns:a14="http://schemas.microsoft.com/office/drawing/2010/main" w="9525">
                   <a:solidFill>
                     <a:srgbClr val="000000"/>
                   </a:solidFill>
@@ -3725,7 +3743,7 @@
             </a:ln>
             <a:extLst>
               <a:ext uri="{91240B29-F687-4f45-9708-019B960494DF}">
-                <a14:hiddenLine xmlns:a14="http://schemas.microsoft.com/office/drawing/2010/main" xmlns="" w="9525">
+                <a14:hiddenLine xmlns="" xmlns:a14="http://schemas.microsoft.com/office/drawing/2010/main" w="9525">
                   <a:solidFill>
                     <a:srgbClr val="000000"/>
                   </a:solidFill>
@@ -3815,7 +3833,7 @@
             </a:ln>
             <a:extLst>
               <a:ext uri="{91240B29-F687-4f45-9708-019B960494DF}">
-                <a14:hiddenLine xmlns:a14="http://schemas.microsoft.com/office/drawing/2010/main" xmlns="" w="9525">
+                <a14:hiddenLine xmlns="" xmlns:a14="http://schemas.microsoft.com/office/drawing/2010/main" w="9525">
                   <a:solidFill>
                     <a:srgbClr val="000000"/>
                   </a:solidFill>
@@ -3905,7 +3923,7 @@
             </a:ln>
             <a:extLst>
               <a:ext uri="{91240B29-F687-4f45-9708-019B960494DF}">
-                <a14:hiddenLine xmlns:a14="http://schemas.microsoft.com/office/drawing/2010/main" xmlns="" w="9525">
+                <a14:hiddenLine xmlns="" xmlns:a14="http://schemas.microsoft.com/office/drawing/2010/main" w="9525">
                   <a:solidFill>
                     <a:srgbClr val="000000"/>
                   </a:solidFill>
@@ -3967,7 +3985,7 @@
             </a:ln>
             <a:extLst>
               <a:ext uri="{91240B29-F687-4f45-9708-019B960494DF}">
-                <a14:hiddenLine xmlns:a14="http://schemas.microsoft.com/office/drawing/2010/main" xmlns="" w="9525">
+                <a14:hiddenLine xmlns="" xmlns:a14="http://schemas.microsoft.com/office/drawing/2010/main" w="9525">
                   <a:solidFill>
                     <a:srgbClr val="000000"/>
                   </a:solidFill>
@@ -4087,7 +4105,7 @@
             </a:ln>
             <a:extLst>
               <a:ext uri="{91240B29-F687-4f45-9708-019B960494DF}">
-                <a14:hiddenLine xmlns:a14="http://schemas.microsoft.com/office/drawing/2010/main" xmlns="" w="9525">
+                <a14:hiddenLine xmlns="" xmlns:a14="http://schemas.microsoft.com/office/drawing/2010/main" w="9525">
                   <a:solidFill>
                     <a:srgbClr val="000000"/>
                   </a:solidFill>
@@ -4155,7 +4173,7 @@
             </a:ln>
             <a:extLst>
               <a:ext uri="{91240B29-F687-4f45-9708-019B960494DF}">
-                <a14:hiddenLine xmlns:a14="http://schemas.microsoft.com/office/drawing/2010/main" xmlns="" w="9525">
+                <a14:hiddenLine xmlns="" xmlns:a14="http://schemas.microsoft.com/office/drawing/2010/main" w="9525">
                   <a:solidFill>
                     <a:srgbClr val="000000"/>
                   </a:solidFill>
@@ -4245,7 +4263,7 @@
             </a:ln>
             <a:extLst>
               <a:ext uri="{91240B29-F687-4f45-9708-019B960494DF}">
-                <a14:hiddenLine xmlns:a14="http://schemas.microsoft.com/office/drawing/2010/main" xmlns="" w="9525">
+                <a14:hiddenLine xmlns="" xmlns:a14="http://schemas.microsoft.com/office/drawing/2010/main" w="9525">
                   <a:solidFill>
                     <a:srgbClr val="000000"/>
                   </a:solidFill>
@@ -4385,7 +4403,7 @@
           <a:p>
             <a:fld id="{48A87A34-81AB-432B-8DAE-1953F412C126}" type="datetimeFigureOut">
               <a:rPr lang="en-US" dirty="0"/>
-              <a:t>2/9/2023</a:t>
+              <a:t>2/10/2023</a:t>
             </a:fld>
             <a:endParaRPr lang="en-US" dirty="0"/>
           </a:p>
@@ -4647,7 +4665,7 @@
           <a:p>
             <a:fld id="{48A87A34-81AB-432B-8DAE-1953F412C126}" type="datetimeFigureOut">
               <a:rPr lang="en-US" dirty="0"/>
-              <a:t>2/9/2023</a:t>
+              <a:t>2/10/2023</a:t>
             </a:fld>
             <a:endParaRPr lang="en-US" dirty="0"/>
           </a:p>
@@ -4838,7 +4856,7 @@
           <a:p>
             <a:fld id="{48A87A34-81AB-432B-8DAE-1953F412C126}" type="datetimeFigureOut">
               <a:rPr lang="en-US" dirty="0"/>
-              <a:t>2/9/2023</a:t>
+              <a:t>2/10/2023</a:t>
             </a:fld>
             <a:endParaRPr lang="en-US" dirty="0"/>
           </a:p>
@@ -5096,7 +5114,7 @@
           <a:p>
             <a:fld id="{48A87A34-81AB-432B-8DAE-1953F412C126}" type="datetimeFigureOut">
               <a:rPr lang="en-US" dirty="0"/>
-              <a:t>2/9/2023</a:t>
+              <a:t>2/10/2023</a:t>
             </a:fld>
             <a:endParaRPr lang="en-US" dirty="0"/>
           </a:p>
@@ -5525,7 +5543,7 @@
           <a:p>
             <a:fld id="{48A87A34-81AB-432B-8DAE-1953F412C126}" type="datetimeFigureOut">
               <a:rPr lang="en-US" dirty="0"/>
-              <a:t>2/9/2023</a:t>
+              <a:t>2/10/2023</a:t>
             </a:fld>
             <a:endParaRPr lang="en-US" dirty="0"/>
           </a:p>
@@ -6066,7 +6084,7 @@
           <a:p>
             <a:fld id="{48A87A34-81AB-432B-8DAE-1953F412C126}" type="datetimeFigureOut">
               <a:rPr lang="en-US" dirty="0"/>
-              <a:t>2/9/2023</a:t>
+              <a:t>2/10/2023</a:t>
             </a:fld>
             <a:endParaRPr lang="en-US" dirty="0"/>
           </a:p>
@@ -6781,7 +6799,7 @@
           <a:p>
             <a:fld id="{48A87A34-81AB-432B-8DAE-1953F412C126}" type="datetimeFigureOut">
               <a:rPr lang="en-US" dirty="0"/>
-              <a:t>2/9/2023</a:t>
+              <a:t>2/10/2023</a:t>
             </a:fld>
             <a:endParaRPr lang="en-US" dirty="0"/>
           </a:p>
@@ -6946,7 +6964,7 @@
           <a:p>
             <a:fld id="{48A87A34-81AB-432B-8DAE-1953F412C126}" type="datetimeFigureOut">
               <a:rPr lang="en-US" dirty="0"/>
-              <a:t>2/9/2023</a:t>
+              <a:t>2/10/2023</a:t>
             </a:fld>
             <a:endParaRPr lang="en-US" dirty="0"/>
           </a:p>
@@ -7121,7 +7139,7 @@
           <a:p>
             <a:fld id="{48A87A34-81AB-432B-8DAE-1953F412C126}" type="datetimeFigureOut">
               <a:rPr lang="en-US" dirty="0"/>
-              <a:t>2/9/2023</a:t>
+              <a:t>2/10/2023</a:t>
             </a:fld>
             <a:endParaRPr lang="en-US" dirty="0"/>
           </a:p>
@@ -7286,7 +7304,7 @@
           <a:p>
             <a:fld id="{48A87A34-81AB-432B-8DAE-1953F412C126}" type="datetimeFigureOut">
               <a:rPr lang="en-US" dirty="0"/>
-              <a:t>2/9/2023</a:t>
+              <a:t>2/10/2023</a:t>
             </a:fld>
             <a:endParaRPr lang="en-US" dirty="0"/>
           </a:p>
@@ -7531,7 +7549,7 @@
           <a:p>
             <a:fld id="{48A87A34-81AB-432B-8DAE-1953F412C126}" type="datetimeFigureOut">
               <a:rPr lang="en-US" dirty="0"/>
-              <a:t>2/9/2023</a:t>
+              <a:t>2/10/2023</a:t>
             </a:fld>
             <a:endParaRPr lang="en-US" dirty="0"/>
           </a:p>
@@ -7758,7 +7776,7 @@
           <a:p>
             <a:fld id="{48A87A34-81AB-432B-8DAE-1953F412C126}" type="datetimeFigureOut">
               <a:rPr lang="en-US" dirty="0"/>
-              <a:t>2/9/2023</a:t>
+              <a:t>2/10/2023</a:t>
             </a:fld>
             <a:endParaRPr lang="en-US" dirty="0"/>
           </a:p>
@@ -8134,7 +8152,7 @@
           <a:p>
             <a:fld id="{48A87A34-81AB-432B-8DAE-1953F412C126}" type="datetimeFigureOut">
               <a:rPr lang="en-US" dirty="0"/>
-              <a:t>2/9/2023</a:t>
+              <a:t>2/10/2023</a:t>
             </a:fld>
             <a:endParaRPr lang="en-US" dirty="0"/>
           </a:p>
@@ -8247,7 +8265,7 @@
           <a:p>
             <a:fld id="{48A87A34-81AB-432B-8DAE-1953F412C126}" type="datetimeFigureOut">
               <a:rPr lang="en-US" dirty="0"/>
-              <a:t>2/9/2023</a:t>
+              <a:t>2/10/2023</a:t>
             </a:fld>
             <a:endParaRPr lang="en-US" dirty="0"/>
           </a:p>
@@ -8337,7 +8355,7 @@
           <a:p>
             <a:fld id="{48A87A34-81AB-432B-8DAE-1953F412C126}" type="datetimeFigureOut">
               <a:rPr lang="en-US" dirty="0"/>
-              <a:t>2/9/2023</a:t>
+              <a:t>2/10/2023</a:t>
             </a:fld>
             <a:endParaRPr lang="en-US" dirty="0"/>
           </a:p>
@@ -8581,7 +8599,7 @@
           <a:p>
             <a:fld id="{48A87A34-81AB-432B-8DAE-1953F412C126}" type="datetimeFigureOut">
               <a:rPr lang="en-US" dirty="0"/>
-              <a:t>2/9/2023</a:t>
+              <a:t>2/10/2023</a:t>
             </a:fld>
             <a:endParaRPr lang="en-US" dirty="0"/>
           </a:p>
@@ -8856,7 +8874,7 @@
           <a:p>
             <a:fld id="{48A87A34-81AB-432B-8DAE-1953F412C126}" type="datetimeFigureOut">
               <a:rPr lang="en-US" dirty="0"/>
-              <a:t>2/9/2023</a:t>
+              <a:t>2/10/2023</a:t>
             </a:fld>
             <a:endParaRPr lang="en-US" dirty="0"/>
           </a:p>
@@ -8967,7 +8985,7 @@
           <a:noFill/>
           <a:extLst>
             <a:ext uri="{909E8E84-426E-40dd-AFC4-6F175D3DCCD1}">
-              <a14:hiddenFill xmlns:a14="http://schemas.microsoft.com/office/drawing/2010/main" xmlns="">
+              <a14:hiddenFill xmlns="" xmlns:a14="http://schemas.microsoft.com/office/drawing/2010/main">
                 <a:solidFill>
                   <a:srgbClr val="FFFFFF"/>
                 </a:solidFill>
@@ -9041,7 +9059,7 @@
               </a:ln>
               <a:extLst>
                 <a:ext uri="{91240B29-F687-4f45-9708-019B960494DF}">
-                  <a14:hiddenLine xmlns:a14="http://schemas.microsoft.com/office/drawing/2010/main" xmlns="" w="9525">
+                  <a14:hiddenLine xmlns="" xmlns:a14="http://schemas.microsoft.com/office/drawing/2010/main" w="9525">
                     <a:solidFill>
                       <a:srgbClr val="000000"/>
                     </a:solidFill>
@@ -9131,7 +9149,7 @@
               </a:ln>
               <a:extLst>
                 <a:ext uri="{91240B29-F687-4f45-9708-019B960494DF}">
-                  <a14:hiddenLine xmlns:a14="http://schemas.microsoft.com/office/drawing/2010/main" xmlns="" w="9525">
+                  <a14:hiddenLine xmlns="" xmlns:a14="http://schemas.microsoft.com/office/drawing/2010/main" w="9525">
                     <a:solidFill>
                       <a:srgbClr val="000000"/>
                     </a:solidFill>
@@ -9221,7 +9239,7 @@
               </a:ln>
               <a:extLst>
                 <a:ext uri="{91240B29-F687-4f45-9708-019B960494DF}">
-                  <a14:hiddenLine xmlns:a14="http://schemas.microsoft.com/office/drawing/2010/main" xmlns="" w="9525">
+                  <a14:hiddenLine xmlns="" xmlns:a14="http://schemas.microsoft.com/office/drawing/2010/main" w="9525">
                     <a:solidFill>
                       <a:srgbClr val="000000"/>
                     </a:solidFill>
@@ -9283,7 +9301,7 @@
               </a:ln>
               <a:extLst>
                 <a:ext uri="{91240B29-F687-4f45-9708-019B960494DF}">
-                  <a14:hiddenLine xmlns:a14="http://schemas.microsoft.com/office/drawing/2010/main" xmlns="" w="9525">
+                  <a14:hiddenLine xmlns="" xmlns:a14="http://schemas.microsoft.com/office/drawing/2010/main" w="9525">
                     <a:solidFill>
                       <a:srgbClr val="000000"/>
                     </a:solidFill>
@@ -9373,7 +9391,7 @@
               </a:ln>
               <a:extLst>
                 <a:ext uri="{91240B29-F687-4f45-9708-019B960494DF}">
-                  <a14:hiddenLine xmlns:a14="http://schemas.microsoft.com/office/drawing/2010/main" xmlns="" w="9525">
+                  <a14:hiddenLine xmlns="" xmlns:a14="http://schemas.microsoft.com/office/drawing/2010/main" w="9525">
                     <a:solidFill>
                       <a:srgbClr val="000000"/>
                     </a:solidFill>
@@ -9435,7 +9453,7 @@
               </a:ln>
               <a:extLst>
                 <a:ext uri="{91240B29-F687-4f45-9708-019B960494DF}">
-                  <a14:hiddenLine xmlns:a14="http://schemas.microsoft.com/office/drawing/2010/main" xmlns="" w="9525">
+                  <a14:hiddenLine xmlns="" xmlns:a14="http://schemas.microsoft.com/office/drawing/2010/main" w="9525">
                     <a:solidFill>
                       <a:srgbClr val="000000"/>
                     </a:solidFill>
@@ -9497,7 +9515,7 @@
               </a:ln>
               <a:extLst>
                 <a:ext uri="{91240B29-F687-4f45-9708-019B960494DF}">
-                  <a14:hiddenLine xmlns:a14="http://schemas.microsoft.com/office/drawing/2010/main" xmlns="" w="9525">
+                  <a14:hiddenLine xmlns="" xmlns:a14="http://schemas.microsoft.com/office/drawing/2010/main" w="9525">
                     <a:solidFill>
                       <a:srgbClr val="000000"/>
                     </a:solidFill>
@@ -9587,7 +9605,7 @@
               </a:ln>
               <a:extLst>
                 <a:ext uri="{91240B29-F687-4f45-9708-019B960494DF}">
-                  <a14:hiddenLine xmlns:a14="http://schemas.microsoft.com/office/drawing/2010/main" xmlns="" w="9525">
+                  <a14:hiddenLine xmlns="" xmlns:a14="http://schemas.microsoft.com/office/drawing/2010/main" w="9525">
                     <a:solidFill>
                       <a:srgbClr val="000000"/>
                     </a:solidFill>
@@ -9677,7 +9695,7 @@
               </a:ln>
               <a:extLst>
                 <a:ext uri="{91240B29-F687-4f45-9708-019B960494DF}">
-                  <a14:hiddenLine xmlns:a14="http://schemas.microsoft.com/office/drawing/2010/main" xmlns="" w="9525">
+                  <a14:hiddenLine xmlns="" xmlns:a14="http://schemas.microsoft.com/office/drawing/2010/main" w="9525">
                     <a:solidFill>
                       <a:srgbClr val="000000"/>
                     </a:solidFill>
@@ -9739,7 +9757,7 @@
               </a:ln>
               <a:extLst>
                 <a:ext uri="{91240B29-F687-4f45-9708-019B960494DF}">
-                  <a14:hiddenLine xmlns:a14="http://schemas.microsoft.com/office/drawing/2010/main" xmlns="" w="9525">
+                  <a14:hiddenLine xmlns="" xmlns:a14="http://schemas.microsoft.com/office/drawing/2010/main" w="9525">
                     <a:solidFill>
                       <a:srgbClr val="000000"/>
                     </a:solidFill>
@@ -9849,7 +9867,7 @@
               </a:ln>
               <a:extLst>
                 <a:ext uri="{91240B29-F687-4f45-9708-019B960494DF}">
-                  <a14:hiddenLine xmlns:a14="http://schemas.microsoft.com/office/drawing/2010/main" xmlns="" w="9525">
+                  <a14:hiddenLine xmlns="" xmlns:a14="http://schemas.microsoft.com/office/drawing/2010/main" w="9525">
                     <a:solidFill>
                       <a:srgbClr val="000000"/>
                     </a:solidFill>
@@ -9933,7 +9951,7 @@
               </a:ln>
               <a:extLst>
                 <a:ext uri="{91240B29-F687-4f45-9708-019B960494DF}">
-                  <a14:hiddenLine xmlns:a14="http://schemas.microsoft.com/office/drawing/2010/main" xmlns="" w="9525">
+                  <a14:hiddenLine xmlns="" xmlns:a14="http://schemas.microsoft.com/office/drawing/2010/main" w="9525">
                     <a:solidFill>
                       <a:srgbClr val="000000"/>
                     </a:solidFill>
@@ -9995,7 +10013,7 @@
               </a:ln>
               <a:extLst>
                 <a:ext uri="{91240B29-F687-4f45-9708-019B960494DF}">
-                  <a14:hiddenLine xmlns:a14="http://schemas.microsoft.com/office/drawing/2010/main" xmlns="" w="9525">
+                  <a14:hiddenLine xmlns="" xmlns:a14="http://schemas.microsoft.com/office/drawing/2010/main" w="9525">
                     <a:solidFill>
                       <a:srgbClr val="000000"/>
                     </a:solidFill>
@@ -10057,7 +10075,7 @@
               </a:ln>
               <a:extLst>
                 <a:ext uri="{91240B29-F687-4f45-9708-019B960494DF}">
-                  <a14:hiddenLine xmlns:a14="http://schemas.microsoft.com/office/drawing/2010/main" xmlns="" w="9525">
+                  <a14:hiddenLine xmlns="" xmlns:a14="http://schemas.microsoft.com/office/drawing/2010/main" w="9525">
                     <a:solidFill>
                       <a:srgbClr val="000000"/>
                     </a:solidFill>
@@ -10147,7 +10165,7 @@
               </a:ln>
               <a:extLst>
                 <a:ext uri="{91240B29-F687-4f45-9708-019B960494DF}">
-                  <a14:hiddenLine xmlns:a14="http://schemas.microsoft.com/office/drawing/2010/main" xmlns="" w="9525">
+                  <a14:hiddenLine xmlns="" xmlns:a14="http://schemas.microsoft.com/office/drawing/2010/main" w="9525">
                     <a:solidFill>
                       <a:srgbClr val="000000"/>
                     </a:solidFill>
@@ -10181,7 +10199,7 @@
               </a:ln>
               <a:extLst>
                 <a:ext uri="{91240B29-F687-4f45-9708-019B960494DF}">
-                  <a14:hiddenLine xmlns:a14="http://schemas.microsoft.com/office/drawing/2010/main" xmlns="" w="9525">
+                  <a14:hiddenLine xmlns="" xmlns:a14="http://schemas.microsoft.com/office/drawing/2010/main" w="9525">
                     <a:solidFill>
                       <a:srgbClr val="000000"/>
                     </a:solidFill>
@@ -10246,7 +10264,7 @@
               </a:ln>
               <a:extLst>
                 <a:ext uri="{91240B29-F687-4f45-9708-019B960494DF}">
-                  <a14:hiddenLine xmlns:a14="http://schemas.microsoft.com/office/drawing/2010/main" xmlns="" w="9525">
+                  <a14:hiddenLine xmlns="" xmlns:a14="http://schemas.microsoft.com/office/drawing/2010/main" w="9525">
                     <a:solidFill>
                       <a:srgbClr val="000000"/>
                     </a:solidFill>
@@ -10336,7 +10354,7 @@
               </a:ln>
               <a:extLst>
                 <a:ext uri="{91240B29-F687-4f45-9708-019B960494DF}">
-                  <a14:hiddenLine xmlns:a14="http://schemas.microsoft.com/office/drawing/2010/main" xmlns="" w="9525">
+                  <a14:hiddenLine xmlns="" xmlns:a14="http://schemas.microsoft.com/office/drawing/2010/main" w="9525">
                     <a:solidFill>
                       <a:srgbClr val="000000"/>
                     </a:solidFill>
@@ -10398,7 +10416,7 @@
               </a:ln>
               <a:extLst>
                 <a:ext uri="{91240B29-F687-4f45-9708-019B960494DF}">
-                  <a14:hiddenLine xmlns:a14="http://schemas.microsoft.com/office/drawing/2010/main" xmlns="" w="9525">
+                  <a14:hiddenLine xmlns="" xmlns:a14="http://schemas.microsoft.com/office/drawing/2010/main" w="9525">
                     <a:solidFill>
                       <a:srgbClr val="000000"/>
                     </a:solidFill>
@@ -10488,7 +10506,7 @@
               </a:ln>
               <a:extLst>
                 <a:ext uri="{91240B29-F687-4f45-9708-019B960494DF}">
-                  <a14:hiddenLine xmlns:a14="http://schemas.microsoft.com/office/drawing/2010/main" xmlns="" w="9525">
+                  <a14:hiddenLine xmlns="" xmlns:a14="http://schemas.microsoft.com/office/drawing/2010/main" w="9525">
                     <a:solidFill>
                       <a:srgbClr val="000000"/>
                     </a:solidFill>
@@ -10553,7 +10571,7 @@
               </a:ln>
               <a:extLst>
                 <a:ext uri="{91240B29-F687-4f45-9708-019B960494DF}">
-                  <a14:hiddenLine xmlns:a14="http://schemas.microsoft.com/office/drawing/2010/main" xmlns="" w="9525">
+                  <a14:hiddenLine xmlns="" xmlns:a14="http://schemas.microsoft.com/office/drawing/2010/main" w="9525">
                     <a:solidFill>
                       <a:srgbClr val="000000"/>
                     </a:solidFill>
@@ -10615,7 +10633,7 @@
               </a:ln>
               <a:extLst>
                 <a:ext uri="{91240B29-F687-4f45-9708-019B960494DF}">
-                  <a14:hiddenLine xmlns:a14="http://schemas.microsoft.com/office/drawing/2010/main" xmlns="" w="9525">
+                  <a14:hiddenLine xmlns="" xmlns:a14="http://schemas.microsoft.com/office/drawing/2010/main" w="9525">
                     <a:solidFill>
                       <a:srgbClr val="000000"/>
                     </a:solidFill>
@@ -10705,7 +10723,7 @@
               </a:ln>
               <a:extLst>
                 <a:ext uri="{91240B29-F687-4f45-9708-019B960494DF}">
-                  <a14:hiddenLine xmlns:a14="http://schemas.microsoft.com/office/drawing/2010/main" xmlns="" w="9525">
+                  <a14:hiddenLine xmlns="" xmlns:a14="http://schemas.microsoft.com/office/drawing/2010/main" w="9525">
                     <a:solidFill>
                       <a:srgbClr val="000000"/>
                     </a:solidFill>
@@ -10795,7 +10813,7 @@
               </a:ln>
               <a:extLst>
                 <a:ext uri="{91240B29-F687-4f45-9708-019B960494DF}">
-                  <a14:hiddenLine xmlns:a14="http://schemas.microsoft.com/office/drawing/2010/main" xmlns="" w="9525">
+                  <a14:hiddenLine xmlns="" xmlns:a14="http://schemas.microsoft.com/office/drawing/2010/main" w="9525">
                     <a:solidFill>
                       <a:srgbClr val="000000"/>
                     </a:solidFill>
@@ -10860,7 +10878,7 @@
               </a:ln>
               <a:extLst>
                 <a:ext uri="{91240B29-F687-4f45-9708-019B960494DF}">
-                  <a14:hiddenLine xmlns:a14="http://schemas.microsoft.com/office/drawing/2010/main" xmlns="" w="9525">
+                  <a14:hiddenLine xmlns="" xmlns:a14="http://schemas.microsoft.com/office/drawing/2010/main" w="9525">
                     <a:solidFill>
                       <a:srgbClr val="000000"/>
                     </a:solidFill>
@@ -10980,7 +10998,7 @@
               </a:ln>
               <a:extLst>
                 <a:ext uri="{91240B29-F687-4f45-9708-019B960494DF}">
-                  <a14:hiddenLine xmlns:a14="http://schemas.microsoft.com/office/drawing/2010/main" xmlns="" w="9525">
+                  <a14:hiddenLine xmlns="" xmlns:a14="http://schemas.microsoft.com/office/drawing/2010/main" w="9525">
                     <a:solidFill>
                       <a:srgbClr val="000000"/>
                     </a:solidFill>
@@ -11078,7 +11096,7 @@
               </a:ln>
               <a:extLst>
                 <a:ext uri="{91240B29-F687-4f45-9708-019B960494DF}">
-                  <a14:hiddenLine xmlns:a14="http://schemas.microsoft.com/office/drawing/2010/main" xmlns="" w="9525">
+                  <a14:hiddenLine xmlns="" xmlns:a14="http://schemas.microsoft.com/office/drawing/2010/main" w="9525">
                     <a:solidFill>
                       <a:srgbClr val="000000"/>
                     </a:solidFill>
@@ -11193,7 +11211,7 @@
               </a:ln>
               <a:extLst>
                 <a:ext uri="{91240B29-F687-4f45-9708-019B960494DF}">
-                  <a14:hiddenLine xmlns:a14="http://schemas.microsoft.com/office/drawing/2010/main" xmlns="" w="9525">
+                  <a14:hiddenLine xmlns="" xmlns:a14="http://schemas.microsoft.com/office/drawing/2010/main" w="9525">
                     <a:solidFill>
                       <a:srgbClr val="000000"/>
                     </a:solidFill>
@@ -11283,7 +11301,7 @@
               </a:ln>
               <a:extLst>
                 <a:ext uri="{91240B29-F687-4f45-9708-019B960494DF}">
-                  <a14:hiddenLine xmlns:a14="http://schemas.microsoft.com/office/drawing/2010/main" xmlns="" w="9525">
+                  <a14:hiddenLine xmlns="" xmlns:a14="http://schemas.microsoft.com/office/drawing/2010/main" w="9525">
                     <a:solidFill>
                       <a:srgbClr val="000000"/>
                     </a:solidFill>
@@ -11348,7 +11366,7 @@
               </a:ln>
               <a:extLst>
                 <a:ext uri="{91240B29-F687-4f45-9708-019B960494DF}">
-                  <a14:hiddenLine xmlns:a14="http://schemas.microsoft.com/office/drawing/2010/main" xmlns="" w="9525">
+                  <a14:hiddenLine xmlns="" xmlns:a14="http://schemas.microsoft.com/office/drawing/2010/main" w="9525">
                     <a:solidFill>
                       <a:srgbClr val="000000"/>
                     </a:solidFill>
@@ -11438,7 +11456,7 @@
               </a:ln>
               <a:extLst>
                 <a:ext uri="{91240B29-F687-4f45-9708-019B960494DF}">
-                  <a14:hiddenLine xmlns:a14="http://schemas.microsoft.com/office/drawing/2010/main" xmlns="" w="9525">
+                  <a14:hiddenLine xmlns="" xmlns:a14="http://schemas.microsoft.com/office/drawing/2010/main" w="9525">
                     <a:solidFill>
                       <a:srgbClr val="000000"/>
                     </a:solidFill>
@@ -11506,7 +11524,7 @@
               </a:ln>
               <a:extLst>
                 <a:ext uri="{91240B29-F687-4f45-9708-019B960494DF}">
-                  <a14:hiddenLine xmlns:a14="http://schemas.microsoft.com/office/drawing/2010/main" xmlns="" w="9525">
+                  <a14:hiddenLine xmlns="" xmlns:a14="http://schemas.microsoft.com/office/drawing/2010/main" w="9525">
                     <a:solidFill>
                       <a:srgbClr val="000000"/>
                     </a:solidFill>
@@ -11596,7 +11614,7 @@
               </a:ln>
               <a:extLst>
                 <a:ext uri="{91240B29-F687-4f45-9708-019B960494DF}">
-                  <a14:hiddenLine xmlns:a14="http://schemas.microsoft.com/office/drawing/2010/main" xmlns="" w="9525">
+                  <a14:hiddenLine xmlns="" xmlns:a14="http://schemas.microsoft.com/office/drawing/2010/main" w="9525">
                     <a:solidFill>
                       <a:srgbClr val="000000"/>
                     </a:solidFill>
@@ -11664,7 +11682,7 @@
               </a:ln>
               <a:extLst>
                 <a:ext uri="{91240B29-F687-4f45-9708-019B960494DF}">
-                  <a14:hiddenLine xmlns:a14="http://schemas.microsoft.com/office/drawing/2010/main" xmlns="" w="9525">
+                  <a14:hiddenLine xmlns="" xmlns:a14="http://schemas.microsoft.com/office/drawing/2010/main" w="9525">
                     <a:solidFill>
                       <a:srgbClr val="000000"/>
                     </a:solidFill>
@@ -11754,7 +11772,7 @@
               </a:ln>
               <a:extLst>
                 <a:ext uri="{91240B29-F687-4f45-9708-019B960494DF}">
-                  <a14:hiddenLine xmlns:a14="http://schemas.microsoft.com/office/drawing/2010/main" xmlns="" w="9525">
+                  <a14:hiddenLine xmlns="" xmlns:a14="http://schemas.microsoft.com/office/drawing/2010/main" w="9525">
                     <a:solidFill>
                       <a:srgbClr val="000000"/>
                     </a:solidFill>
@@ -11788,7 +11806,7 @@
               </a:ln>
               <a:extLst>
                 <a:ext uri="{91240B29-F687-4f45-9708-019B960494DF}">
-                  <a14:hiddenLine xmlns:a14="http://schemas.microsoft.com/office/drawing/2010/main" xmlns="" w="9525">
+                  <a14:hiddenLine xmlns="" xmlns:a14="http://schemas.microsoft.com/office/drawing/2010/main" w="9525">
                     <a:solidFill>
                       <a:srgbClr val="000000"/>
                     </a:solidFill>
@@ -11929,7 +11947,7 @@
             <a:fld id="{48A87A34-81AB-432B-8DAE-1953F412C126}" type="datetimeFigureOut">
               <a:rPr lang="en-US" dirty="0"/>
               <a:pPr/>
-              <a:t>2/9/2023</a:t>
+              <a:t>2/10/2023</a:t>
             </a:fld>
             <a:endParaRPr lang="en-US" dirty="0"/>
           </a:p>
@@ -12331,6 +12349,23 @@
 <file path=ppt/slides/slide1.xml><?xml version="1.0" encoding="utf-8"?>
 <p:sld xmlns:a="http://schemas.openxmlformats.org/drawingml/2006/main" xmlns:r="http://schemas.openxmlformats.org/officeDocument/2006/relationships" xmlns:p="http://schemas.openxmlformats.org/presentationml/2006/main">
   <p:cSld>
+    <p:bg>
+      <p:bgPr>
+        <a:blipFill>
+          <a:blip r:embed="rId2">
+            <a:duotone>
+              <a:prstClr val="black"/>
+              <a:schemeClr val="accent6">
+                <a:tint val="45000"/>
+                <a:satMod val="400000"/>
+              </a:schemeClr>
+            </a:duotone>
+          </a:blip>
+          <a:stretch/>
+        </a:blipFill>
+        <a:effectLst/>
+      </p:bgPr>
+    </p:bg>
     <p:spTree>
       <p:nvGrpSpPr>
         <p:cNvPr id="1" name=""/>
@@ -12373,27 +12408,51 @@
           <a:p>
             <a:pPr algn="ctr"/>
             <a:r>
-              <a:rPr lang="es-ES" dirty="0" err="1"/>
+              <a:rPr lang="es-ES" dirty="0" err="1">
+                <a:solidFill>
+                  <a:schemeClr val="bg1"/>
+                </a:solidFill>
+              </a:rPr>
               <a:t>Mid</a:t>
             </a:r>
             <a:r>
-              <a:rPr lang="es-ES" dirty="0"/>
+              <a:rPr lang="es-ES" dirty="0">
+                <a:solidFill>
+                  <a:schemeClr val="bg1"/>
+                </a:solidFill>
+              </a:rPr>
               <a:t> </a:t>
             </a:r>
             <a:r>
-              <a:rPr lang="es-ES" dirty="0" err="1"/>
+              <a:rPr lang="es-ES" dirty="0" err="1">
+                <a:solidFill>
+                  <a:schemeClr val="bg1"/>
+                </a:solidFill>
+              </a:rPr>
               <a:t>bootcamp</a:t>
             </a:r>
             <a:r>
-              <a:rPr lang="es-ES" dirty="0"/>
+              <a:rPr lang="es-ES" dirty="0">
+                <a:solidFill>
+                  <a:schemeClr val="bg1"/>
+                </a:solidFill>
+              </a:rPr>
               <a:t> </a:t>
             </a:r>
             <a:r>
-              <a:rPr lang="es-ES" dirty="0" err="1"/>
+              <a:rPr lang="es-ES" dirty="0" err="1">
+                <a:solidFill>
+                  <a:schemeClr val="bg1"/>
+                </a:solidFill>
+              </a:rPr>
               <a:t>project</a:t>
             </a:r>
             <a:r>
-              <a:rPr lang="en-GB" dirty="0"/>
+              <a:rPr lang="en-GB" dirty="0">
+                <a:solidFill>
+                  <a:schemeClr val="bg1"/>
+                </a:solidFill>
+              </a:rPr>
               <a:t> Bank marketing campaign</a:t>
             </a:r>
           </a:p>
@@ -12454,9 +12513,257 @@
 </p:sld>
 </file>
 
-<file path=ppt/slides/slide2.xml><?xml version="1.0" encoding="utf-8"?>
+<file path=ppt/slides/slide10.xml><?xml version="1.0" encoding="utf-8"?>
 <p:sld xmlns:a="http://schemas.openxmlformats.org/drawingml/2006/main" xmlns:r="http://schemas.openxmlformats.org/officeDocument/2006/relationships" xmlns:p="http://schemas.openxmlformats.org/presentationml/2006/main">
   <p:cSld>
+    <p:bg>
+      <p:bgPr>
+        <a:blipFill>
+          <a:blip r:embed="rId2">
+            <a:duotone>
+              <a:prstClr val="black"/>
+              <a:schemeClr val="accent6">
+                <a:tint val="45000"/>
+                <a:satMod val="400000"/>
+              </a:schemeClr>
+            </a:duotone>
+          </a:blip>
+          <a:stretch/>
+        </a:blipFill>
+        <a:effectLst/>
+      </p:bgPr>
+    </p:bg>
+    <p:spTree>
+      <p:nvGrpSpPr>
+        <p:cNvPr id="1" name=""/>
+        <p:cNvGrpSpPr/>
+        <p:nvPr/>
+      </p:nvGrpSpPr>
+      <p:grpSpPr>
+        <a:xfrm>
+          <a:off x="0" y="0"/>
+          <a:ext cx="0" cy="0"/>
+          <a:chOff x="0" y="0"/>
+          <a:chExt cx="0" cy="0"/>
+        </a:xfrm>
+      </p:grpSpPr>
+      <p:pic>
+        <p:nvPicPr>
+          <p:cNvPr id="3" name="Imagen 2">
+            <a:extLst>
+              <a:ext uri="{FF2B5EF4-FFF2-40B4-BE49-F238E27FC236}">
+                <a16:creationId xmlns:a16="http://schemas.microsoft.com/office/drawing/2014/main" id="{35BF8F12-784F-23A1-49CD-6806E13FA21E}"/>
+              </a:ext>
+            </a:extLst>
+          </p:cNvPr>
+          <p:cNvPicPr>
+            <a:picLocks noChangeAspect="1"/>
+          </p:cNvPicPr>
+          <p:nvPr/>
+        </p:nvPicPr>
+        <p:blipFill>
+          <a:blip r:embed="rId3"/>
+          <a:stretch>
+            <a:fillRect/>
+          </a:stretch>
+        </p:blipFill>
+        <p:spPr>
+          <a:xfrm>
+            <a:off x="1138237" y="0"/>
+            <a:ext cx="9915525" cy="5288280"/>
+          </a:xfrm>
+          <a:prstGeom prst="rect">
+            <a:avLst/>
+          </a:prstGeom>
+        </p:spPr>
+      </p:pic>
+    </p:spTree>
+    <p:extLst>
+      <p:ext uri="{BB962C8B-B14F-4D97-AF65-F5344CB8AC3E}">
+        <p14:creationId xmlns:p14="http://schemas.microsoft.com/office/powerpoint/2010/main" val="1318645495"/>
+      </p:ext>
+    </p:extLst>
+  </p:cSld>
+  <p:clrMapOvr>
+    <a:masterClrMapping/>
+  </p:clrMapOvr>
+</p:sld>
+</file>
+
+<file path=ppt/slides/slide11.xml><?xml version="1.0" encoding="utf-8"?>
+<p:sld xmlns:a="http://schemas.openxmlformats.org/drawingml/2006/main" xmlns:r="http://schemas.openxmlformats.org/officeDocument/2006/relationships" xmlns:p="http://schemas.openxmlformats.org/presentationml/2006/main">
+  <p:cSld>
+    <p:bg>
+      <p:bgPr>
+        <a:blipFill>
+          <a:blip r:embed="rId2">
+            <a:duotone>
+              <a:prstClr val="black"/>
+              <a:schemeClr val="accent6">
+                <a:tint val="45000"/>
+                <a:satMod val="400000"/>
+              </a:schemeClr>
+            </a:duotone>
+          </a:blip>
+          <a:stretch/>
+        </a:blipFill>
+        <a:effectLst/>
+      </p:bgPr>
+    </p:bg>
+    <p:spTree>
+      <p:nvGrpSpPr>
+        <p:cNvPr id="1" name=""/>
+        <p:cNvGrpSpPr/>
+        <p:nvPr/>
+      </p:nvGrpSpPr>
+      <p:grpSpPr>
+        <a:xfrm>
+          <a:off x="0" y="0"/>
+          <a:ext cx="0" cy="0"/>
+          <a:chOff x="0" y="0"/>
+          <a:chExt cx="0" cy="0"/>
+        </a:xfrm>
+      </p:grpSpPr>
+      <p:pic>
+        <p:nvPicPr>
+          <p:cNvPr id="4" name="Imagen 3">
+            <a:extLst>
+              <a:ext uri="{FF2B5EF4-FFF2-40B4-BE49-F238E27FC236}">
+                <a16:creationId xmlns:a16="http://schemas.microsoft.com/office/drawing/2014/main" id="{27E03323-B26E-B4BC-A2DB-4B450E917C66}"/>
+              </a:ext>
+            </a:extLst>
+          </p:cNvPr>
+          <p:cNvPicPr>
+            <a:picLocks noChangeAspect="1"/>
+          </p:cNvPicPr>
+          <p:nvPr/>
+        </p:nvPicPr>
+        <p:blipFill>
+          <a:blip r:embed="rId3"/>
+          <a:stretch>
+            <a:fillRect/>
+          </a:stretch>
+        </p:blipFill>
+        <p:spPr>
+          <a:xfrm>
+            <a:off x="907256" y="-279400"/>
+            <a:ext cx="10377487" cy="5534660"/>
+          </a:xfrm>
+          <a:prstGeom prst="rect">
+            <a:avLst/>
+          </a:prstGeom>
+        </p:spPr>
+      </p:pic>
+    </p:spTree>
+    <p:extLst>
+      <p:ext uri="{BB962C8B-B14F-4D97-AF65-F5344CB8AC3E}">
+        <p14:creationId xmlns:p14="http://schemas.microsoft.com/office/powerpoint/2010/main" val="163674692"/>
+      </p:ext>
+    </p:extLst>
+  </p:cSld>
+  <p:clrMapOvr>
+    <a:masterClrMapping/>
+  </p:clrMapOvr>
+</p:sld>
+</file>
+
+<file path=ppt/slides/slide12.xml><?xml version="1.0" encoding="utf-8"?>
+<p:sld xmlns:a="http://schemas.openxmlformats.org/drawingml/2006/main" xmlns:r="http://schemas.openxmlformats.org/officeDocument/2006/relationships" xmlns:p="http://schemas.openxmlformats.org/presentationml/2006/main">
+  <p:cSld>
+    <p:bg>
+      <p:bgPr>
+        <a:blipFill>
+          <a:blip r:embed="rId2">
+            <a:duotone>
+              <a:prstClr val="black"/>
+              <a:schemeClr val="accent6">
+                <a:tint val="45000"/>
+                <a:satMod val="400000"/>
+              </a:schemeClr>
+            </a:duotone>
+          </a:blip>
+          <a:stretch/>
+        </a:blipFill>
+        <a:effectLst/>
+      </p:bgPr>
+    </p:bg>
+    <p:spTree>
+      <p:nvGrpSpPr>
+        <p:cNvPr id="1" name=""/>
+        <p:cNvGrpSpPr/>
+        <p:nvPr/>
+      </p:nvGrpSpPr>
+      <p:grpSpPr>
+        <a:xfrm>
+          <a:off x="0" y="0"/>
+          <a:ext cx="0" cy="0"/>
+          <a:chOff x="0" y="0"/>
+          <a:chExt cx="0" cy="0"/>
+        </a:xfrm>
+      </p:grpSpPr>
+      <p:pic>
+        <p:nvPicPr>
+          <p:cNvPr id="3" name="Imagen 2">
+            <a:extLst>
+              <a:ext uri="{FF2B5EF4-FFF2-40B4-BE49-F238E27FC236}">
+                <a16:creationId xmlns:a16="http://schemas.microsoft.com/office/drawing/2014/main" id="{F412F630-E5DC-8AED-B7E4-52F1AB995C0F}"/>
+              </a:ext>
+            </a:extLst>
+          </p:cNvPr>
+          <p:cNvPicPr>
+            <a:picLocks noChangeAspect="1"/>
+          </p:cNvPicPr>
+          <p:nvPr/>
+        </p:nvPicPr>
+        <p:blipFill>
+          <a:blip r:embed="rId3"/>
+          <a:stretch>
+            <a:fillRect/>
+          </a:stretch>
+        </p:blipFill>
+        <p:spPr>
+          <a:xfrm>
+            <a:off x="1092397" y="-207963"/>
+            <a:ext cx="10007205" cy="5337176"/>
+          </a:xfrm>
+          <a:prstGeom prst="rect">
+            <a:avLst/>
+          </a:prstGeom>
+        </p:spPr>
+      </p:pic>
+    </p:spTree>
+    <p:extLst>
+      <p:ext uri="{BB962C8B-B14F-4D97-AF65-F5344CB8AC3E}">
+        <p14:creationId xmlns:p14="http://schemas.microsoft.com/office/powerpoint/2010/main" val="468110327"/>
+      </p:ext>
+    </p:extLst>
+  </p:cSld>
+  <p:clrMapOvr>
+    <a:masterClrMapping/>
+  </p:clrMapOvr>
+</p:sld>
+</file>
+
+<file path=ppt/slides/slide13.xml><?xml version="1.0" encoding="utf-8"?>
+<p:sld xmlns:a="http://schemas.openxmlformats.org/drawingml/2006/main" xmlns:r="http://schemas.openxmlformats.org/officeDocument/2006/relationships" xmlns:p="http://schemas.openxmlformats.org/presentationml/2006/main">
+  <p:cSld>
+    <p:bg>
+      <p:bgPr>
+        <a:blipFill>
+          <a:blip r:embed="rId2">
+            <a:duotone>
+              <a:prstClr val="black"/>
+              <a:schemeClr val="accent6">
+                <a:tint val="45000"/>
+                <a:satMod val="400000"/>
+              </a:schemeClr>
+            </a:duotone>
+          </a:blip>
+          <a:stretch/>
+        </a:blipFill>
+        <a:effectLst/>
+      </p:bgPr>
+    </p:bg>
     <p:spTree>
       <p:nvGrpSpPr>
         <p:cNvPr id="1" name=""/>
@@ -12498,10 +12805,18 @@
           <a:lstStyle/>
           <a:p>
             <a:r>
-              <a:rPr lang="es-ES" dirty="0"/>
-              <a:t>CASE OF STUDY:</a:t>
-            </a:r>
-            <a:endParaRPr lang="en-GB" dirty="0"/>
+              <a:rPr lang="es-ES" dirty="0">
+                <a:solidFill>
+                  <a:schemeClr val="bg1"/>
+                </a:solidFill>
+              </a:rPr>
+              <a:t>TRANSFORMATIONS APPLIED:</a:t>
+            </a:r>
+            <a:endParaRPr lang="en-GB" dirty="0">
+              <a:solidFill>
+                <a:schemeClr val="bg1"/>
+              </a:solidFill>
+            </a:endParaRPr>
           </a:p>
         </p:txBody>
       </p:sp>
@@ -12523,12 +12838,14 @@
         </p:nvSpPr>
         <p:spPr>
           <a:xfrm>
-            <a:off x="1141456" y="609600"/>
-            <a:ext cx="9904459" cy="4365070"/>
+            <a:off x="1142952" y="1275127"/>
+            <a:ext cx="9904459" cy="2506209"/>
           </a:xfrm>
         </p:spPr>
         <p:txBody>
-          <a:bodyPr/>
+          <a:bodyPr>
+            <a:normAutofit fontScale="92500" lnSpcReduction="10000"/>
+          </a:bodyPr>
           <a:lstStyle/>
           <a:p>
             <a:pPr marL="285750" indent="-285750">
@@ -12536,85 +12853,34 @@
               <a:buChar char="•"/>
             </a:pPr>
             <a:r>
-              <a:rPr lang="es-ES" dirty="0" err="1"/>
-              <a:t>This</a:t>
-            </a:r>
-            <a:r>
-              <a:rPr lang="es-ES" dirty="0"/>
+              <a:rPr lang="es-ES" dirty="0" err="1">
+                <a:solidFill>
+                  <a:schemeClr val="bg1"/>
+                </a:solidFill>
+              </a:rPr>
+              <a:t>Remove</a:t>
+            </a:r>
+            <a:r>
+              <a:rPr lang="es-ES" dirty="0">
+                <a:solidFill>
+                  <a:schemeClr val="bg1"/>
+                </a:solidFill>
+              </a:rPr>
               <a:t> </a:t>
             </a:r>
             <a:r>
-              <a:rPr lang="es-ES" dirty="0" err="1"/>
-              <a:t>dataset</a:t>
-            </a:r>
-            <a:r>
-              <a:rPr lang="es-ES" dirty="0"/>
-              <a:t> </a:t>
-            </a:r>
-            <a:r>
-              <a:rPr lang="es-ES" dirty="0" err="1"/>
-              <a:t>explains</a:t>
-            </a:r>
-            <a:r>
-              <a:rPr lang="es-ES" dirty="0"/>
-              <a:t> </a:t>
-            </a:r>
-            <a:r>
-              <a:rPr lang="es-ES" dirty="0" err="1"/>
-              <a:t>the</a:t>
-            </a:r>
-            <a:r>
-              <a:rPr lang="es-ES" dirty="0"/>
-              <a:t> </a:t>
-            </a:r>
-            <a:r>
-              <a:rPr lang="es-ES" dirty="0" err="1"/>
-              <a:t>results</a:t>
-            </a:r>
-            <a:r>
-              <a:rPr lang="es-ES" dirty="0"/>
-              <a:t> </a:t>
-            </a:r>
-            <a:r>
-              <a:rPr lang="es-ES" dirty="0" err="1"/>
-              <a:t>of</a:t>
-            </a:r>
-            <a:r>
-              <a:rPr lang="es-ES" dirty="0"/>
-              <a:t> a marketing </a:t>
-            </a:r>
-            <a:r>
-              <a:rPr lang="es-ES" dirty="0" err="1"/>
-              <a:t>campaign</a:t>
-            </a:r>
-            <a:r>
-              <a:rPr lang="es-ES" dirty="0"/>
-              <a:t> </a:t>
-            </a:r>
-            <a:r>
-              <a:rPr lang="es-ES" dirty="0" err="1"/>
-              <a:t>performed</a:t>
-            </a:r>
-            <a:r>
-              <a:rPr lang="es-ES" dirty="0"/>
-              <a:t> </a:t>
-            </a:r>
-            <a:r>
-              <a:rPr lang="es-ES" dirty="0" err="1"/>
-              <a:t>by</a:t>
-            </a:r>
-            <a:r>
-              <a:rPr lang="es-ES" dirty="0"/>
-              <a:t> a portuguese </a:t>
-            </a:r>
-            <a:r>
-              <a:rPr lang="es-ES" dirty="0" err="1"/>
-              <a:t>bank</a:t>
-            </a:r>
-            <a:r>
-              <a:rPr lang="es-ES" dirty="0"/>
-              <a:t> in 2011</a:t>
-            </a:r>
+              <a:rPr lang="es-ES" dirty="0" err="1">
+                <a:solidFill>
+                  <a:schemeClr val="bg1"/>
+                </a:solidFill>
+              </a:rPr>
+              <a:t>outliers</a:t>
+            </a:r>
+            <a:endParaRPr lang="es-ES" dirty="0">
+              <a:solidFill>
+                <a:schemeClr val="bg1"/>
+              </a:solidFill>
+            </a:endParaRPr>
           </a:p>
           <a:p>
             <a:pPr marL="285750" indent="-285750">
@@ -12622,156 +12888,36 @@
               <a:buChar char="•"/>
             </a:pPr>
             <a:r>
-              <a:rPr lang="es-ES" dirty="0" err="1"/>
-              <a:t>The</a:t>
-            </a:r>
-            <a:r>
-              <a:rPr lang="es-ES" dirty="0"/>
+              <a:rPr lang="es-ES" dirty="0" err="1">
+                <a:solidFill>
+                  <a:schemeClr val="bg1"/>
+                </a:solidFill>
+              </a:rPr>
+              <a:t>Power</a:t>
+            </a:r>
+            <a:r>
+              <a:rPr lang="es-ES" dirty="0">
+                <a:solidFill>
+                  <a:schemeClr val="bg1"/>
+                </a:solidFill>
+              </a:rPr>
               <a:t> </a:t>
             </a:r>
             <a:r>
-              <a:rPr lang="es-ES" dirty="0" err="1"/>
-              <a:t>product</a:t>
-            </a:r>
-            <a:r>
-              <a:rPr lang="es-ES" dirty="0"/>
+              <a:rPr lang="es-ES" dirty="0" err="1">
+                <a:solidFill>
+                  <a:schemeClr val="bg1"/>
+                </a:solidFill>
+              </a:rPr>
+              <a:t>Transformer</a:t>
+            </a:r>
+            <a:r>
+              <a:rPr lang="es-ES" dirty="0">
+                <a:solidFill>
+                  <a:schemeClr val="bg1"/>
+                </a:solidFill>
+              </a:rPr>
               <a:t> </a:t>
-            </a:r>
-            <a:r>
-              <a:rPr lang="es-ES" dirty="0" err="1"/>
-              <a:t>promoted</a:t>
-            </a:r>
-            <a:r>
-              <a:rPr lang="es-ES" dirty="0"/>
-              <a:t> </a:t>
-            </a:r>
-            <a:r>
-              <a:rPr lang="es-ES" dirty="0" err="1"/>
-              <a:t>was</a:t>
-            </a:r>
-            <a:r>
-              <a:rPr lang="es-ES" dirty="0"/>
-              <a:t> a </a:t>
-            </a:r>
-            <a:r>
-              <a:rPr lang="es-ES" dirty="0" err="1"/>
-              <a:t>term</a:t>
-            </a:r>
-            <a:r>
-              <a:rPr lang="es-ES" dirty="0"/>
-              <a:t> </a:t>
-            </a:r>
-            <a:r>
-              <a:rPr lang="es-ES" dirty="0" err="1"/>
-              <a:t>deposit</a:t>
-            </a:r>
-            <a:r>
-              <a:rPr lang="es-ES" dirty="0"/>
-              <a:t>, </a:t>
-            </a:r>
-            <a:r>
-              <a:rPr lang="es-ES" dirty="0" err="1"/>
-              <a:t>represented</a:t>
-            </a:r>
-            <a:r>
-              <a:rPr lang="es-ES" dirty="0"/>
-              <a:t> </a:t>
-            </a:r>
-            <a:r>
-              <a:rPr lang="es-ES" dirty="0" err="1"/>
-              <a:t>by</a:t>
-            </a:r>
-            <a:r>
-              <a:rPr lang="es-ES" dirty="0"/>
-              <a:t> </a:t>
-            </a:r>
-            <a:r>
-              <a:rPr lang="es-ES" dirty="0" err="1"/>
-              <a:t>the</a:t>
-            </a:r>
-            <a:r>
-              <a:rPr lang="es-ES" dirty="0"/>
-              <a:t> “y” </a:t>
-            </a:r>
-            <a:r>
-              <a:rPr lang="es-ES" dirty="0" err="1"/>
-              <a:t>column</a:t>
-            </a:r>
-            <a:r>
-              <a:rPr lang="es-ES" dirty="0"/>
-              <a:t> </a:t>
-            </a:r>
-            <a:r>
-              <a:rPr lang="es-ES" dirty="0" err="1"/>
-              <a:t>which</a:t>
-            </a:r>
-            <a:r>
-              <a:rPr lang="es-ES" dirty="0"/>
-              <a:t> </a:t>
-            </a:r>
-            <a:r>
-              <a:rPr lang="es-ES" dirty="0" err="1"/>
-              <a:t>is</a:t>
-            </a:r>
-            <a:r>
-              <a:rPr lang="es-ES" dirty="0"/>
-              <a:t> </a:t>
-            </a:r>
-            <a:r>
-              <a:rPr lang="es-ES" dirty="0" err="1"/>
-              <a:t>categorical</a:t>
-            </a:r>
-            <a:r>
-              <a:rPr lang="es-ES" dirty="0"/>
-              <a:t> </a:t>
-            </a:r>
-            <a:r>
-              <a:rPr lang="es-ES" dirty="0" err="1"/>
-              <a:t>answering</a:t>
-            </a:r>
-            <a:r>
-              <a:rPr lang="es-ES" dirty="0"/>
-              <a:t> “yes” </a:t>
-            </a:r>
-            <a:r>
-              <a:rPr lang="es-ES" dirty="0" err="1"/>
-              <a:t>or</a:t>
-            </a:r>
-            <a:r>
-              <a:rPr lang="es-ES" dirty="0"/>
-              <a:t> “no” </a:t>
-            </a:r>
-            <a:r>
-              <a:rPr lang="en-GB" dirty="0"/>
-              <a:t>depending on whether the client contracted this savings instrument</a:t>
-            </a:r>
-            <a:r>
-              <a:rPr lang="es-ES" dirty="0"/>
-              <a:t>(</a:t>
-            </a:r>
-            <a:r>
-              <a:rPr lang="es-ES" dirty="0" err="1"/>
-              <a:t>what</a:t>
-            </a:r>
-            <a:r>
-              <a:rPr lang="es-ES" dirty="0"/>
-              <a:t> </a:t>
-            </a:r>
-            <a:r>
-              <a:rPr lang="es-ES" dirty="0" err="1"/>
-              <a:t>is</a:t>
-            </a:r>
-            <a:r>
-              <a:rPr lang="es-ES" dirty="0"/>
-              <a:t> </a:t>
-            </a:r>
-            <a:r>
-              <a:rPr lang="es-ES" dirty="0" err="1"/>
-              <a:t>this</a:t>
-            </a:r>
-            <a:r>
-              <a:rPr lang="es-ES" dirty="0"/>
-              <a:t>?)</a:t>
             </a:r>
           </a:p>
           <a:p>
@@ -12780,175 +12926,131 @@
               <a:buChar char="•"/>
             </a:pPr>
             <a:r>
-              <a:rPr lang="es-ES" dirty="0" err="1"/>
-              <a:t>There</a:t>
-            </a:r>
-            <a:r>
-              <a:rPr lang="es-ES" dirty="0"/>
-              <a:t> are 16 variables </a:t>
-            </a:r>
-            <a:r>
-              <a:rPr lang="es-ES" dirty="0" err="1"/>
-              <a:t>classified</a:t>
-            </a:r>
-            <a:r>
-              <a:rPr lang="es-ES" dirty="0"/>
-              <a:t> in: </a:t>
-            </a:r>
-            <a:r>
-              <a:rPr lang="es-ES" dirty="0" err="1"/>
-              <a:t>bank</a:t>
-            </a:r>
-            <a:r>
-              <a:rPr lang="es-ES" dirty="0"/>
-              <a:t> </a:t>
-            </a:r>
-            <a:r>
-              <a:rPr lang="es-ES" dirty="0" err="1"/>
-              <a:t>clients</a:t>
-            </a:r>
-            <a:r>
-              <a:rPr lang="es-ES" dirty="0"/>
-              <a:t> data, variables </a:t>
-            </a:r>
-            <a:r>
-              <a:rPr lang="es-ES" dirty="0" err="1"/>
-              <a:t>related</a:t>
-            </a:r>
-            <a:r>
-              <a:rPr lang="es-ES" dirty="0"/>
-              <a:t> </a:t>
-            </a:r>
-            <a:r>
-              <a:rPr lang="es-ES" dirty="0" err="1"/>
-              <a:t>with</a:t>
-            </a:r>
-            <a:r>
-              <a:rPr lang="es-ES" dirty="0"/>
-              <a:t> </a:t>
-            </a:r>
-            <a:r>
-              <a:rPr lang="es-ES" dirty="0" err="1"/>
-              <a:t>the</a:t>
-            </a:r>
-            <a:r>
-              <a:rPr lang="es-ES" dirty="0"/>
-              <a:t> </a:t>
-            </a:r>
-            <a:r>
-              <a:rPr lang="es-ES" dirty="0" err="1"/>
-              <a:t>last</a:t>
-            </a:r>
-            <a:r>
-              <a:rPr lang="es-ES" dirty="0"/>
-              <a:t> </a:t>
-            </a:r>
-            <a:r>
-              <a:rPr lang="es-ES" dirty="0" err="1"/>
-              <a:t>contact</a:t>
-            </a:r>
-            <a:r>
-              <a:rPr lang="es-ES" dirty="0"/>
-              <a:t> </a:t>
-            </a:r>
-            <a:r>
-              <a:rPr lang="es-ES" dirty="0" err="1"/>
-              <a:t>of</a:t>
-            </a:r>
-            <a:r>
-              <a:rPr lang="es-ES" dirty="0"/>
-              <a:t> </a:t>
-            </a:r>
-            <a:r>
-              <a:rPr lang="es-ES" dirty="0" err="1"/>
-              <a:t>this</a:t>
-            </a:r>
-            <a:r>
-              <a:rPr lang="es-ES" dirty="0"/>
-              <a:t> </a:t>
-            </a:r>
-            <a:r>
-              <a:rPr lang="es-ES" dirty="0" err="1"/>
-              <a:t>campaign</a:t>
-            </a:r>
-            <a:r>
-              <a:rPr lang="es-ES" dirty="0"/>
-              <a:t> and </a:t>
-            </a:r>
-            <a:r>
-              <a:rPr lang="es-ES" dirty="0" err="1"/>
-              <a:t>other</a:t>
-            </a:r>
-            <a:r>
-              <a:rPr lang="es-ES" dirty="0"/>
-              <a:t> </a:t>
-            </a:r>
-            <a:r>
-              <a:rPr lang="es-ES" dirty="0" err="1"/>
-              <a:t>attributes</a:t>
-            </a:r>
-            <a:r>
-              <a:rPr lang="es-ES" dirty="0"/>
-              <a:t> </a:t>
-            </a:r>
-            <a:r>
-              <a:rPr lang="es-ES" dirty="0" err="1"/>
-              <a:t>like</a:t>
-            </a:r>
-            <a:r>
-              <a:rPr lang="es-ES" dirty="0"/>
-              <a:t> </a:t>
-            </a:r>
-            <a:r>
-              <a:rPr lang="es-ES" dirty="0" err="1"/>
-              <a:t>campaign</a:t>
-            </a:r>
-            <a:r>
-              <a:rPr lang="es-ES" dirty="0"/>
-              <a:t>, </a:t>
-            </a:r>
-            <a:r>
-              <a:rPr lang="es-ES" dirty="0" err="1"/>
-              <a:t>pdays</a:t>
-            </a:r>
-            <a:r>
-              <a:rPr lang="es-ES" dirty="0"/>
-              <a:t>, </a:t>
-            </a:r>
-            <a:r>
-              <a:rPr lang="es-ES" dirty="0" err="1"/>
-              <a:t>previous</a:t>
-            </a:r>
-            <a:r>
-              <a:rPr lang="es-ES" dirty="0"/>
-              <a:t> </a:t>
-            </a:r>
-            <a:r>
-              <a:rPr lang="es-ES" dirty="0" err="1"/>
-              <a:t>or</a:t>
-            </a:r>
-            <a:r>
-              <a:rPr lang="es-ES" dirty="0"/>
-              <a:t> </a:t>
-            </a:r>
-            <a:r>
-              <a:rPr lang="es-ES" dirty="0" err="1"/>
-              <a:t>poutcome</a:t>
-            </a:r>
-            <a:r>
-              <a:rPr lang="es-ES" dirty="0"/>
-              <a:t>.</a:t>
-            </a:r>
-          </a:p>
-          <a:p>
-            <a:endParaRPr lang="es-ES" dirty="0"/>
+              <a:rPr lang="es-ES" dirty="0">
+                <a:solidFill>
+                  <a:schemeClr val="bg1"/>
+                </a:solidFill>
+              </a:rPr>
+              <a:t>Min Max </a:t>
+            </a:r>
+            <a:r>
+              <a:rPr lang="es-ES" dirty="0" err="1">
+                <a:solidFill>
+                  <a:schemeClr val="bg1"/>
+                </a:solidFill>
+              </a:rPr>
+              <a:t>Scaler</a:t>
+            </a:r>
+            <a:endParaRPr lang="es-ES" dirty="0">
+              <a:solidFill>
+                <a:schemeClr val="bg1"/>
+              </a:solidFill>
+            </a:endParaRPr>
+          </a:p>
+          <a:p>
+            <a:pPr marL="285750" indent="-285750">
+              <a:buFont typeface="Arial" panose="020B0604020202020204" pitchFamily="34" charset="0"/>
+              <a:buChar char="•"/>
+            </a:pPr>
+            <a:r>
+              <a:rPr lang="es-ES" dirty="0" err="1">
+                <a:solidFill>
+                  <a:schemeClr val="bg1"/>
+                </a:solidFill>
+              </a:rPr>
+              <a:t>One</a:t>
+            </a:r>
+            <a:r>
+              <a:rPr lang="es-ES" dirty="0">
+                <a:solidFill>
+                  <a:schemeClr val="bg1"/>
+                </a:solidFill>
+              </a:rPr>
+              <a:t> Hot </a:t>
+            </a:r>
+            <a:r>
+              <a:rPr lang="es-ES" dirty="0" err="1">
+                <a:solidFill>
+                  <a:schemeClr val="bg1"/>
+                </a:solidFill>
+              </a:rPr>
+              <a:t>Encoder</a:t>
+            </a:r>
+            <a:endParaRPr lang="es-ES" dirty="0">
+              <a:solidFill>
+                <a:schemeClr val="bg1"/>
+              </a:solidFill>
+            </a:endParaRPr>
+          </a:p>
+          <a:p>
+            <a:pPr marL="285750" indent="-285750">
+              <a:buFont typeface="Arial" panose="020B0604020202020204" pitchFamily="34" charset="0"/>
+              <a:buChar char="•"/>
+            </a:pPr>
+            <a:r>
+              <a:rPr lang="es-ES" dirty="0" err="1">
+                <a:solidFill>
+                  <a:schemeClr val="bg1"/>
+                </a:solidFill>
+              </a:rPr>
+              <a:t>Oversampling</a:t>
+            </a:r>
+            <a:endParaRPr lang="es-ES" dirty="0">
+              <a:solidFill>
+                <a:schemeClr val="bg1"/>
+              </a:solidFill>
+            </a:endParaRPr>
+          </a:p>
+          <a:p>
+            <a:pPr marL="285750" indent="-285750">
+              <a:buFont typeface="Arial" panose="020B0604020202020204" pitchFamily="34" charset="0"/>
+              <a:buChar char="•"/>
+            </a:pPr>
+            <a:r>
+              <a:rPr lang="es-ES" dirty="0">
+                <a:solidFill>
+                  <a:schemeClr val="bg1"/>
+                </a:solidFill>
+              </a:rPr>
+              <a:t>SMOTE</a:t>
+            </a:r>
           </a:p>
         </p:txBody>
       </p:sp>
+      <p:pic>
+        <p:nvPicPr>
+          <p:cNvPr id="8" name="Imagen 7">
+            <a:extLst>
+              <a:ext uri="{FF2B5EF4-FFF2-40B4-BE49-F238E27FC236}">
+                <a16:creationId xmlns:a16="http://schemas.microsoft.com/office/drawing/2014/main" id="{B1A6540F-EAAB-C519-9DF5-A57A14C51641}"/>
+              </a:ext>
+            </a:extLst>
+          </p:cNvPr>
+          <p:cNvPicPr>
+            <a:picLocks noChangeAspect="1"/>
+          </p:cNvPicPr>
+          <p:nvPr/>
+        </p:nvPicPr>
+        <p:blipFill>
+          <a:blip r:embed="rId3"/>
+          <a:stretch>
+            <a:fillRect/>
+          </a:stretch>
+        </p:blipFill>
+        <p:spPr>
+          <a:xfrm>
+            <a:off x="3375045" y="1061948"/>
+            <a:ext cx="5438775" cy="5438775"/>
+          </a:xfrm>
+          <a:prstGeom prst="rect">
+            <a:avLst/>
+          </a:prstGeom>
+        </p:spPr>
+      </p:pic>
     </p:spTree>
     <p:extLst>
       <p:ext uri="{BB962C8B-B14F-4D97-AF65-F5344CB8AC3E}">
-        <p14:creationId xmlns:p14="http://schemas.microsoft.com/office/powerpoint/2010/main" val="3748656783"/>
+        <p14:creationId xmlns:p14="http://schemas.microsoft.com/office/powerpoint/2010/main" val="3952886634"/>
       </p:ext>
     </p:extLst>
   </p:cSld>
@@ -12958,9 +13060,26 @@
 </p:sld>
 </file>
 
-<file path=ppt/slides/slide3.xml><?xml version="1.0" encoding="utf-8"?>
+<file path=ppt/slides/slide14.xml><?xml version="1.0" encoding="utf-8"?>
 <p:sld xmlns:a="http://schemas.openxmlformats.org/drawingml/2006/main" xmlns:r="http://schemas.openxmlformats.org/officeDocument/2006/relationships" xmlns:p="http://schemas.openxmlformats.org/presentationml/2006/main">
   <p:cSld>
+    <p:bg>
+      <p:bgPr>
+        <a:blipFill>
+          <a:blip r:embed="rId2">
+            <a:duotone>
+              <a:prstClr val="black"/>
+              <a:schemeClr val="accent6">
+                <a:tint val="45000"/>
+                <a:satMod val="400000"/>
+              </a:schemeClr>
+            </a:duotone>
+          </a:blip>
+          <a:stretch/>
+        </a:blipFill>
+        <a:effectLst/>
+      </p:bgPr>
+    </p:bg>
     <p:spTree>
       <p:nvGrpSpPr>
         <p:cNvPr id="1" name=""/>
@@ -13002,10 +13121,42 @@
           <a:lstStyle/>
           <a:p>
             <a:r>
-              <a:rPr lang="es-ES" dirty="0"/>
-              <a:t>FIRST STEPS:</a:t>
-            </a:r>
-            <a:endParaRPr lang="en-GB" dirty="0"/>
+              <a:rPr lang="es-ES" dirty="0" err="1">
+                <a:solidFill>
+                  <a:schemeClr val="bg1"/>
+                </a:solidFill>
+              </a:rPr>
+              <a:t>My</a:t>
+            </a:r>
+            <a:r>
+              <a:rPr lang="es-ES" dirty="0">
+                <a:solidFill>
+                  <a:schemeClr val="bg1"/>
+                </a:solidFill>
+              </a:rPr>
+              <a:t> </a:t>
+            </a:r>
+            <a:r>
+              <a:rPr lang="es-ES" dirty="0" err="1">
+                <a:solidFill>
+                  <a:schemeClr val="bg1"/>
+                </a:solidFill>
+              </a:rPr>
+              <a:t>models</a:t>
+            </a:r>
+            <a:r>
+              <a:rPr lang="es-ES" dirty="0">
+                <a:solidFill>
+                  <a:schemeClr val="bg1"/>
+                </a:solidFill>
+              </a:rPr>
+              <a:t>:</a:t>
+            </a:r>
+            <a:endParaRPr lang="en-GB" dirty="0">
+              <a:solidFill>
+                <a:schemeClr val="bg1"/>
+              </a:solidFill>
+            </a:endParaRPr>
           </a:p>
         </p:txBody>
       </p:sp>
@@ -13027,7 +13178,7 @@
         </p:nvSpPr>
         <p:spPr>
           <a:xfrm>
-            <a:off x="1143770" y="1426128"/>
+            <a:off x="1142952" y="417877"/>
             <a:ext cx="9904459" cy="2506209"/>
           </a:xfrm>
         </p:spPr>
@@ -13042,70 +13193,69 @@
               <a:buChar char="•"/>
             </a:pPr>
             <a:r>
-              <a:rPr lang="es-ES" dirty="0"/>
-              <a:t>Once </a:t>
-            </a:r>
-            <a:r>
-              <a:rPr lang="es-ES" dirty="0" err="1"/>
-              <a:t>the</a:t>
-            </a:r>
-            <a:r>
-              <a:rPr lang="es-ES" dirty="0"/>
+              <a:rPr lang="es-ES" dirty="0" err="1">
+                <a:solidFill>
+                  <a:schemeClr val="bg1"/>
+                </a:solidFill>
+              </a:rPr>
+              <a:t>Logistic</a:t>
+            </a:r>
+            <a:r>
+              <a:rPr lang="es-ES" dirty="0">
+                <a:solidFill>
+                  <a:schemeClr val="bg1"/>
+                </a:solidFill>
+              </a:rPr>
               <a:t> </a:t>
             </a:r>
             <a:r>
-              <a:rPr lang="es-ES" dirty="0" err="1"/>
-              <a:t>dataset</a:t>
-            </a:r>
-            <a:r>
-              <a:rPr lang="es-ES" dirty="0"/>
+              <a:rPr lang="es-ES" dirty="0" err="1">
+                <a:solidFill>
+                  <a:schemeClr val="bg1"/>
+                </a:solidFill>
+              </a:rPr>
+              <a:t>Regression</a:t>
+            </a:r>
+            <a:r>
+              <a:rPr lang="es-ES" dirty="0">
+                <a:solidFill>
+                  <a:schemeClr val="bg1"/>
+                </a:solidFill>
+              </a:rPr>
+              <a:t> after </a:t>
+            </a:r>
+            <a:r>
+              <a:rPr lang="es-ES" dirty="0" err="1">
+                <a:solidFill>
+                  <a:schemeClr val="bg1"/>
+                </a:solidFill>
+              </a:rPr>
+              <a:t>Oversampling</a:t>
+            </a:r>
+            <a:r>
+              <a:rPr lang="es-ES" dirty="0">
+                <a:solidFill>
+                  <a:schemeClr val="bg1"/>
+                </a:solidFill>
+              </a:rPr>
               <a:t> </a:t>
             </a:r>
             <a:r>
-              <a:rPr lang="es-ES" dirty="0" err="1"/>
-              <a:t>is</a:t>
-            </a:r>
-            <a:r>
-              <a:rPr lang="es-ES" dirty="0"/>
-              <a:t> </a:t>
-            </a:r>
-            <a:r>
-              <a:rPr lang="es-ES" dirty="0" err="1"/>
-              <a:t>downloaded</a:t>
-            </a:r>
-            <a:r>
-              <a:rPr lang="es-ES" dirty="0"/>
-              <a:t> </a:t>
-            </a:r>
-            <a:r>
-              <a:rPr lang="es-ES" dirty="0" err="1"/>
-              <a:t>it</a:t>
-            </a:r>
-            <a:r>
-              <a:rPr lang="es-ES" dirty="0"/>
-              <a:t> can be </a:t>
-            </a:r>
-            <a:r>
-              <a:rPr lang="es-ES" dirty="0" err="1"/>
-              <a:t>found</a:t>
-            </a:r>
-            <a:r>
-              <a:rPr lang="es-ES" dirty="0"/>
-              <a:t> 2 zip files: </a:t>
-            </a:r>
-            <a:r>
-              <a:rPr lang="es-ES" dirty="0" err="1"/>
-              <a:t>bank</a:t>
-            </a:r>
-            <a:r>
-              <a:rPr lang="es-ES" dirty="0"/>
-              <a:t> and </a:t>
-            </a:r>
-            <a:r>
-              <a:rPr lang="es-ES" dirty="0" err="1"/>
-              <a:t>bank-additional</a:t>
-            </a:r>
-            <a:endParaRPr lang="es-ES" dirty="0"/>
+              <a:rPr lang="es-ES" dirty="0" err="1">
+                <a:solidFill>
+                  <a:schemeClr val="bg1"/>
+                </a:solidFill>
+              </a:rPr>
+              <a:t>or</a:t>
+            </a:r>
+            <a:r>
+              <a:rPr lang="es-ES" dirty="0">
+                <a:solidFill>
+                  <a:schemeClr val="bg1"/>
+                </a:solidFill>
+              </a:rPr>
+              <a:t> SMOTE</a:t>
+            </a:r>
           </a:p>
           <a:p>
             <a:pPr marL="285750" indent="-285750">
@@ -13113,261 +13263,2428 @@
               <a:buChar char="•"/>
             </a:pPr>
             <a:r>
-              <a:rPr lang="es-ES" dirty="0" err="1"/>
-              <a:t>Inside</a:t>
-            </a:r>
-            <a:r>
-              <a:rPr lang="es-ES" dirty="0"/>
+              <a:rPr lang="es-ES" dirty="0">
+                <a:solidFill>
+                  <a:schemeClr val="bg1"/>
+                </a:solidFill>
+              </a:rPr>
+              <a:t>KNN </a:t>
+            </a:r>
+            <a:r>
+              <a:rPr lang="es-ES" dirty="0" err="1">
+                <a:solidFill>
+                  <a:schemeClr val="bg1"/>
+                </a:solidFill>
+              </a:rPr>
+              <a:t>Classifier</a:t>
+            </a:r>
+            <a:r>
+              <a:rPr lang="es-ES" dirty="0">
+                <a:solidFill>
+                  <a:schemeClr val="bg1"/>
+                </a:solidFill>
+              </a:rPr>
               <a:t> </a:t>
             </a:r>
             <a:r>
-              <a:rPr lang="es-ES" dirty="0" err="1"/>
-              <a:t>them</a:t>
-            </a:r>
-            <a:r>
-              <a:rPr lang="es-ES" dirty="0"/>
+              <a:rPr lang="es-ES" dirty="0" err="1">
+                <a:solidFill>
+                  <a:schemeClr val="bg1"/>
+                </a:solidFill>
+              </a:rPr>
+              <a:t>with</a:t>
+            </a:r>
+            <a:r>
+              <a:rPr lang="es-ES" dirty="0">
+                <a:solidFill>
+                  <a:schemeClr val="bg1"/>
+                </a:solidFill>
+              </a:rPr>
               <a:t> </a:t>
             </a:r>
             <a:r>
-              <a:rPr lang="es-ES" dirty="0" err="1"/>
-              <a:t>there</a:t>
-            </a:r>
-            <a:r>
-              <a:rPr lang="es-ES" dirty="0"/>
-              <a:t> are </a:t>
-            </a:r>
-            <a:r>
-              <a:rPr lang="es-ES" dirty="0" err="1"/>
-              <a:t>bank</a:t>
-            </a:r>
-            <a:r>
-              <a:rPr lang="es-ES" dirty="0"/>
-              <a:t> regular and </a:t>
-            </a:r>
-            <a:r>
-              <a:rPr lang="es-ES" dirty="0" err="1"/>
-              <a:t>bank</a:t>
-            </a:r>
-            <a:r>
-              <a:rPr lang="es-ES" dirty="0"/>
-              <a:t>-full </a:t>
-            </a:r>
-            <a:r>
-              <a:rPr lang="es-ES" dirty="0" err="1"/>
-              <a:t>with</a:t>
-            </a:r>
-            <a:r>
-              <a:rPr lang="es-ES" dirty="0"/>
+              <a:rPr lang="es-ES" dirty="0" err="1">
+                <a:solidFill>
+                  <a:schemeClr val="bg1"/>
+                </a:solidFill>
+              </a:rPr>
+              <a:t>knn</a:t>
+            </a:r>
+            <a:r>
+              <a:rPr lang="es-ES" dirty="0">
+                <a:solidFill>
+                  <a:schemeClr val="bg1"/>
+                </a:solidFill>
+              </a:rPr>
+              <a:t>=3,5; </a:t>
+            </a:r>
+            <a:r>
+              <a:rPr lang="es-ES" dirty="0" err="1">
+                <a:solidFill>
+                  <a:schemeClr val="bg1"/>
+                </a:solidFill>
+              </a:rPr>
+              <a:t>weight</a:t>
+            </a:r>
+            <a:r>
+              <a:rPr lang="es-ES" dirty="0">
+                <a:solidFill>
+                  <a:schemeClr val="bg1"/>
+                </a:solidFill>
+              </a:rPr>
+              <a:t>=</a:t>
+            </a:r>
+            <a:r>
+              <a:rPr lang="es-ES" dirty="0" err="1">
+                <a:solidFill>
+                  <a:schemeClr val="bg1"/>
+                </a:solidFill>
+              </a:rPr>
+              <a:t>uniform</a:t>
+            </a:r>
+            <a:r>
+              <a:rPr lang="es-ES" dirty="0">
+                <a:solidFill>
+                  <a:schemeClr val="bg1"/>
+                </a:solidFill>
+              </a:rPr>
+              <a:t>, </a:t>
+            </a:r>
+            <a:r>
+              <a:rPr lang="es-ES" dirty="0" err="1">
+                <a:solidFill>
+                  <a:schemeClr val="bg1"/>
+                </a:solidFill>
+              </a:rPr>
+              <a:t>distance</a:t>
+            </a:r>
+            <a:r>
+              <a:rPr lang="es-ES" dirty="0">
+                <a:solidFill>
+                  <a:schemeClr val="bg1"/>
+                </a:solidFill>
+              </a:rPr>
+              <a:t>; p=1,2,3; after </a:t>
+            </a:r>
+            <a:r>
+              <a:rPr lang="es-ES" dirty="0" err="1">
+                <a:solidFill>
+                  <a:schemeClr val="bg1"/>
+                </a:solidFill>
+              </a:rPr>
+              <a:t>Oversampling</a:t>
+            </a:r>
+            <a:r>
+              <a:rPr lang="es-ES" dirty="0">
+                <a:solidFill>
+                  <a:schemeClr val="bg1"/>
+                </a:solidFill>
+              </a:rPr>
               <a:t> </a:t>
             </a:r>
             <a:r>
-              <a:rPr lang="es-ES" dirty="0" err="1"/>
-              <a:t>different</a:t>
-            </a:r>
-            <a:r>
-              <a:rPr lang="es-ES" dirty="0"/>
-              <a:t> </a:t>
-            </a:r>
-            <a:r>
-              <a:rPr lang="es-ES" dirty="0" err="1"/>
-              <a:t>samples</a:t>
-            </a:r>
-            <a:r>
-              <a:rPr lang="es-ES" dirty="0"/>
-              <a:t> </a:t>
-            </a:r>
-          </a:p>
+              <a:rPr lang="es-ES" dirty="0" err="1">
+                <a:solidFill>
+                  <a:schemeClr val="bg1"/>
+                </a:solidFill>
+              </a:rPr>
+              <a:t>or</a:t>
+            </a:r>
+            <a:r>
+              <a:rPr lang="es-ES" dirty="0">
+                <a:solidFill>
+                  <a:schemeClr val="bg1"/>
+                </a:solidFill>
+              </a:rPr>
+              <a:t> SMOTE</a:t>
+            </a:r>
+          </a:p>
+        </p:txBody>
+      </p:sp>
+      <p:pic>
+        <p:nvPicPr>
+          <p:cNvPr id="5" name="Imagen 4">
+            <a:extLst>
+              <a:ext uri="{FF2B5EF4-FFF2-40B4-BE49-F238E27FC236}">
+                <a16:creationId xmlns:a16="http://schemas.microsoft.com/office/drawing/2014/main" id="{0DBF7142-26D5-21CC-821A-1D155F50947B}"/>
+              </a:ext>
+            </a:extLst>
+          </p:cNvPr>
+          <p:cNvPicPr>
+            <a:picLocks noChangeAspect="1"/>
+          </p:cNvPicPr>
+          <p:nvPr/>
+        </p:nvPicPr>
+        <p:blipFill>
+          <a:blip r:embed="rId3"/>
+          <a:stretch>
+            <a:fillRect/>
+          </a:stretch>
+        </p:blipFill>
+        <p:spPr>
+          <a:xfrm>
+            <a:off x="228599" y="2105112"/>
+            <a:ext cx="6096009" cy="3657605"/>
+          </a:xfrm>
+          <a:prstGeom prst="rect">
+            <a:avLst/>
+          </a:prstGeom>
+        </p:spPr>
+      </p:pic>
+      <p:pic>
+        <p:nvPicPr>
+          <p:cNvPr id="7" name="Imagen 6">
+            <a:extLst>
+              <a:ext uri="{FF2B5EF4-FFF2-40B4-BE49-F238E27FC236}">
+                <a16:creationId xmlns:a16="http://schemas.microsoft.com/office/drawing/2014/main" id="{11BB0EEE-8218-9484-288B-2D24D2DA4DEE}"/>
+              </a:ext>
+            </a:extLst>
+          </p:cNvPr>
+          <p:cNvPicPr>
+            <a:picLocks noChangeAspect="1"/>
+          </p:cNvPicPr>
+          <p:nvPr/>
+        </p:nvPicPr>
+        <p:blipFill>
+          <a:blip r:embed="rId4"/>
+          <a:stretch>
+            <a:fillRect/>
+          </a:stretch>
+        </p:blipFill>
+        <p:spPr>
+          <a:xfrm>
+            <a:off x="5423693" y="1976524"/>
+            <a:ext cx="6524634" cy="3914780"/>
+          </a:xfrm>
+          <a:prstGeom prst="rect">
+            <a:avLst/>
+          </a:prstGeom>
+        </p:spPr>
+      </p:pic>
+    </p:spTree>
+    <p:extLst>
+      <p:ext uri="{BB962C8B-B14F-4D97-AF65-F5344CB8AC3E}">
+        <p14:creationId xmlns:p14="http://schemas.microsoft.com/office/powerpoint/2010/main" val="2724979807"/>
+      </p:ext>
+    </p:extLst>
+  </p:cSld>
+  <p:clrMapOvr>
+    <a:masterClrMapping/>
+  </p:clrMapOvr>
+</p:sld>
+</file>
+
+<file path=ppt/slides/slide15.xml><?xml version="1.0" encoding="utf-8"?>
+<p:sld xmlns:a="http://schemas.openxmlformats.org/drawingml/2006/main" xmlns:r="http://schemas.openxmlformats.org/officeDocument/2006/relationships" xmlns:p="http://schemas.openxmlformats.org/presentationml/2006/main">
+  <p:cSld>
+    <p:bg>
+      <p:bgPr>
+        <a:blipFill>
+          <a:blip r:embed="rId2">
+            <a:duotone>
+              <a:prstClr val="black"/>
+              <a:schemeClr val="accent6">
+                <a:tint val="45000"/>
+                <a:satMod val="400000"/>
+              </a:schemeClr>
+            </a:duotone>
+          </a:blip>
+          <a:stretch/>
+        </a:blipFill>
+        <a:effectLst/>
+      </p:bgPr>
+    </p:bg>
+    <p:spTree>
+      <p:nvGrpSpPr>
+        <p:cNvPr id="1" name=""/>
+        <p:cNvGrpSpPr/>
+        <p:nvPr/>
+      </p:nvGrpSpPr>
+      <p:grpSpPr>
+        <a:xfrm>
+          <a:off x="0" y="0"/>
+          <a:ext cx="0" cy="0"/>
+          <a:chOff x="0" y="0"/>
+          <a:chExt cx="0" cy="0"/>
+        </a:xfrm>
+      </p:grpSpPr>
+      <p:sp>
+        <p:nvSpPr>
+          <p:cNvPr id="2" name="Título 1">
+            <a:extLst>
+              <a:ext uri="{FF2B5EF4-FFF2-40B4-BE49-F238E27FC236}">
+                <a16:creationId xmlns:a16="http://schemas.microsoft.com/office/drawing/2014/main" id="{5E29DA92-3ABF-DE85-3049-9ED5A5D7ADE8}"/>
+              </a:ext>
+            </a:extLst>
+          </p:cNvPr>
+          <p:cNvSpPr>
+            <a:spLocks noGrp="1"/>
+          </p:cNvSpPr>
+          <p:nvPr>
+            <p:ph type="title"/>
+          </p:nvPr>
+        </p:nvSpPr>
+        <p:spPr>
+          <a:xfrm>
+            <a:off x="1141456" y="609600"/>
+            <a:ext cx="9905955" cy="665527"/>
+          </a:xfrm>
+        </p:spPr>
+        <p:txBody>
+          <a:bodyPr/>
+          <a:lstStyle/>
+          <a:p>
+            <a:r>
+              <a:rPr lang="es-ES" dirty="0" err="1">
+                <a:solidFill>
+                  <a:schemeClr val="bg1"/>
+                </a:solidFill>
+              </a:rPr>
+              <a:t>ModelS</a:t>
+            </a:r>
+            <a:r>
+              <a:rPr lang="es-ES" dirty="0">
+                <a:solidFill>
+                  <a:schemeClr val="bg1"/>
+                </a:solidFill>
+              </a:rPr>
+              <a:t> SELECTED (LOGISTIC REGRESSION):</a:t>
+            </a:r>
+            <a:endParaRPr lang="en-GB" dirty="0">
+              <a:solidFill>
+                <a:schemeClr val="bg1"/>
+              </a:solidFill>
+            </a:endParaRPr>
+          </a:p>
+        </p:txBody>
+      </p:sp>
+      <p:sp>
+        <p:nvSpPr>
+          <p:cNvPr id="3" name="Marcador de texto 2">
+            <a:extLst>
+              <a:ext uri="{FF2B5EF4-FFF2-40B4-BE49-F238E27FC236}">
+                <a16:creationId xmlns:a16="http://schemas.microsoft.com/office/drawing/2014/main" id="{58D8D5A9-15C8-4BB3-54D2-0A2F8BD9B803}"/>
+              </a:ext>
+            </a:extLst>
+          </p:cNvPr>
+          <p:cNvSpPr>
+            <a:spLocks noGrp="1"/>
+          </p:cNvSpPr>
+          <p:nvPr>
+            <p:ph type="body" sz="half" idx="2"/>
+          </p:nvPr>
+        </p:nvSpPr>
+        <p:spPr>
+          <a:xfrm>
+            <a:off x="1141456" y="318520"/>
+            <a:ext cx="9904459" cy="2506209"/>
+          </a:xfrm>
+        </p:spPr>
+        <p:txBody>
+          <a:bodyPr>
+            <a:normAutofit/>
+          </a:bodyPr>
+          <a:lstStyle/>
           <a:p>
             <a:pPr marL="285750" indent="-285750">
               <a:buFont typeface="Arial" panose="020B0604020202020204" pitchFamily="34" charset="0"/>
               <a:buChar char="•"/>
             </a:pPr>
             <a:r>
-              <a:rPr lang="es-ES" dirty="0" err="1"/>
-              <a:t>The</a:t>
-            </a:r>
-            <a:r>
-              <a:rPr lang="es-ES" dirty="0"/>
-              <a:t> </a:t>
-            </a:r>
-            <a:r>
-              <a:rPr lang="es-ES" dirty="0" err="1"/>
-              <a:t>first</a:t>
-            </a:r>
-            <a:r>
-              <a:rPr lang="es-ES" dirty="0"/>
-              <a:t> step </a:t>
-            </a:r>
-            <a:r>
-              <a:rPr lang="es-ES" dirty="0" err="1"/>
-              <a:t>to</a:t>
-            </a:r>
-            <a:r>
-              <a:rPr lang="es-ES" dirty="0"/>
-              <a:t> </a:t>
-            </a:r>
-            <a:r>
-              <a:rPr lang="es-ES" dirty="0" err="1"/>
-              <a:t>follow</a:t>
-            </a:r>
-            <a:r>
-              <a:rPr lang="es-ES" dirty="0"/>
-              <a:t> </a:t>
-            </a:r>
-            <a:r>
-              <a:rPr lang="es-ES" dirty="0" err="1"/>
-              <a:t>is</a:t>
-            </a:r>
-            <a:r>
-              <a:rPr lang="es-ES" dirty="0"/>
-              <a:t> </a:t>
-            </a:r>
-            <a:r>
-              <a:rPr lang="es-ES" dirty="0" err="1"/>
-              <a:t>to</a:t>
-            </a:r>
-            <a:r>
-              <a:rPr lang="es-ES" dirty="0"/>
-              <a:t> explore </a:t>
-            </a:r>
-            <a:r>
-              <a:rPr lang="es-ES" dirty="0" err="1"/>
-              <a:t>all</a:t>
-            </a:r>
-            <a:r>
-              <a:rPr lang="es-ES" dirty="0"/>
-              <a:t> </a:t>
-            </a:r>
-            <a:r>
-              <a:rPr lang="es-ES" dirty="0" err="1"/>
-              <a:t>these</a:t>
-            </a:r>
-            <a:r>
-              <a:rPr lang="es-ES" dirty="0"/>
-              <a:t> files in </a:t>
-            </a:r>
-            <a:r>
-              <a:rPr lang="es-ES" dirty="0" err="1"/>
-              <a:t>order</a:t>
-            </a:r>
-            <a:r>
-              <a:rPr lang="es-ES" dirty="0"/>
-              <a:t> </a:t>
-            </a:r>
-            <a:r>
-              <a:rPr lang="es-ES" dirty="0" err="1"/>
-              <a:t>to</a:t>
-            </a:r>
-            <a:r>
-              <a:rPr lang="es-ES" dirty="0"/>
-              <a:t> </a:t>
-            </a:r>
-            <a:r>
-              <a:rPr lang="es-ES" dirty="0" err="1"/>
-              <a:t>select</a:t>
-            </a:r>
-            <a:r>
-              <a:rPr lang="es-ES" dirty="0"/>
-              <a:t> </a:t>
-            </a:r>
-            <a:r>
-              <a:rPr lang="es-ES" dirty="0" err="1"/>
-              <a:t>the</a:t>
-            </a:r>
-            <a:r>
-              <a:rPr lang="es-ES" dirty="0"/>
-              <a:t> </a:t>
-            </a:r>
-            <a:r>
-              <a:rPr lang="es-ES" dirty="0" err="1"/>
-              <a:t>most</a:t>
-            </a:r>
-            <a:r>
-              <a:rPr lang="es-ES" dirty="0"/>
-              <a:t> </a:t>
-            </a:r>
-            <a:r>
-              <a:rPr lang="es-ES" dirty="0" err="1"/>
-              <a:t>convenient</a:t>
-            </a:r>
-            <a:r>
-              <a:rPr lang="es-ES" dirty="0"/>
-              <a:t> </a:t>
-            </a:r>
-            <a:r>
-              <a:rPr lang="es-ES" dirty="0" err="1"/>
-              <a:t>for</a:t>
-            </a:r>
-            <a:r>
-              <a:rPr lang="es-ES" dirty="0"/>
-              <a:t> </a:t>
-            </a:r>
-            <a:r>
-              <a:rPr lang="es-ES" dirty="0" err="1"/>
-              <a:t>our</a:t>
-            </a:r>
-            <a:r>
-              <a:rPr lang="es-ES" dirty="0"/>
-              <a:t> Project</a:t>
-            </a:r>
-          </a:p>
+              <a:rPr lang="es-ES" dirty="0">
+                <a:solidFill>
+                  <a:schemeClr val="bg1"/>
+                </a:solidFill>
+              </a:rPr>
+              <a:t>LR SMOTE</a:t>
+            </a:r>
+          </a:p>
+          <a:p>
+            <a:endParaRPr lang="es-ES" dirty="0">
+              <a:solidFill>
+                <a:schemeClr val="bg1"/>
+              </a:solidFill>
+            </a:endParaRPr>
+          </a:p>
+        </p:txBody>
+      </p:sp>
+      <p:pic>
+        <p:nvPicPr>
+          <p:cNvPr id="5" name="Imagen 4">
+            <a:extLst>
+              <a:ext uri="{FF2B5EF4-FFF2-40B4-BE49-F238E27FC236}">
+                <a16:creationId xmlns:a16="http://schemas.microsoft.com/office/drawing/2014/main" id="{A0EAF494-1FCE-7111-47DC-E94EA62364FC}"/>
+              </a:ext>
+            </a:extLst>
+          </p:cNvPr>
+          <p:cNvPicPr>
+            <a:picLocks noChangeAspect="1"/>
+          </p:cNvPicPr>
+          <p:nvPr/>
+        </p:nvPicPr>
+        <p:blipFill>
+          <a:blip r:embed="rId3"/>
+          <a:stretch>
+            <a:fillRect/>
+          </a:stretch>
+        </p:blipFill>
+        <p:spPr>
+          <a:xfrm>
+            <a:off x="383851" y="1275127"/>
+            <a:ext cx="4392937" cy="3294703"/>
+          </a:xfrm>
+          <a:prstGeom prst="rect">
+            <a:avLst/>
+          </a:prstGeom>
+        </p:spPr>
+      </p:pic>
+      <p:pic>
+        <p:nvPicPr>
+          <p:cNvPr id="7" name="Imagen 6">
+            <a:extLst>
+              <a:ext uri="{FF2B5EF4-FFF2-40B4-BE49-F238E27FC236}">
+                <a16:creationId xmlns:a16="http://schemas.microsoft.com/office/drawing/2014/main" id="{69303EEC-1AF8-8358-20DD-3DF6E37CB25B}"/>
+              </a:ext>
+            </a:extLst>
+          </p:cNvPr>
+          <p:cNvPicPr>
+            <a:picLocks noChangeAspect="1"/>
+          </p:cNvPicPr>
+          <p:nvPr/>
+        </p:nvPicPr>
+        <p:blipFill>
+          <a:blip r:embed="rId4"/>
+          <a:stretch>
+            <a:fillRect/>
+          </a:stretch>
+        </p:blipFill>
+        <p:spPr>
+          <a:xfrm>
+            <a:off x="6356027" y="1275126"/>
+            <a:ext cx="4392937" cy="3294703"/>
+          </a:xfrm>
+          <a:prstGeom prst="rect">
+            <a:avLst/>
+          </a:prstGeom>
+        </p:spPr>
+      </p:pic>
+      <p:pic>
+        <p:nvPicPr>
+          <p:cNvPr id="9" name="Imagen 8">
+            <a:extLst>
+              <a:ext uri="{FF2B5EF4-FFF2-40B4-BE49-F238E27FC236}">
+                <a16:creationId xmlns:a16="http://schemas.microsoft.com/office/drawing/2014/main" id="{F994E1D7-732E-E05F-D0D4-8B6745F92FC4}"/>
+              </a:ext>
+            </a:extLst>
+          </p:cNvPr>
+          <p:cNvPicPr>
+            <a:picLocks noChangeAspect="1"/>
+          </p:cNvPicPr>
+          <p:nvPr/>
+        </p:nvPicPr>
+        <p:blipFill>
+          <a:blip r:embed="rId5"/>
+          <a:stretch>
+            <a:fillRect/>
+          </a:stretch>
+        </p:blipFill>
+        <p:spPr>
+          <a:xfrm>
+            <a:off x="3623977" y="4528100"/>
+            <a:ext cx="4086795" cy="1952898"/>
+          </a:xfrm>
+          <a:prstGeom prst="rect">
+            <a:avLst/>
+          </a:prstGeom>
+        </p:spPr>
+      </p:pic>
+    </p:spTree>
+    <p:extLst>
+      <p:ext uri="{BB962C8B-B14F-4D97-AF65-F5344CB8AC3E}">
+        <p14:creationId xmlns:p14="http://schemas.microsoft.com/office/powerpoint/2010/main" val="981601079"/>
+      </p:ext>
+    </p:extLst>
+  </p:cSld>
+  <p:clrMapOvr>
+    <a:masterClrMapping/>
+  </p:clrMapOvr>
+</p:sld>
+</file>
+
+<file path=ppt/slides/slide16.xml><?xml version="1.0" encoding="utf-8"?>
+<p:sld xmlns:a="http://schemas.openxmlformats.org/drawingml/2006/main" xmlns:r="http://schemas.openxmlformats.org/officeDocument/2006/relationships" xmlns:p="http://schemas.openxmlformats.org/presentationml/2006/main">
+  <p:cSld>
+    <p:bg>
+      <p:bgPr>
+        <a:blipFill>
+          <a:blip r:embed="rId2">
+            <a:duotone>
+              <a:prstClr val="black"/>
+              <a:schemeClr val="accent6">
+                <a:tint val="45000"/>
+                <a:satMod val="400000"/>
+              </a:schemeClr>
+            </a:duotone>
+          </a:blip>
+          <a:stretch/>
+        </a:blipFill>
+        <a:effectLst/>
+      </p:bgPr>
+    </p:bg>
+    <p:spTree>
+      <p:nvGrpSpPr>
+        <p:cNvPr id="1" name=""/>
+        <p:cNvGrpSpPr/>
+        <p:nvPr/>
+      </p:nvGrpSpPr>
+      <p:grpSpPr>
+        <a:xfrm>
+          <a:off x="0" y="0"/>
+          <a:ext cx="0" cy="0"/>
+          <a:chOff x="0" y="0"/>
+          <a:chExt cx="0" cy="0"/>
+        </a:xfrm>
+      </p:grpSpPr>
+      <p:sp>
+        <p:nvSpPr>
+          <p:cNvPr id="2" name="Título 1">
+            <a:extLst>
+              <a:ext uri="{FF2B5EF4-FFF2-40B4-BE49-F238E27FC236}">
+                <a16:creationId xmlns:a16="http://schemas.microsoft.com/office/drawing/2014/main" id="{5E29DA92-3ABF-DE85-3049-9ED5A5D7ADE8}"/>
+              </a:ext>
+            </a:extLst>
+          </p:cNvPr>
+          <p:cNvSpPr>
+            <a:spLocks noGrp="1"/>
+          </p:cNvSpPr>
+          <p:nvPr>
+            <p:ph type="title"/>
+          </p:nvPr>
+        </p:nvSpPr>
+        <p:spPr>
+          <a:xfrm>
+            <a:off x="1141456" y="609600"/>
+            <a:ext cx="9905955" cy="665527"/>
+          </a:xfrm>
+        </p:spPr>
+        <p:txBody>
+          <a:bodyPr/>
+          <a:lstStyle/>
+          <a:p>
+            <a:r>
+              <a:rPr lang="es-ES" dirty="0" err="1">
+                <a:solidFill>
+                  <a:schemeClr val="bg1"/>
+                </a:solidFill>
+              </a:rPr>
+              <a:t>ModelS</a:t>
+            </a:r>
+            <a:r>
+              <a:rPr lang="es-ES" dirty="0">
+                <a:solidFill>
+                  <a:schemeClr val="bg1"/>
+                </a:solidFill>
+              </a:rPr>
+              <a:t> SELECTED (KNN </a:t>
+            </a:r>
+            <a:r>
+              <a:rPr lang="es-ES" dirty="0" err="1">
+                <a:solidFill>
+                  <a:schemeClr val="bg1"/>
+                </a:solidFill>
+              </a:rPr>
+              <a:t>CLassifier</a:t>
+            </a:r>
+            <a:r>
+              <a:rPr lang="es-ES" dirty="0">
+                <a:solidFill>
+                  <a:schemeClr val="bg1"/>
+                </a:solidFill>
+              </a:rPr>
+              <a:t>):</a:t>
+            </a:r>
+            <a:endParaRPr lang="en-GB" dirty="0">
+              <a:solidFill>
+                <a:schemeClr val="bg1"/>
+              </a:solidFill>
+            </a:endParaRPr>
+          </a:p>
+        </p:txBody>
+      </p:sp>
+      <p:sp>
+        <p:nvSpPr>
+          <p:cNvPr id="3" name="Marcador de texto 2">
+            <a:extLst>
+              <a:ext uri="{FF2B5EF4-FFF2-40B4-BE49-F238E27FC236}">
+                <a16:creationId xmlns:a16="http://schemas.microsoft.com/office/drawing/2014/main" id="{58D8D5A9-15C8-4BB3-54D2-0A2F8BD9B803}"/>
+              </a:ext>
+            </a:extLst>
+          </p:cNvPr>
+          <p:cNvSpPr>
+            <a:spLocks noGrp="1"/>
+          </p:cNvSpPr>
+          <p:nvPr>
+            <p:ph type="body" sz="half" idx="2"/>
+          </p:nvPr>
+        </p:nvSpPr>
+        <p:spPr>
+          <a:xfrm>
+            <a:off x="1141456" y="318520"/>
+            <a:ext cx="9904459" cy="2506209"/>
+          </a:xfrm>
+        </p:spPr>
+        <p:txBody>
+          <a:bodyPr>
+            <a:normAutofit/>
+          </a:bodyPr>
+          <a:lstStyle/>
           <a:p>
             <a:pPr marL="285750" indent="-285750">
               <a:buFont typeface="Arial" panose="020B0604020202020204" pitchFamily="34" charset="0"/>
               <a:buChar char="•"/>
             </a:pPr>
             <a:r>
-              <a:rPr lang="es-ES" dirty="0" err="1"/>
+              <a:rPr lang="es-ES" dirty="0">
+                <a:solidFill>
+                  <a:schemeClr val="bg1"/>
+                </a:solidFill>
+              </a:rPr>
+              <a:t>KNN </a:t>
+            </a:r>
+            <a:r>
+              <a:rPr lang="es-ES" dirty="0" err="1">
+                <a:solidFill>
+                  <a:schemeClr val="bg1"/>
+                </a:solidFill>
+              </a:rPr>
+              <a:t>Classifier</a:t>
+            </a:r>
+            <a:r>
+              <a:rPr lang="es-ES" dirty="0">
+                <a:solidFill>
+                  <a:schemeClr val="bg1"/>
+                </a:solidFill>
+              </a:rPr>
+              <a:t> </a:t>
+            </a:r>
+            <a:r>
+              <a:rPr lang="es-ES" dirty="0" err="1">
+                <a:solidFill>
+                  <a:schemeClr val="bg1"/>
+                </a:solidFill>
+              </a:rPr>
+              <a:t>Oversampled</a:t>
+            </a:r>
+            <a:r>
+              <a:rPr lang="es-ES" dirty="0">
+                <a:solidFill>
+                  <a:schemeClr val="bg1"/>
+                </a:solidFill>
+              </a:rPr>
+              <a:t> , N=3, </a:t>
+            </a:r>
+            <a:r>
+              <a:rPr lang="es-ES" dirty="0" err="1">
+                <a:solidFill>
+                  <a:schemeClr val="bg1"/>
+                </a:solidFill>
+              </a:rPr>
+              <a:t>weights</a:t>
+            </a:r>
+            <a:r>
+              <a:rPr lang="es-ES" dirty="0">
+                <a:solidFill>
+                  <a:schemeClr val="bg1"/>
+                </a:solidFill>
+              </a:rPr>
+              <a:t> = “</a:t>
+            </a:r>
+            <a:r>
+              <a:rPr lang="es-ES" dirty="0" err="1">
+                <a:solidFill>
+                  <a:schemeClr val="bg1"/>
+                </a:solidFill>
+              </a:rPr>
+              <a:t>uniform</a:t>
+            </a:r>
+            <a:r>
+              <a:rPr lang="es-ES" dirty="0">
+                <a:solidFill>
+                  <a:schemeClr val="bg1"/>
+                </a:solidFill>
+              </a:rPr>
+              <a:t>”, p=1 -&gt; Score = 0,819 </a:t>
+            </a:r>
+          </a:p>
+          <a:p>
+            <a:endParaRPr lang="es-ES" dirty="0">
+              <a:solidFill>
+                <a:schemeClr val="bg1"/>
+              </a:solidFill>
+            </a:endParaRPr>
+          </a:p>
+        </p:txBody>
+      </p:sp>
+      <p:pic>
+        <p:nvPicPr>
+          <p:cNvPr id="6" name="Imagen 5">
+            <a:extLst>
+              <a:ext uri="{FF2B5EF4-FFF2-40B4-BE49-F238E27FC236}">
+                <a16:creationId xmlns:a16="http://schemas.microsoft.com/office/drawing/2014/main" id="{BFF6ACC0-98B7-FB3E-369C-88F4E14895A7}"/>
+              </a:ext>
+            </a:extLst>
+          </p:cNvPr>
+          <p:cNvPicPr>
+            <a:picLocks noChangeAspect="1"/>
+          </p:cNvPicPr>
+          <p:nvPr/>
+        </p:nvPicPr>
+        <p:blipFill>
+          <a:blip r:embed="rId3"/>
+          <a:stretch>
+            <a:fillRect/>
+          </a:stretch>
+        </p:blipFill>
+        <p:spPr>
+          <a:xfrm>
+            <a:off x="612451" y="1404847"/>
+            <a:ext cx="4451470" cy="3338603"/>
+          </a:xfrm>
+          <a:prstGeom prst="rect">
+            <a:avLst/>
+          </a:prstGeom>
+        </p:spPr>
+      </p:pic>
+      <p:pic>
+        <p:nvPicPr>
+          <p:cNvPr id="10" name="Imagen 9">
+            <a:extLst>
+              <a:ext uri="{FF2B5EF4-FFF2-40B4-BE49-F238E27FC236}">
+                <a16:creationId xmlns:a16="http://schemas.microsoft.com/office/drawing/2014/main" id="{AAC191CB-D7ED-A767-31F3-63F321D467B1}"/>
+              </a:ext>
+            </a:extLst>
+          </p:cNvPr>
+          <p:cNvPicPr>
+            <a:picLocks noChangeAspect="1"/>
+          </p:cNvPicPr>
+          <p:nvPr/>
+        </p:nvPicPr>
+        <p:blipFill>
+          <a:blip r:embed="rId4"/>
+          <a:stretch>
+            <a:fillRect/>
+          </a:stretch>
+        </p:blipFill>
+        <p:spPr>
+          <a:xfrm>
+            <a:off x="6627489" y="1310711"/>
+            <a:ext cx="4702499" cy="3526874"/>
+          </a:xfrm>
+          <a:prstGeom prst="rect">
+            <a:avLst/>
+          </a:prstGeom>
+        </p:spPr>
+      </p:pic>
+      <p:pic>
+        <p:nvPicPr>
+          <p:cNvPr id="12" name="Imagen 11">
+            <a:extLst>
+              <a:ext uri="{FF2B5EF4-FFF2-40B4-BE49-F238E27FC236}">
+                <a16:creationId xmlns:a16="http://schemas.microsoft.com/office/drawing/2014/main" id="{28AF8EC7-B163-65C8-FFF9-2B23441B0E59}"/>
+              </a:ext>
+            </a:extLst>
+          </p:cNvPr>
+          <p:cNvPicPr>
+            <a:picLocks noChangeAspect="1"/>
+          </p:cNvPicPr>
+          <p:nvPr/>
+        </p:nvPicPr>
+        <p:blipFill>
+          <a:blip r:embed="rId5"/>
+          <a:stretch>
+            <a:fillRect/>
+          </a:stretch>
+        </p:blipFill>
+        <p:spPr>
+          <a:xfrm>
+            <a:off x="3497298" y="4548477"/>
+            <a:ext cx="4134427" cy="1991003"/>
+          </a:xfrm>
+          <a:prstGeom prst="rect">
+            <a:avLst/>
+          </a:prstGeom>
+        </p:spPr>
+      </p:pic>
+    </p:spTree>
+    <p:extLst>
+      <p:ext uri="{BB962C8B-B14F-4D97-AF65-F5344CB8AC3E}">
+        <p14:creationId xmlns:p14="http://schemas.microsoft.com/office/powerpoint/2010/main" val="1687758640"/>
+      </p:ext>
+    </p:extLst>
+  </p:cSld>
+  <p:clrMapOvr>
+    <a:masterClrMapping/>
+  </p:clrMapOvr>
+</p:sld>
+</file>
+
+<file path=ppt/slides/slide2.xml><?xml version="1.0" encoding="utf-8"?>
+<p:sld xmlns:a="http://schemas.openxmlformats.org/drawingml/2006/main" xmlns:r="http://schemas.openxmlformats.org/officeDocument/2006/relationships" xmlns:p="http://schemas.openxmlformats.org/presentationml/2006/main">
+  <p:cSld>
+    <p:bg>
+      <p:bgPr>
+        <a:blipFill>
+          <a:blip r:embed="rId2">
+            <a:duotone>
+              <a:prstClr val="black"/>
+              <a:schemeClr val="accent6">
+                <a:tint val="45000"/>
+                <a:satMod val="400000"/>
+              </a:schemeClr>
+            </a:duotone>
+          </a:blip>
+          <a:stretch/>
+        </a:blipFill>
+        <a:effectLst/>
+      </p:bgPr>
+    </p:bg>
+    <p:spTree>
+      <p:nvGrpSpPr>
+        <p:cNvPr id="1" name=""/>
+        <p:cNvGrpSpPr/>
+        <p:nvPr/>
+      </p:nvGrpSpPr>
+      <p:grpSpPr>
+        <a:xfrm>
+          <a:off x="0" y="0"/>
+          <a:ext cx="0" cy="0"/>
+          <a:chOff x="0" y="0"/>
+          <a:chExt cx="0" cy="0"/>
+        </a:xfrm>
+      </p:grpSpPr>
+      <p:sp>
+        <p:nvSpPr>
+          <p:cNvPr id="2" name="Título 1">
+            <a:extLst>
+              <a:ext uri="{FF2B5EF4-FFF2-40B4-BE49-F238E27FC236}">
+                <a16:creationId xmlns:a16="http://schemas.microsoft.com/office/drawing/2014/main" id="{5E29DA92-3ABF-DE85-3049-9ED5A5D7ADE8}"/>
+              </a:ext>
+            </a:extLst>
+          </p:cNvPr>
+          <p:cNvSpPr>
+            <a:spLocks noGrp="1"/>
+          </p:cNvSpPr>
+          <p:nvPr>
+            <p:ph type="title"/>
+          </p:nvPr>
+        </p:nvSpPr>
+        <p:spPr>
+          <a:xfrm>
+            <a:off x="1141456" y="609600"/>
+            <a:ext cx="9905955" cy="665527"/>
+          </a:xfrm>
+        </p:spPr>
+        <p:txBody>
+          <a:bodyPr/>
+          <a:lstStyle/>
+          <a:p>
+            <a:r>
+              <a:rPr lang="es-ES" dirty="0">
+                <a:solidFill>
+                  <a:schemeClr val="bg1"/>
+                </a:solidFill>
+              </a:rPr>
+              <a:t>CASE OF STUDY:</a:t>
+            </a:r>
+            <a:endParaRPr lang="en-GB" dirty="0">
+              <a:solidFill>
+                <a:schemeClr val="bg1"/>
+              </a:solidFill>
+            </a:endParaRPr>
+          </a:p>
+        </p:txBody>
+      </p:sp>
+      <p:sp>
+        <p:nvSpPr>
+          <p:cNvPr id="3" name="Marcador de texto 2">
+            <a:extLst>
+              <a:ext uri="{FF2B5EF4-FFF2-40B4-BE49-F238E27FC236}">
+                <a16:creationId xmlns:a16="http://schemas.microsoft.com/office/drawing/2014/main" id="{58D8D5A9-15C8-4BB3-54D2-0A2F8BD9B803}"/>
+              </a:ext>
+            </a:extLst>
+          </p:cNvPr>
+          <p:cNvSpPr>
+            <a:spLocks noGrp="1"/>
+          </p:cNvSpPr>
+          <p:nvPr>
+            <p:ph type="body" sz="half" idx="2"/>
+          </p:nvPr>
+        </p:nvSpPr>
+        <p:spPr>
+          <a:xfrm>
+            <a:off x="1142952" y="609600"/>
+            <a:ext cx="9904459" cy="4365070"/>
+          </a:xfrm>
+        </p:spPr>
+        <p:txBody>
+          <a:bodyPr/>
+          <a:lstStyle/>
+          <a:p>
+            <a:pPr marL="285750" indent="-285750">
+              <a:buFont typeface="Arial" panose="020B0604020202020204" pitchFamily="34" charset="0"/>
+              <a:buChar char="•"/>
+            </a:pPr>
+            <a:r>
+              <a:rPr lang="es-ES" dirty="0" err="1">
+                <a:solidFill>
+                  <a:schemeClr val="bg1"/>
+                </a:solidFill>
+              </a:rPr>
+              <a:t>This</a:t>
+            </a:r>
+            <a:r>
+              <a:rPr lang="es-ES" dirty="0">
+                <a:solidFill>
+                  <a:schemeClr val="bg1"/>
+                </a:solidFill>
+              </a:rPr>
+              <a:t> </a:t>
+            </a:r>
+            <a:r>
+              <a:rPr lang="es-ES" dirty="0" err="1">
+                <a:solidFill>
+                  <a:schemeClr val="bg1"/>
+                </a:solidFill>
+              </a:rPr>
+              <a:t>dataset</a:t>
+            </a:r>
+            <a:r>
+              <a:rPr lang="es-ES" dirty="0">
+                <a:solidFill>
+                  <a:schemeClr val="bg1"/>
+                </a:solidFill>
+              </a:rPr>
+              <a:t> </a:t>
+            </a:r>
+            <a:r>
+              <a:rPr lang="es-ES" dirty="0" err="1">
+                <a:solidFill>
+                  <a:schemeClr val="bg1"/>
+                </a:solidFill>
+              </a:rPr>
+              <a:t>explains</a:t>
+            </a:r>
+            <a:r>
+              <a:rPr lang="es-ES" dirty="0">
+                <a:solidFill>
+                  <a:schemeClr val="bg1"/>
+                </a:solidFill>
+              </a:rPr>
+              <a:t> </a:t>
+            </a:r>
+            <a:r>
+              <a:rPr lang="es-ES" dirty="0" err="1">
+                <a:solidFill>
+                  <a:schemeClr val="bg1"/>
+                </a:solidFill>
+              </a:rPr>
+              <a:t>the</a:t>
+            </a:r>
+            <a:r>
+              <a:rPr lang="es-ES" dirty="0">
+                <a:solidFill>
+                  <a:schemeClr val="bg1"/>
+                </a:solidFill>
+              </a:rPr>
+              <a:t> </a:t>
+            </a:r>
+            <a:r>
+              <a:rPr lang="es-ES" dirty="0" err="1">
+                <a:solidFill>
+                  <a:schemeClr val="bg1"/>
+                </a:solidFill>
+              </a:rPr>
+              <a:t>results</a:t>
+            </a:r>
+            <a:r>
+              <a:rPr lang="es-ES" dirty="0">
+                <a:solidFill>
+                  <a:schemeClr val="bg1"/>
+                </a:solidFill>
+              </a:rPr>
+              <a:t> </a:t>
+            </a:r>
+            <a:r>
+              <a:rPr lang="es-ES" dirty="0" err="1">
+                <a:solidFill>
+                  <a:schemeClr val="bg1"/>
+                </a:solidFill>
+              </a:rPr>
+              <a:t>of</a:t>
+            </a:r>
+            <a:r>
+              <a:rPr lang="es-ES" dirty="0">
+                <a:solidFill>
+                  <a:schemeClr val="bg1"/>
+                </a:solidFill>
+              </a:rPr>
+              <a:t> a marketing </a:t>
+            </a:r>
+            <a:r>
+              <a:rPr lang="es-ES" dirty="0" err="1">
+                <a:solidFill>
+                  <a:schemeClr val="bg1"/>
+                </a:solidFill>
+              </a:rPr>
+              <a:t>campaign</a:t>
+            </a:r>
+            <a:r>
+              <a:rPr lang="es-ES" dirty="0">
+                <a:solidFill>
+                  <a:schemeClr val="bg1"/>
+                </a:solidFill>
+              </a:rPr>
+              <a:t> </a:t>
+            </a:r>
+            <a:r>
+              <a:rPr lang="es-ES" dirty="0" err="1">
+                <a:solidFill>
+                  <a:schemeClr val="bg1"/>
+                </a:solidFill>
+              </a:rPr>
+              <a:t>performed</a:t>
+            </a:r>
+            <a:r>
+              <a:rPr lang="es-ES" dirty="0">
+                <a:solidFill>
+                  <a:schemeClr val="bg1"/>
+                </a:solidFill>
+              </a:rPr>
+              <a:t> </a:t>
+            </a:r>
+            <a:r>
+              <a:rPr lang="es-ES" dirty="0" err="1">
+                <a:solidFill>
+                  <a:schemeClr val="bg1"/>
+                </a:solidFill>
+              </a:rPr>
+              <a:t>by</a:t>
+            </a:r>
+            <a:r>
+              <a:rPr lang="es-ES" dirty="0">
+                <a:solidFill>
+                  <a:schemeClr val="bg1"/>
+                </a:solidFill>
+              </a:rPr>
+              <a:t> a portuguese </a:t>
+            </a:r>
+            <a:r>
+              <a:rPr lang="es-ES" dirty="0" err="1">
+                <a:solidFill>
+                  <a:schemeClr val="bg1"/>
+                </a:solidFill>
+              </a:rPr>
+              <a:t>bank</a:t>
+            </a:r>
+            <a:r>
+              <a:rPr lang="es-ES" dirty="0">
+                <a:solidFill>
+                  <a:schemeClr val="bg1"/>
+                </a:solidFill>
+              </a:rPr>
+              <a:t> in 2011</a:t>
+            </a:r>
+          </a:p>
+          <a:p>
+            <a:pPr marL="285750" indent="-285750">
+              <a:buFont typeface="Arial" panose="020B0604020202020204" pitchFamily="34" charset="0"/>
+              <a:buChar char="•"/>
+            </a:pPr>
+            <a:r>
+              <a:rPr lang="es-ES" dirty="0" err="1">
+                <a:solidFill>
+                  <a:schemeClr val="bg1"/>
+                </a:solidFill>
+              </a:rPr>
               <a:t>The</a:t>
             </a:r>
             <a:r>
-              <a:rPr lang="es-ES" dirty="0"/>
+              <a:rPr lang="es-ES" dirty="0">
+                <a:solidFill>
+                  <a:schemeClr val="bg1"/>
+                </a:solidFill>
+              </a:rPr>
+              <a:t> </a:t>
+            </a:r>
+            <a:r>
+              <a:rPr lang="es-ES" dirty="0" err="1">
+                <a:solidFill>
+                  <a:schemeClr val="bg1"/>
+                </a:solidFill>
+              </a:rPr>
+              <a:t>product</a:t>
+            </a:r>
+            <a:r>
+              <a:rPr lang="es-ES" dirty="0">
+                <a:solidFill>
+                  <a:schemeClr val="bg1"/>
+                </a:solidFill>
+              </a:rPr>
+              <a:t> </a:t>
+            </a:r>
+            <a:r>
+              <a:rPr lang="es-ES" dirty="0" err="1">
+                <a:solidFill>
+                  <a:schemeClr val="bg1"/>
+                </a:solidFill>
+              </a:rPr>
+              <a:t>promoted</a:t>
+            </a:r>
+            <a:r>
+              <a:rPr lang="es-ES" dirty="0">
+                <a:solidFill>
+                  <a:schemeClr val="bg1"/>
+                </a:solidFill>
+              </a:rPr>
+              <a:t> </a:t>
+            </a:r>
+            <a:r>
+              <a:rPr lang="es-ES" dirty="0" err="1">
+                <a:solidFill>
+                  <a:schemeClr val="bg1"/>
+                </a:solidFill>
+              </a:rPr>
+              <a:t>was</a:t>
+            </a:r>
+            <a:r>
+              <a:rPr lang="es-ES" dirty="0">
+                <a:solidFill>
+                  <a:schemeClr val="bg1"/>
+                </a:solidFill>
+              </a:rPr>
+              <a:t> a </a:t>
+            </a:r>
+            <a:r>
+              <a:rPr lang="es-ES" dirty="0" err="1">
+                <a:solidFill>
+                  <a:schemeClr val="bg1"/>
+                </a:solidFill>
+              </a:rPr>
+              <a:t>term</a:t>
+            </a:r>
+            <a:r>
+              <a:rPr lang="es-ES" dirty="0">
+                <a:solidFill>
+                  <a:schemeClr val="bg1"/>
+                </a:solidFill>
+              </a:rPr>
+              <a:t> </a:t>
+            </a:r>
+            <a:r>
+              <a:rPr lang="es-ES" dirty="0" err="1">
+                <a:solidFill>
+                  <a:schemeClr val="bg1"/>
+                </a:solidFill>
+              </a:rPr>
+              <a:t>deposit</a:t>
+            </a:r>
+            <a:r>
+              <a:rPr lang="es-ES" dirty="0">
+                <a:solidFill>
+                  <a:schemeClr val="bg1"/>
+                </a:solidFill>
+              </a:rPr>
+              <a:t>, </a:t>
+            </a:r>
+            <a:r>
+              <a:rPr lang="es-ES" dirty="0" err="1">
+                <a:solidFill>
+                  <a:schemeClr val="bg1"/>
+                </a:solidFill>
+              </a:rPr>
+              <a:t>represented</a:t>
+            </a:r>
+            <a:r>
+              <a:rPr lang="es-ES" dirty="0">
+                <a:solidFill>
+                  <a:schemeClr val="bg1"/>
+                </a:solidFill>
+              </a:rPr>
+              <a:t> </a:t>
+            </a:r>
+            <a:r>
+              <a:rPr lang="es-ES" dirty="0" err="1">
+                <a:solidFill>
+                  <a:schemeClr val="bg1"/>
+                </a:solidFill>
+              </a:rPr>
+              <a:t>by</a:t>
+            </a:r>
+            <a:r>
+              <a:rPr lang="es-ES" dirty="0">
+                <a:solidFill>
+                  <a:schemeClr val="bg1"/>
+                </a:solidFill>
+              </a:rPr>
+              <a:t> </a:t>
+            </a:r>
+            <a:r>
+              <a:rPr lang="es-ES" dirty="0" err="1">
+                <a:solidFill>
+                  <a:schemeClr val="bg1"/>
+                </a:solidFill>
+              </a:rPr>
+              <a:t>the</a:t>
+            </a:r>
+            <a:r>
+              <a:rPr lang="es-ES" dirty="0">
+                <a:solidFill>
+                  <a:schemeClr val="bg1"/>
+                </a:solidFill>
+              </a:rPr>
+              <a:t> “y” </a:t>
+            </a:r>
+            <a:r>
+              <a:rPr lang="es-ES" dirty="0" err="1">
+                <a:solidFill>
+                  <a:schemeClr val="bg1"/>
+                </a:solidFill>
+              </a:rPr>
+              <a:t>column</a:t>
+            </a:r>
+            <a:r>
+              <a:rPr lang="es-ES" dirty="0">
+                <a:solidFill>
+                  <a:schemeClr val="bg1"/>
+                </a:solidFill>
+              </a:rPr>
+              <a:t> </a:t>
+            </a:r>
+            <a:r>
+              <a:rPr lang="es-ES" dirty="0" err="1">
+                <a:solidFill>
+                  <a:schemeClr val="bg1"/>
+                </a:solidFill>
+              </a:rPr>
+              <a:t>which</a:t>
+            </a:r>
+            <a:r>
+              <a:rPr lang="es-ES" dirty="0">
+                <a:solidFill>
+                  <a:schemeClr val="bg1"/>
+                </a:solidFill>
+              </a:rPr>
+              <a:t> </a:t>
+            </a:r>
+            <a:r>
+              <a:rPr lang="es-ES" dirty="0" err="1">
+                <a:solidFill>
+                  <a:schemeClr val="bg1"/>
+                </a:solidFill>
+              </a:rPr>
+              <a:t>is</a:t>
+            </a:r>
+            <a:r>
+              <a:rPr lang="es-ES" dirty="0">
+                <a:solidFill>
+                  <a:schemeClr val="bg1"/>
+                </a:solidFill>
+              </a:rPr>
+              <a:t> </a:t>
+            </a:r>
+            <a:r>
+              <a:rPr lang="es-ES" dirty="0" err="1">
+                <a:solidFill>
+                  <a:schemeClr val="bg1"/>
+                </a:solidFill>
+              </a:rPr>
+              <a:t>categorical</a:t>
+            </a:r>
+            <a:r>
+              <a:rPr lang="es-ES" dirty="0">
+                <a:solidFill>
+                  <a:schemeClr val="bg1"/>
+                </a:solidFill>
+              </a:rPr>
+              <a:t> </a:t>
+            </a:r>
+            <a:r>
+              <a:rPr lang="es-ES" dirty="0" err="1">
+                <a:solidFill>
+                  <a:schemeClr val="bg1"/>
+                </a:solidFill>
+              </a:rPr>
+              <a:t>answering</a:t>
+            </a:r>
+            <a:r>
+              <a:rPr lang="es-ES" dirty="0">
+                <a:solidFill>
+                  <a:schemeClr val="bg1"/>
+                </a:solidFill>
+              </a:rPr>
+              <a:t> “yes” </a:t>
+            </a:r>
+            <a:r>
+              <a:rPr lang="es-ES" dirty="0" err="1">
+                <a:solidFill>
+                  <a:schemeClr val="bg1"/>
+                </a:solidFill>
+              </a:rPr>
+              <a:t>or</a:t>
+            </a:r>
+            <a:r>
+              <a:rPr lang="es-ES" dirty="0">
+                <a:solidFill>
+                  <a:schemeClr val="bg1"/>
+                </a:solidFill>
+              </a:rPr>
+              <a:t> “no” </a:t>
+            </a:r>
+            <a:r>
+              <a:rPr lang="en-GB" dirty="0">
+                <a:solidFill>
+                  <a:schemeClr val="bg1"/>
+                </a:solidFill>
+              </a:rPr>
+              <a:t>depending on whether the client contracted this savings instrument</a:t>
+            </a:r>
+            <a:r>
+              <a:rPr lang="es-ES" dirty="0">
+                <a:solidFill>
+                  <a:schemeClr val="bg1"/>
+                </a:solidFill>
+              </a:rPr>
+              <a:t>.</a:t>
+            </a:r>
+          </a:p>
+          <a:p>
+            <a:pPr marL="285750" indent="-285750">
+              <a:buFont typeface="Arial" panose="020B0604020202020204" pitchFamily="34" charset="0"/>
+              <a:buChar char="•"/>
+            </a:pPr>
+            <a:r>
+              <a:rPr lang="es-ES" dirty="0" err="1">
+                <a:solidFill>
+                  <a:schemeClr val="bg1"/>
+                </a:solidFill>
+              </a:rPr>
+              <a:t>There</a:t>
+            </a:r>
+            <a:r>
+              <a:rPr lang="es-ES" dirty="0">
+                <a:solidFill>
+                  <a:schemeClr val="bg1"/>
+                </a:solidFill>
+              </a:rPr>
+              <a:t> are 16 variables </a:t>
+            </a:r>
+            <a:r>
+              <a:rPr lang="es-ES" dirty="0" err="1">
+                <a:solidFill>
+                  <a:schemeClr val="bg1"/>
+                </a:solidFill>
+              </a:rPr>
+              <a:t>classified</a:t>
+            </a:r>
+            <a:r>
+              <a:rPr lang="es-ES" dirty="0">
+                <a:solidFill>
+                  <a:schemeClr val="bg1"/>
+                </a:solidFill>
+              </a:rPr>
+              <a:t> in: </a:t>
+            </a:r>
+            <a:r>
+              <a:rPr lang="es-ES" dirty="0" err="1">
+                <a:solidFill>
+                  <a:schemeClr val="bg1"/>
+                </a:solidFill>
+              </a:rPr>
+              <a:t>bank</a:t>
+            </a:r>
+            <a:r>
+              <a:rPr lang="es-ES" dirty="0">
+                <a:solidFill>
+                  <a:schemeClr val="bg1"/>
+                </a:solidFill>
+              </a:rPr>
+              <a:t> </a:t>
+            </a:r>
+            <a:r>
+              <a:rPr lang="es-ES" dirty="0" err="1">
+                <a:solidFill>
+                  <a:schemeClr val="bg1"/>
+                </a:solidFill>
+              </a:rPr>
+              <a:t>clients</a:t>
+            </a:r>
+            <a:r>
+              <a:rPr lang="es-ES" dirty="0">
+                <a:solidFill>
+                  <a:schemeClr val="bg1"/>
+                </a:solidFill>
+              </a:rPr>
+              <a:t> data, variables </a:t>
+            </a:r>
+            <a:r>
+              <a:rPr lang="es-ES" dirty="0" err="1">
+                <a:solidFill>
+                  <a:schemeClr val="bg1"/>
+                </a:solidFill>
+              </a:rPr>
+              <a:t>related</a:t>
+            </a:r>
+            <a:r>
+              <a:rPr lang="es-ES" dirty="0">
+                <a:solidFill>
+                  <a:schemeClr val="bg1"/>
+                </a:solidFill>
+              </a:rPr>
+              <a:t> </a:t>
+            </a:r>
+            <a:r>
+              <a:rPr lang="es-ES" dirty="0" err="1">
+                <a:solidFill>
+                  <a:schemeClr val="bg1"/>
+                </a:solidFill>
+              </a:rPr>
+              <a:t>with</a:t>
+            </a:r>
+            <a:r>
+              <a:rPr lang="es-ES" dirty="0">
+                <a:solidFill>
+                  <a:schemeClr val="bg1"/>
+                </a:solidFill>
+              </a:rPr>
+              <a:t> </a:t>
+            </a:r>
+            <a:r>
+              <a:rPr lang="es-ES" dirty="0" err="1">
+                <a:solidFill>
+                  <a:schemeClr val="bg1"/>
+                </a:solidFill>
+              </a:rPr>
+              <a:t>the</a:t>
+            </a:r>
+            <a:r>
+              <a:rPr lang="es-ES" dirty="0">
+                <a:solidFill>
+                  <a:schemeClr val="bg1"/>
+                </a:solidFill>
+              </a:rPr>
+              <a:t> </a:t>
+            </a:r>
+            <a:r>
+              <a:rPr lang="es-ES" dirty="0" err="1">
+                <a:solidFill>
+                  <a:schemeClr val="bg1"/>
+                </a:solidFill>
+              </a:rPr>
+              <a:t>last</a:t>
+            </a:r>
+            <a:r>
+              <a:rPr lang="es-ES" dirty="0">
+                <a:solidFill>
+                  <a:schemeClr val="bg1"/>
+                </a:solidFill>
+              </a:rPr>
+              <a:t> </a:t>
+            </a:r>
+            <a:r>
+              <a:rPr lang="es-ES" dirty="0" err="1">
+                <a:solidFill>
+                  <a:schemeClr val="bg1"/>
+                </a:solidFill>
+              </a:rPr>
+              <a:t>contact</a:t>
+            </a:r>
+            <a:r>
+              <a:rPr lang="es-ES" dirty="0">
+                <a:solidFill>
+                  <a:schemeClr val="bg1"/>
+                </a:solidFill>
+              </a:rPr>
+              <a:t> </a:t>
+            </a:r>
+            <a:r>
+              <a:rPr lang="es-ES" dirty="0" err="1">
+                <a:solidFill>
+                  <a:schemeClr val="bg1"/>
+                </a:solidFill>
+              </a:rPr>
+              <a:t>of</a:t>
+            </a:r>
+            <a:r>
+              <a:rPr lang="es-ES" dirty="0">
+                <a:solidFill>
+                  <a:schemeClr val="bg1"/>
+                </a:solidFill>
+              </a:rPr>
+              <a:t> </a:t>
+            </a:r>
+            <a:r>
+              <a:rPr lang="es-ES" dirty="0" err="1">
+                <a:solidFill>
+                  <a:schemeClr val="bg1"/>
+                </a:solidFill>
+              </a:rPr>
+              <a:t>this</a:t>
+            </a:r>
+            <a:r>
+              <a:rPr lang="es-ES" dirty="0">
+                <a:solidFill>
+                  <a:schemeClr val="bg1"/>
+                </a:solidFill>
+              </a:rPr>
+              <a:t> </a:t>
+            </a:r>
+            <a:r>
+              <a:rPr lang="es-ES" dirty="0" err="1">
+                <a:solidFill>
+                  <a:schemeClr val="bg1"/>
+                </a:solidFill>
+              </a:rPr>
+              <a:t>campaign</a:t>
+            </a:r>
+            <a:r>
+              <a:rPr lang="es-ES" dirty="0">
+                <a:solidFill>
+                  <a:schemeClr val="bg1"/>
+                </a:solidFill>
+              </a:rPr>
+              <a:t> and </a:t>
+            </a:r>
+            <a:r>
+              <a:rPr lang="es-ES" dirty="0" err="1">
+                <a:solidFill>
+                  <a:schemeClr val="bg1"/>
+                </a:solidFill>
+              </a:rPr>
+              <a:t>other</a:t>
+            </a:r>
+            <a:r>
+              <a:rPr lang="es-ES" dirty="0">
+                <a:solidFill>
+                  <a:schemeClr val="bg1"/>
+                </a:solidFill>
+              </a:rPr>
+              <a:t> </a:t>
+            </a:r>
+            <a:r>
+              <a:rPr lang="es-ES" dirty="0" err="1">
+                <a:solidFill>
+                  <a:schemeClr val="bg1"/>
+                </a:solidFill>
+              </a:rPr>
+              <a:t>attributes</a:t>
+            </a:r>
+            <a:r>
+              <a:rPr lang="es-ES" dirty="0">
+                <a:solidFill>
+                  <a:schemeClr val="bg1"/>
+                </a:solidFill>
+              </a:rPr>
+              <a:t> </a:t>
+            </a:r>
+            <a:r>
+              <a:rPr lang="es-ES" dirty="0" err="1">
+                <a:solidFill>
+                  <a:schemeClr val="bg1"/>
+                </a:solidFill>
+              </a:rPr>
+              <a:t>like</a:t>
+            </a:r>
+            <a:r>
+              <a:rPr lang="es-ES" dirty="0">
+                <a:solidFill>
+                  <a:schemeClr val="bg1"/>
+                </a:solidFill>
+              </a:rPr>
+              <a:t> </a:t>
+            </a:r>
+            <a:r>
+              <a:rPr lang="es-ES" dirty="0" err="1">
+                <a:solidFill>
+                  <a:schemeClr val="bg1"/>
+                </a:solidFill>
+              </a:rPr>
+              <a:t>campaign</a:t>
+            </a:r>
+            <a:r>
+              <a:rPr lang="es-ES" dirty="0">
+                <a:solidFill>
+                  <a:schemeClr val="bg1"/>
+                </a:solidFill>
+              </a:rPr>
+              <a:t>, </a:t>
+            </a:r>
+            <a:r>
+              <a:rPr lang="es-ES" dirty="0" err="1">
+                <a:solidFill>
+                  <a:schemeClr val="bg1"/>
+                </a:solidFill>
+              </a:rPr>
+              <a:t>pdays</a:t>
+            </a:r>
+            <a:r>
+              <a:rPr lang="es-ES" dirty="0">
+                <a:solidFill>
+                  <a:schemeClr val="bg1"/>
+                </a:solidFill>
+              </a:rPr>
+              <a:t>, </a:t>
+            </a:r>
+            <a:r>
+              <a:rPr lang="es-ES" dirty="0" err="1">
+                <a:solidFill>
+                  <a:schemeClr val="bg1"/>
+                </a:solidFill>
+              </a:rPr>
+              <a:t>previous</a:t>
+            </a:r>
+            <a:r>
+              <a:rPr lang="es-ES" dirty="0">
+                <a:solidFill>
+                  <a:schemeClr val="bg1"/>
+                </a:solidFill>
+              </a:rPr>
+              <a:t> </a:t>
+            </a:r>
+            <a:r>
+              <a:rPr lang="es-ES" dirty="0" err="1">
+                <a:solidFill>
+                  <a:schemeClr val="bg1"/>
+                </a:solidFill>
+              </a:rPr>
+              <a:t>or</a:t>
+            </a:r>
+            <a:r>
+              <a:rPr lang="es-ES" dirty="0">
+                <a:solidFill>
+                  <a:schemeClr val="bg1"/>
+                </a:solidFill>
+              </a:rPr>
+              <a:t> </a:t>
+            </a:r>
+            <a:r>
+              <a:rPr lang="es-ES" dirty="0" err="1">
+                <a:solidFill>
+                  <a:schemeClr val="bg1"/>
+                </a:solidFill>
+              </a:rPr>
+              <a:t>poutcome</a:t>
+            </a:r>
+            <a:r>
+              <a:rPr lang="es-ES" dirty="0">
+                <a:solidFill>
+                  <a:schemeClr val="bg1"/>
+                </a:solidFill>
+              </a:rPr>
+              <a:t>.</a:t>
+            </a:r>
+          </a:p>
+          <a:p>
+            <a:endParaRPr lang="es-ES" dirty="0"/>
+          </a:p>
+        </p:txBody>
+      </p:sp>
+      <p:pic>
+        <p:nvPicPr>
+          <p:cNvPr id="6" name="Imagen 5">
+            <a:extLst>
+              <a:ext uri="{FF2B5EF4-FFF2-40B4-BE49-F238E27FC236}">
+                <a16:creationId xmlns:a16="http://schemas.microsoft.com/office/drawing/2014/main" id="{076B3188-D6EC-F342-8F5D-FDEDBCE39C5F}"/>
+              </a:ext>
+            </a:extLst>
+          </p:cNvPr>
+          <p:cNvPicPr>
+            <a:picLocks noChangeAspect="1"/>
+          </p:cNvPicPr>
+          <p:nvPr/>
+        </p:nvPicPr>
+        <p:blipFill rotWithShape="1">
+          <a:blip r:embed="rId3"/>
+          <a:srcRect t="89675" b="-2"/>
+          <a:stretch/>
+        </p:blipFill>
+        <p:spPr bwMode="auto">
+          <a:xfrm>
+            <a:off x="3467417" y="3443287"/>
+            <a:ext cx="4828540" cy="3115945"/>
+          </a:xfrm>
+          <a:prstGeom prst="rect">
+            <a:avLst/>
+          </a:prstGeom>
+          <a:ln>
+            <a:noFill/>
+          </a:ln>
+          <a:extLst>
+            <a:ext uri="{53640926-AAD7-44D8-BBD7-CCE9431645EC}">
+              <a14:shadowObscured xmlns:a14="http://schemas.microsoft.com/office/drawing/2010/main"/>
+            </a:ext>
+          </a:extLst>
+        </p:spPr>
+      </p:pic>
+    </p:spTree>
+    <p:extLst>
+      <p:ext uri="{BB962C8B-B14F-4D97-AF65-F5344CB8AC3E}">
+        <p14:creationId xmlns:p14="http://schemas.microsoft.com/office/powerpoint/2010/main" val="3748656783"/>
+      </p:ext>
+    </p:extLst>
+  </p:cSld>
+  <p:clrMapOvr>
+    <a:masterClrMapping/>
+  </p:clrMapOvr>
+</p:sld>
+</file>
+
+<file path=ppt/slides/slide3.xml><?xml version="1.0" encoding="utf-8"?>
+<p:sld xmlns:a="http://schemas.openxmlformats.org/drawingml/2006/main" xmlns:r="http://schemas.openxmlformats.org/officeDocument/2006/relationships" xmlns:p="http://schemas.openxmlformats.org/presentationml/2006/main">
+  <p:cSld>
+    <p:bg>
+      <p:bgPr>
+        <a:blipFill>
+          <a:blip r:embed="rId2">
+            <a:duotone>
+              <a:prstClr val="black"/>
+              <a:schemeClr val="accent6">
+                <a:tint val="45000"/>
+                <a:satMod val="400000"/>
+              </a:schemeClr>
+            </a:duotone>
+          </a:blip>
+          <a:stretch/>
+        </a:blipFill>
+        <a:effectLst/>
+      </p:bgPr>
+    </p:bg>
+    <p:spTree>
+      <p:nvGrpSpPr>
+        <p:cNvPr id="1" name=""/>
+        <p:cNvGrpSpPr/>
+        <p:nvPr/>
+      </p:nvGrpSpPr>
+      <p:grpSpPr>
+        <a:xfrm>
+          <a:off x="0" y="0"/>
+          <a:ext cx="0" cy="0"/>
+          <a:chOff x="0" y="0"/>
+          <a:chExt cx="0" cy="0"/>
+        </a:xfrm>
+      </p:grpSpPr>
+      <p:sp>
+        <p:nvSpPr>
+          <p:cNvPr id="2" name="Título 1">
+            <a:extLst>
+              <a:ext uri="{FF2B5EF4-FFF2-40B4-BE49-F238E27FC236}">
+                <a16:creationId xmlns:a16="http://schemas.microsoft.com/office/drawing/2014/main" id="{5E29DA92-3ABF-DE85-3049-9ED5A5D7ADE8}"/>
+              </a:ext>
+            </a:extLst>
+          </p:cNvPr>
+          <p:cNvSpPr>
+            <a:spLocks noGrp="1"/>
+          </p:cNvSpPr>
+          <p:nvPr>
+            <p:ph type="title"/>
+          </p:nvPr>
+        </p:nvSpPr>
+        <p:spPr>
+          <a:xfrm>
+            <a:off x="1141456" y="609600"/>
+            <a:ext cx="9905955" cy="665527"/>
+          </a:xfrm>
+        </p:spPr>
+        <p:txBody>
+          <a:bodyPr/>
+          <a:lstStyle/>
+          <a:p>
+            <a:r>
+              <a:rPr lang="es-ES" dirty="0">
+                <a:solidFill>
+                  <a:schemeClr val="bg1"/>
+                </a:solidFill>
+              </a:rPr>
+              <a:t>FIRST STEPS:</a:t>
+            </a:r>
+            <a:endParaRPr lang="en-GB" dirty="0">
+              <a:solidFill>
+                <a:schemeClr val="bg1"/>
+              </a:solidFill>
+            </a:endParaRPr>
+          </a:p>
+        </p:txBody>
+      </p:sp>
+      <p:sp>
+        <p:nvSpPr>
+          <p:cNvPr id="3" name="Marcador de texto 2">
+            <a:extLst>
+              <a:ext uri="{FF2B5EF4-FFF2-40B4-BE49-F238E27FC236}">
+                <a16:creationId xmlns:a16="http://schemas.microsoft.com/office/drawing/2014/main" id="{58D8D5A9-15C8-4BB3-54D2-0A2F8BD9B803}"/>
+              </a:ext>
+            </a:extLst>
+          </p:cNvPr>
+          <p:cNvSpPr>
+            <a:spLocks noGrp="1"/>
+          </p:cNvSpPr>
+          <p:nvPr>
+            <p:ph type="body" sz="half" idx="2"/>
+          </p:nvPr>
+        </p:nvSpPr>
+        <p:spPr>
+          <a:xfrm>
+            <a:off x="1142952" y="1181178"/>
+            <a:ext cx="9904459" cy="2506209"/>
+          </a:xfrm>
+        </p:spPr>
+        <p:txBody>
+          <a:bodyPr>
+            <a:normAutofit/>
+          </a:bodyPr>
+          <a:lstStyle/>
+          <a:p>
+            <a:pPr marL="285750" indent="-285750">
+              <a:buFont typeface="Arial" panose="020B0604020202020204" pitchFamily="34" charset="0"/>
+              <a:buChar char="•"/>
+            </a:pPr>
+            <a:r>
+              <a:rPr lang="es-ES" dirty="0">
+                <a:solidFill>
+                  <a:schemeClr val="bg1"/>
+                </a:solidFill>
+              </a:rPr>
+              <a:t>Once </a:t>
+            </a:r>
+            <a:r>
+              <a:rPr lang="es-ES" dirty="0" err="1">
+                <a:solidFill>
+                  <a:schemeClr val="bg1"/>
+                </a:solidFill>
+              </a:rPr>
+              <a:t>the</a:t>
+            </a:r>
+            <a:r>
+              <a:rPr lang="es-ES" dirty="0">
+                <a:solidFill>
+                  <a:schemeClr val="bg1"/>
+                </a:solidFill>
+              </a:rPr>
+              <a:t> </a:t>
+            </a:r>
+            <a:r>
+              <a:rPr lang="es-ES" dirty="0" err="1">
+                <a:solidFill>
+                  <a:schemeClr val="bg1"/>
+                </a:solidFill>
+              </a:rPr>
+              <a:t>dataset</a:t>
+            </a:r>
+            <a:r>
+              <a:rPr lang="es-ES" dirty="0">
+                <a:solidFill>
+                  <a:schemeClr val="bg1"/>
+                </a:solidFill>
+              </a:rPr>
+              <a:t> </a:t>
+            </a:r>
+            <a:r>
+              <a:rPr lang="es-ES" dirty="0" err="1">
+                <a:solidFill>
+                  <a:schemeClr val="bg1"/>
+                </a:solidFill>
+              </a:rPr>
+              <a:t>is</a:t>
+            </a:r>
+            <a:r>
+              <a:rPr lang="es-ES" dirty="0">
+                <a:solidFill>
+                  <a:schemeClr val="bg1"/>
+                </a:solidFill>
+              </a:rPr>
+              <a:t> </a:t>
+            </a:r>
+            <a:r>
+              <a:rPr lang="es-ES" dirty="0" err="1">
+                <a:solidFill>
+                  <a:schemeClr val="bg1"/>
+                </a:solidFill>
+              </a:rPr>
+              <a:t>downloaded</a:t>
+            </a:r>
+            <a:r>
+              <a:rPr lang="es-ES" dirty="0">
+                <a:solidFill>
+                  <a:schemeClr val="bg1"/>
+                </a:solidFill>
+              </a:rPr>
+              <a:t> </a:t>
+            </a:r>
+            <a:r>
+              <a:rPr lang="es-ES" dirty="0" err="1">
+                <a:solidFill>
+                  <a:schemeClr val="bg1"/>
+                </a:solidFill>
+              </a:rPr>
+              <a:t>it</a:t>
+            </a:r>
+            <a:r>
+              <a:rPr lang="es-ES" dirty="0">
+                <a:solidFill>
+                  <a:schemeClr val="bg1"/>
+                </a:solidFill>
+              </a:rPr>
+              <a:t> can be </a:t>
+            </a:r>
+            <a:r>
+              <a:rPr lang="es-ES" dirty="0" err="1">
+                <a:solidFill>
+                  <a:schemeClr val="bg1"/>
+                </a:solidFill>
+              </a:rPr>
+              <a:t>found</a:t>
+            </a:r>
+            <a:r>
+              <a:rPr lang="es-ES" dirty="0">
+                <a:solidFill>
+                  <a:schemeClr val="bg1"/>
+                </a:solidFill>
+              </a:rPr>
+              <a:t> 2 zip files: </a:t>
+            </a:r>
+            <a:r>
+              <a:rPr lang="es-ES" dirty="0" err="1">
+                <a:solidFill>
+                  <a:schemeClr val="bg1"/>
+                </a:solidFill>
+              </a:rPr>
+              <a:t>bank</a:t>
+            </a:r>
+            <a:r>
+              <a:rPr lang="es-ES" dirty="0">
+                <a:solidFill>
+                  <a:schemeClr val="bg1"/>
+                </a:solidFill>
+              </a:rPr>
+              <a:t> and </a:t>
+            </a:r>
+            <a:r>
+              <a:rPr lang="es-ES" dirty="0" err="1">
+                <a:solidFill>
+                  <a:schemeClr val="bg1"/>
+                </a:solidFill>
+              </a:rPr>
+              <a:t>bank-additional</a:t>
+            </a:r>
+            <a:endParaRPr lang="es-ES" dirty="0">
+              <a:solidFill>
+                <a:schemeClr val="bg1"/>
+              </a:solidFill>
+            </a:endParaRPr>
+          </a:p>
+          <a:p>
+            <a:pPr marL="285750" indent="-285750">
+              <a:buFont typeface="Arial" panose="020B0604020202020204" pitchFamily="34" charset="0"/>
+              <a:buChar char="•"/>
+            </a:pPr>
+            <a:r>
+              <a:rPr lang="es-ES" dirty="0" err="1">
+                <a:solidFill>
+                  <a:schemeClr val="bg1"/>
+                </a:solidFill>
+              </a:rPr>
+              <a:t>Inside</a:t>
+            </a:r>
+            <a:r>
+              <a:rPr lang="es-ES" dirty="0">
+                <a:solidFill>
+                  <a:schemeClr val="bg1"/>
+                </a:solidFill>
+              </a:rPr>
+              <a:t> </a:t>
+            </a:r>
+            <a:r>
+              <a:rPr lang="es-ES" dirty="0" err="1">
+                <a:solidFill>
+                  <a:schemeClr val="bg1"/>
+                </a:solidFill>
+              </a:rPr>
+              <a:t>them</a:t>
+            </a:r>
+            <a:r>
+              <a:rPr lang="es-ES" dirty="0">
+                <a:solidFill>
+                  <a:schemeClr val="bg1"/>
+                </a:solidFill>
+              </a:rPr>
+              <a:t> </a:t>
+            </a:r>
+            <a:r>
+              <a:rPr lang="es-ES" dirty="0" err="1">
+                <a:solidFill>
+                  <a:schemeClr val="bg1"/>
+                </a:solidFill>
+              </a:rPr>
+              <a:t>there</a:t>
+            </a:r>
+            <a:r>
+              <a:rPr lang="es-ES" dirty="0">
+                <a:solidFill>
+                  <a:schemeClr val="bg1"/>
+                </a:solidFill>
+              </a:rPr>
+              <a:t> are </a:t>
+            </a:r>
+            <a:r>
+              <a:rPr lang="es-ES" dirty="0" err="1">
+                <a:solidFill>
+                  <a:schemeClr val="bg1"/>
+                </a:solidFill>
+              </a:rPr>
+              <a:t>bank</a:t>
+            </a:r>
+            <a:r>
+              <a:rPr lang="es-ES" dirty="0">
+                <a:solidFill>
+                  <a:schemeClr val="bg1"/>
+                </a:solidFill>
+              </a:rPr>
+              <a:t> regular and </a:t>
+            </a:r>
+            <a:r>
+              <a:rPr lang="es-ES" dirty="0" err="1">
+                <a:solidFill>
+                  <a:schemeClr val="bg1"/>
+                </a:solidFill>
+              </a:rPr>
+              <a:t>bank</a:t>
+            </a:r>
+            <a:r>
+              <a:rPr lang="es-ES" dirty="0">
+                <a:solidFill>
+                  <a:schemeClr val="bg1"/>
+                </a:solidFill>
+              </a:rPr>
+              <a:t>-full </a:t>
+            </a:r>
+            <a:r>
+              <a:rPr lang="es-ES" dirty="0" err="1">
+                <a:solidFill>
+                  <a:schemeClr val="bg1"/>
+                </a:solidFill>
+              </a:rPr>
+              <a:t>with</a:t>
+            </a:r>
+            <a:r>
+              <a:rPr lang="es-ES" dirty="0">
+                <a:solidFill>
+                  <a:schemeClr val="bg1"/>
+                </a:solidFill>
+              </a:rPr>
+              <a:t> </a:t>
+            </a:r>
+            <a:r>
+              <a:rPr lang="es-ES" dirty="0" err="1">
+                <a:solidFill>
+                  <a:schemeClr val="bg1"/>
+                </a:solidFill>
+              </a:rPr>
+              <a:t>different</a:t>
+            </a:r>
+            <a:r>
+              <a:rPr lang="es-ES" dirty="0">
+                <a:solidFill>
+                  <a:schemeClr val="bg1"/>
+                </a:solidFill>
+              </a:rPr>
+              <a:t> </a:t>
+            </a:r>
+            <a:r>
+              <a:rPr lang="es-ES" dirty="0" err="1">
+                <a:solidFill>
+                  <a:schemeClr val="bg1"/>
+                </a:solidFill>
+              </a:rPr>
+              <a:t>samples</a:t>
+            </a:r>
+            <a:r>
+              <a:rPr lang="es-ES" dirty="0">
+                <a:solidFill>
+                  <a:schemeClr val="bg1"/>
+                </a:solidFill>
+              </a:rPr>
+              <a:t> </a:t>
+            </a:r>
+          </a:p>
+          <a:p>
+            <a:pPr marL="285750" indent="-285750">
+              <a:buFont typeface="Arial" panose="020B0604020202020204" pitchFamily="34" charset="0"/>
+              <a:buChar char="•"/>
+            </a:pPr>
+            <a:r>
+              <a:rPr lang="es-ES" dirty="0" err="1">
+                <a:solidFill>
+                  <a:schemeClr val="bg1"/>
+                </a:solidFill>
+              </a:rPr>
+              <a:t>The</a:t>
+            </a:r>
+            <a:r>
+              <a:rPr lang="es-ES" dirty="0">
+                <a:solidFill>
+                  <a:schemeClr val="bg1"/>
+                </a:solidFill>
+              </a:rPr>
+              <a:t> </a:t>
+            </a:r>
+            <a:r>
+              <a:rPr lang="es-ES" dirty="0" err="1">
+                <a:solidFill>
+                  <a:schemeClr val="bg1"/>
+                </a:solidFill>
+              </a:rPr>
+              <a:t>first</a:t>
+            </a:r>
+            <a:r>
+              <a:rPr lang="es-ES" dirty="0">
+                <a:solidFill>
+                  <a:schemeClr val="bg1"/>
+                </a:solidFill>
+              </a:rPr>
+              <a:t> step </a:t>
+            </a:r>
+            <a:r>
+              <a:rPr lang="es-ES" dirty="0" err="1">
+                <a:solidFill>
+                  <a:schemeClr val="bg1"/>
+                </a:solidFill>
+              </a:rPr>
+              <a:t>to</a:t>
+            </a:r>
+            <a:r>
+              <a:rPr lang="es-ES" dirty="0">
+                <a:solidFill>
+                  <a:schemeClr val="bg1"/>
+                </a:solidFill>
+              </a:rPr>
+              <a:t> </a:t>
+            </a:r>
+            <a:r>
+              <a:rPr lang="es-ES" dirty="0" err="1">
+                <a:solidFill>
+                  <a:schemeClr val="bg1"/>
+                </a:solidFill>
+              </a:rPr>
+              <a:t>follow</a:t>
+            </a:r>
+            <a:r>
+              <a:rPr lang="es-ES" dirty="0">
+                <a:solidFill>
+                  <a:schemeClr val="bg1"/>
+                </a:solidFill>
+              </a:rPr>
+              <a:t> </a:t>
+            </a:r>
+            <a:r>
+              <a:rPr lang="es-ES" dirty="0" err="1">
+                <a:solidFill>
+                  <a:schemeClr val="bg1"/>
+                </a:solidFill>
+              </a:rPr>
+              <a:t>is</a:t>
+            </a:r>
+            <a:r>
+              <a:rPr lang="es-ES" dirty="0">
+                <a:solidFill>
+                  <a:schemeClr val="bg1"/>
+                </a:solidFill>
+              </a:rPr>
+              <a:t> </a:t>
+            </a:r>
+            <a:r>
+              <a:rPr lang="es-ES" dirty="0" err="1">
+                <a:solidFill>
+                  <a:schemeClr val="bg1"/>
+                </a:solidFill>
+              </a:rPr>
+              <a:t>to</a:t>
+            </a:r>
+            <a:r>
+              <a:rPr lang="es-ES" dirty="0">
+                <a:solidFill>
+                  <a:schemeClr val="bg1"/>
+                </a:solidFill>
+              </a:rPr>
+              <a:t> explore </a:t>
+            </a:r>
+            <a:r>
+              <a:rPr lang="es-ES" dirty="0" err="1">
+                <a:solidFill>
+                  <a:schemeClr val="bg1"/>
+                </a:solidFill>
+              </a:rPr>
+              <a:t>all</a:t>
+            </a:r>
+            <a:r>
+              <a:rPr lang="es-ES" dirty="0">
+                <a:solidFill>
+                  <a:schemeClr val="bg1"/>
+                </a:solidFill>
+              </a:rPr>
+              <a:t> </a:t>
+            </a:r>
+            <a:r>
+              <a:rPr lang="es-ES" dirty="0" err="1">
+                <a:solidFill>
+                  <a:schemeClr val="bg1"/>
+                </a:solidFill>
+              </a:rPr>
+              <a:t>these</a:t>
+            </a:r>
+            <a:r>
+              <a:rPr lang="es-ES" dirty="0">
+                <a:solidFill>
+                  <a:schemeClr val="bg1"/>
+                </a:solidFill>
+              </a:rPr>
+              <a:t> files in </a:t>
+            </a:r>
+            <a:r>
+              <a:rPr lang="es-ES" dirty="0" err="1">
+                <a:solidFill>
+                  <a:schemeClr val="bg1"/>
+                </a:solidFill>
+              </a:rPr>
+              <a:t>order</a:t>
+            </a:r>
+            <a:r>
+              <a:rPr lang="es-ES" dirty="0">
+                <a:solidFill>
+                  <a:schemeClr val="bg1"/>
+                </a:solidFill>
+              </a:rPr>
+              <a:t> </a:t>
+            </a:r>
+            <a:r>
+              <a:rPr lang="es-ES" dirty="0" err="1">
+                <a:solidFill>
+                  <a:schemeClr val="bg1"/>
+                </a:solidFill>
+              </a:rPr>
+              <a:t>to</a:t>
+            </a:r>
+            <a:r>
+              <a:rPr lang="es-ES" dirty="0">
+                <a:solidFill>
+                  <a:schemeClr val="bg1"/>
+                </a:solidFill>
+              </a:rPr>
+              <a:t> </a:t>
+            </a:r>
+            <a:r>
+              <a:rPr lang="es-ES" dirty="0" err="1">
+                <a:solidFill>
+                  <a:schemeClr val="bg1"/>
+                </a:solidFill>
+              </a:rPr>
+              <a:t>select</a:t>
+            </a:r>
+            <a:r>
+              <a:rPr lang="es-ES" dirty="0">
+                <a:solidFill>
+                  <a:schemeClr val="bg1"/>
+                </a:solidFill>
+              </a:rPr>
+              <a:t> </a:t>
+            </a:r>
+            <a:r>
+              <a:rPr lang="es-ES" dirty="0" err="1">
+                <a:solidFill>
+                  <a:schemeClr val="bg1"/>
+                </a:solidFill>
+              </a:rPr>
+              <a:t>the</a:t>
+            </a:r>
+            <a:r>
+              <a:rPr lang="es-ES" dirty="0">
+                <a:solidFill>
+                  <a:schemeClr val="bg1"/>
+                </a:solidFill>
+              </a:rPr>
+              <a:t> </a:t>
+            </a:r>
+            <a:r>
+              <a:rPr lang="es-ES" dirty="0" err="1">
+                <a:solidFill>
+                  <a:schemeClr val="bg1"/>
+                </a:solidFill>
+              </a:rPr>
+              <a:t>most</a:t>
+            </a:r>
+            <a:r>
+              <a:rPr lang="es-ES" dirty="0">
+                <a:solidFill>
+                  <a:schemeClr val="bg1"/>
+                </a:solidFill>
+              </a:rPr>
+              <a:t> </a:t>
+            </a:r>
+            <a:r>
+              <a:rPr lang="es-ES" dirty="0" err="1">
+                <a:solidFill>
+                  <a:schemeClr val="bg1"/>
+                </a:solidFill>
+              </a:rPr>
+              <a:t>convenient</a:t>
+            </a:r>
+            <a:r>
+              <a:rPr lang="es-ES" dirty="0">
+                <a:solidFill>
+                  <a:schemeClr val="bg1"/>
+                </a:solidFill>
+              </a:rPr>
+              <a:t> </a:t>
+            </a:r>
+            <a:r>
+              <a:rPr lang="es-ES" dirty="0" err="1">
+                <a:solidFill>
+                  <a:schemeClr val="bg1"/>
+                </a:solidFill>
+              </a:rPr>
+              <a:t>for</a:t>
+            </a:r>
+            <a:r>
+              <a:rPr lang="es-ES" dirty="0">
+                <a:solidFill>
+                  <a:schemeClr val="bg1"/>
+                </a:solidFill>
+              </a:rPr>
+              <a:t> </a:t>
+            </a:r>
+            <a:r>
+              <a:rPr lang="es-ES" dirty="0" err="1">
+                <a:solidFill>
+                  <a:schemeClr val="bg1"/>
+                </a:solidFill>
+              </a:rPr>
+              <a:t>our</a:t>
+            </a:r>
+            <a:r>
+              <a:rPr lang="es-ES" dirty="0">
+                <a:solidFill>
+                  <a:schemeClr val="bg1"/>
+                </a:solidFill>
+              </a:rPr>
+              <a:t> Project</a:t>
+            </a:r>
+          </a:p>
+          <a:p>
+            <a:pPr marL="285750" indent="-285750">
+              <a:buFont typeface="Arial" panose="020B0604020202020204" pitchFamily="34" charset="0"/>
+              <a:buChar char="•"/>
+            </a:pPr>
+            <a:r>
+              <a:rPr lang="es-ES" dirty="0" err="1">
+                <a:solidFill>
+                  <a:schemeClr val="bg1"/>
+                </a:solidFill>
+              </a:rPr>
+              <a:t>The</a:t>
+            </a:r>
+            <a:r>
+              <a:rPr lang="es-ES" dirty="0">
+                <a:solidFill>
+                  <a:schemeClr val="bg1"/>
+                </a:solidFill>
+              </a:rPr>
               <a:t> file </a:t>
             </a:r>
             <a:r>
-              <a:rPr lang="es-ES" dirty="0" err="1"/>
+              <a:rPr lang="es-ES" dirty="0" err="1">
+                <a:solidFill>
+                  <a:schemeClr val="bg1"/>
+                </a:solidFill>
+              </a:rPr>
               <a:t>selected</a:t>
             </a:r>
             <a:r>
-              <a:rPr lang="es-ES" dirty="0"/>
+              <a:rPr lang="es-ES" dirty="0">
+                <a:solidFill>
+                  <a:schemeClr val="bg1"/>
+                </a:solidFill>
+              </a:rPr>
               <a:t>: bank-full.csv</a:t>
             </a:r>
           </a:p>
           <a:p>
             <a:r>
-              <a:rPr lang="es-ES" dirty="0"/>
+              <a:rPr lang="es-ES" dirty="0">
+                <a:solidFill>
+                  <a:schemeClr val="bg1"/>
+                </a:solidFill>
+              </a:rPr>
               <a:t>         </a:t>
             </a:r>
             <a:r>
-              <a:rPr lang="es-ES" dirty="0" err="1"/>
+              <a:rPr lang="es-ES" dirty="0" err="1">
+                <a:solidFill>
+                  <a:schemeClr val="bg1"/>
+                </a:solidFill>
+              </a:rPr>
               <a:t>bank</a:t>
             </a:r>
             <a:r>
-              <a:rPr lang="es-ES" dirty="0"/>
+              <a:rPr lang="es-ES" dirty="0">
+                <a:solidFill>
+                  <a:schemeClr val="bg1"/>
+                </a:solidFill>
+              </a:rPr>
               <a:t>-full                                              </a:t>
             </a:r>
             <a:r>
-              <a:rPr lang="es-ES" dirty="0" err="1"/>
+              <a:rPr lang="es-ES" dirty="0" err="1">
+                <a:solidFill>
+                  <a:schemeClr val="bg1"/>
+                </a:solidFill>
+              </a:rPr>
               <a:t>bank</a:t>
             </a:r>
             <a:r>
-              <a:rPr lang="es-ES" dirty="0"/>
+              <a:rPr lang="es-ES" dirty="0">
+                <a:solidFill>
+                  <a:schemeClr val="bg1"/>
+                </a:solidFill>
+              </a:rPr>
               <a:t>                                             </a:t>
             </a:r>
             <a:r>
-              <a:rPr lang="es-ES" dirty="0" err="1"/>
+              <a:rPr lang="es-ES" dirty="0" err="1">
+                <a:solidFill>
+                  <a:schemeClr val="bg1"/>
+                </a:solidFill>
+              </a:rPr>
               <a:t>bank</a:t>
             </a:r>
             <a:r>
-              <a:rPr lang="es-ES" dirty="0"/>
+              <a:rPr lang="es-ES" dirty="0">
+                <a:solidFill>
+                  <a:schemeClr val="bg1"/>
+                </a:solidFill>
+              </a:rPr>
               <a:t>-</a:t>
             </a:r>
             <a:r>
-              <a:rPr lang="es-ES" dirty="0" err="1"/>
+              <a:rPr lang="es-ES" dirty="0" err="1">
+                <a:solidFill>
+                  <a:schemeClr val="bg1"/>
+                </a:solidFill>
+              </a:rPr>
               <a:t>additional</a:t>
             </a:r>
             <a:r>
-              <a:rPr lang="es-ES" dirty="0"/>
+              <a:rPr lang="es-ES" dirty="0">
+                <a:solidFill>
+                  <a:schemeClr val="bg1"/>
+                </a:solidFill>
+              </a:rPr>
               <a:t>-full</a:t>
             </a:r>
           </a:p>
@@ -13391,14 +15708,14 @@
           <p:nvPr/>
         </p:nvPicPr>
         <p:blipFill>
-          <a:blip r:embed="rId2"/>
+          <a:blip r:embed="rId3"/>
           <a:stretch>
             <a:fillRect/>
           </a:stretch>
         </p:blipFill>
         <p:spPr>
           <a:xfrm>
-            <a:off x="1401724" y="3715967"/>
+            <a:off x="1454733" y="3236802"/>
             <a:ext cx="1593267" cy="216369"/>
           </a:xfrm>
           <a:prstGeom prst="rect">
@@ -13421,14 +15738,14 @@
           <p:nvPr/>
         </p:nvPicPr>
         <p:blipFill>
-          <a:blip r:embed="rId3"/>
+          <a:blip r:embed="rId4"/>
           <a:stretch>
             <a:fillRect/>
           </a:stretch>
         </p:blipFill>
         <p:spPr>
           <a:xfrm>
-            <a:off x="4891069" y="3722758"/>
+            <a:off x="4877817" y="3243593"/>
             <a:ext cx="1720748" cy="209578"/>
           </a:xfrm>
           <a:prstGeom prst="rect">
@@ -13451,15 +15768,75 @@
           <p:nvPr/>
         </p:nvPicPr>
         <p:blipFill>
-          <a:blip r:embed="rId4"/>
+          <a:blip r:embed="rId5"/>
           <a:stretch>
             <a:fillRect/>
           </a:stretch>
         </p:blipFill>
         <p:spPr>
           <a:xfrm>
-            <a:off x="8811319" y="3722757"/>
+            <a:off x="8828639" y="3236802"/>
             <a:ext cx="1886192" cy="209577"/>
+          </a:xfrm>
+          <a:prstGeom prst="rect">
+            <a:avLst/>
+          </a:prstGeom>
+        </p:spPr>
+      </p:pic>
+      <p:pic>
+        <p:nvPicPr>
+          <p:cNvPr id="6" name="Imagen 5">
+            <a:extLst>
+              <a:ext uri="{FF2B5EF4-FFF2-40B4-BE49-F238E27FC236}">
+                <a16:creationId xmlns:a16="http://schemas.microsoft.com/office/drawing/2014/main" id="{6C47ED34-CF42-D5FB-EB1A-CEC3B1CD67EB}"/>
+              </a:ext>
+            </a:extLst>
+          </p:cNvPr>
+          <p:cNvPicPr>
+            <a:picLocks noChangeAspect="1"/>
+          </p:cNvPicPr>
+          <p:nvPr/>
+        </p:nvPicPr>
+        <p:blipFill>
+          <a:blip r:embed="rId6"/>
+          <a:stretch>
+            <a:fillRect/>
+          </a:stretch>
+        </p:blipFill>
+        <p:spPr>
+          <a:xfrm>
+            <a:off x="6094433" y="3089743"/>
+            <a:ext cx="4642834" cy="3714267"/>
+          </a:xfrm>
+          <a:prstGeom prst="rect">
+            <a:avLst/>
+          </a:prstGeom>
+        </p:spPr>
+      </p:pic>
+      <p:pic>
+        <p:nvPicPr>
+          <p:cNvPr id="10" name="Imagen 9">
+            <a:extLst>
+              <a:ext uri="{FF2B5EF4-FFF2-40B4-BE49-F238E27FC236}">
+                <a16:creationId xmlns:a16="http://schemas.microsoft.com/office/drawing/2014/main" id="{61BAC22C-1851-2FF7-6C27-68A9D5DC2823}"/>
+              </a:ext>
+            </a:extLst>
+          </p:cNvPr>
+          <p:cNvPicPr>
+            <a:picLocks noChangeAspect="1"/>
+          </p:cNvPicPr>
+          <p:nvPr/>
+        </p:nvPicPr>
+        <p:blipFill>
+          <a:blip r:embed="rId7"/>
+          <a:stretch>
+            <a:fillRect/>
+          </a:stretch>
+        </p:blipFill>
+        <p:spPr>
+          <a:xfrm>
+            <a:off x="712611" y="3341590"/>
+            <a:ext cx="4576418" cy="3432314"/>
           </a:xfrm>
           <a:prstGeom prst="rect">
             <a:avLst/>
@@ -13470,6 +15847,985 @@
     <p:extLst>
       <p:ext uri="{BB962C8B-B14F-4D97-AF65-F5344CB8AC3E}">
         <p14:creationId xmlns:p14="http://schemas.microsoft.com/office/powerpoint/2010/main" val="4061018551"/>
+      </p:ext>
+    </p:extLst>
+  </p:cSld>
+  <p:clrMapOvr>
+    <a:masterClrMapping/>
+  </p:clrMapOvr>
+</p:sld>
+</file>
+
+<file path=ppt/slides/slide4.xml><?xml version="1.0" encoding="utf-8"?>
+<p:sld xmlns:a="http://schemas.openxmlformats.org/drawingml/2006/main" xmlns:r="http://schemas.openxmlformats.org/officeDocument/2006/relationships" xmlns:p="http://schemas.openxmlformats.org/presentationml/2006/main">
+  <p:cSld>
+    <p:bg>
+      <p:bgPr>
+        <a:blipFill>
+          <a:blip r:embed="rId2">
+            <a:duotone>
+              <a:prstClr val="black"/>
+              <a:schemeClr val="accent6">
+                <a:tint val="45000"/>
+                <a:satMod val="400000"/>
+              </a:schemeClr>
+            </a:duotone>
+          </a:blip>
+          <a:stretch/>
+        </a:blipFill>
+        <a:effectLst/>
+      </p:bgPr>
+    </p:bg>
+    <p:spTree>
+      <p:nvGrpSpPr>
+        <p:cNvPr id="1" name=""/>
+        <p:cNvGrpSpPr/>
+        <p:nvPr/>
+      </p:nvGrpSpPr>
+      <p:grpSpPr>
+        <a:xfrm>
+          <a:off x="0" y="0"/>
+          <a:ext cx="0" cy="0"/>
+          <a:chOff x="0" y="0"/>
+          <a:chExt cx="0" cy="0"/>
+        </a:xfrm>
+      </p:grpSpPr>
+      <p:sp>
+        <p:nvSpPr>
+          <p:cNvPr id="2" name="Título 1">
+            <a:extLst>
+              <a:ext uri="{FF2B5EF4-FFF2-40B4-BE49-F238E27FC236}">
+                <a16:creationId xmlns:a16="http://schemas.microsoft.com/office/drawing/2014/main" id="{5E29DA92-3ABF-DE85-3049-9ED5A5D7ADE8}"/>
+              </a:ext>
+            </a:extLst>
+          </p:cNvPr>
+          <p:cNvSpPr>
+            <a:spLocks noGrp="1"/>
+          </p:cNvSpPr>
+          <p:nvPr>
+            <p:ph type="title"/>
+          </p:nvPr>
+        </p:nvSpPr>
+        <p:spPr>
+          <a:xfrm>
+            <a:off x="1141456" y="609600"/>
+            <a:ext cx="9905955" cy="665527"/>
+          </a:xfrm>
+        </p:spPr>
+        <p:txBody>
+          <a:bodyPr/>
+          <a:lstStyle/>
+          <a:p>
+            <a:r>
+              <a:rPr lang="es-ES" dirty="0" err="1">
+                <a:solidFill>
+                  <a:schemeClr val="bg1"/>
+                </a:solidFill>
+              </a:rPr>
+              <a:t>Exploratory</a:t>
+            </a:r>
+            <a:r>
+              <a:rPr lang="es-ES" dirty="0">
+                <a:solidFill>
+                  <a:schemeClr val="bg1"/>
+                </a:solidFill>
+              </a:rPr>
+              <a:t> data </a:t>
+            </a:r>
+            <a:r>
+              <a:rPr lang="es-ES" dirty="0" err="1">
+                <a:solidFill>
+                  <a:schemeClr val="bg1"/>
+                </a:solidFill>
+              </a:rPr>
+              <a:t>Analysis</a:t>
+            </a:r>
+            <a:r>
+              <a:rPr lang="es-ES" dirty="0">
+                <a:solidFill>
+                  <a:schemeClr val="bg1"/>
+                </a:solidFill>
+              </a:rPr>
+              <a:t> (</a:t>
+            </a:r>
+            <a:r>
+              <a:rPr lang="es-ES" dirty="0" err="1">
+                <a:solidFill>
+                  <a:schemeClr val="bg1"/>
+                </a:solidFill>
+              </a:rPr>
+              <a:t>Numericals</a:t>
+            </a:r>
+            <a:r>
+              <a:rPr lang="es-ES" dirty="0">
+                <a:solidFill>
+                  <a:schemeClr val="bg1"/>
+                </a:solidFill>
+              </a:rPr>
+              <a:t>):</a:t>
+            </a:r>
+            <a:endParaRPr lang="en-GB" dirty="0">
+              <a:solidFill>
+                <a:schemeClr val="bg1"/>
+              </a:solidFill>
+            </a:endParaRPr>
+          </a:p>
+        </p:txBody>
+      </p:sp>
+      <p:sp>
+        <p:nvSpPr>
+          <p:cNvPr id="3" name="Marcador de texto 2">
+            <a:extLst>
+              <a:ext uri="{FF2B5EF4-FFF2-40B4-BE49-F238E27FC236}">
+                <a16:creationId xmlns:a16="http://schemas.microsoft.com/office/drawing/2014/main" id="{58D8D5A9-15C8-4BB3-54D2-0A2F8BD9B803}"/>
+              </a:ext>
+            </a:extLst>
+          </p:cNvPr>
+          <p:cNvSpPr>
+            <a:spLocks noGrp="1"/>
+          </p:cNvSpPr>
+          <p:nvPr>
+            <p:ph type="body" sz="half" idx="2"/>
+          </p:nvPr>
+        </p:nvSpPr>
+        <p:spPr>
+          <a:xfrm>
+            <a:off x="1142952" y="609600"/>
+            <a:ext cx="9904459" cy="3384410"/>
+          </a:xfrm>
+        </p:spPr>
+        <p:txBody>
+          <a:bodyPr/>
+          <a:lstStyle/>
+          <a:p>
+            <a:pPr marL="285750" indent="-285750">
+              <a:buFont typeface="Arial" panose="020B0604020202020204" pitchFamily="34" charset="0"/>
+              <a:buChar char="•"/>
+            </a:pPr>
+            <a:r>
+              <a:rPr lang="es-ES" dirty="0" err="1">
+                <a:solidFill>
+                  <a:schemeClr val="bg1"/>
+                </a:solidFill>
+              </a:rPr>
+              <a:t>Neither</a:t>
+            </a:r>
+            <a:r>
+              <a:rPr lang="es-ES" dirty="0">
+                <a:solidFill>
+                  <a:schemeClr val="bg1"/>
+                </a:solidFill>
+              </a:rPr>
+              <a:t> </a:t>
+            </a:r>
+            <a:r>
+              <a:rPr lang="es-ES" dirty="0" err="1">
+                <a:solidFill>
+                  <a:schemeClr val="bg1"/>
+                </a:solidFill>
+              </a:rPr>
+              <a:t>NaN</a:t>
+            </a:r>
+            <a:r>
+              <a:rPr lang="es-ES" dirty="0">
+                <a:solidFill>
+                  <a:schemeClr val="bg1"/>
+                </a:solidFill>
+              </a:rPr>
+              <a:t> </a:t>
+            </a:r>
+            <a:r>
+              <a:rPr lang="es-ES" dirty="0" err="1">
+                <a:solidFill>
+                  <a:schemeClr val="bg1"/>
+                </a:solidFill>
+              </a:rPr>
+              <a:t>nor</a:t>
+            </a:r>
+            <a:r>
+              <a:rPr lang="es-ES" dirty="0">
+                <a:solidFill>
+                  <a:schemeClr val="bg1"/>
+                </a:solidFill>
+              </a:rPr>
+              <a:t> </a:t>
+            </a:r>
+            <a:r>
+              <a:rPr lang="es-ES" dirty="0" err="1">
+                <a:solidFill>
+                  <a:schemeClr val="bg1"/>
+                </a:solidFill>
+              </a:rPr>
+              <a:t>duplicates</a:t>
+            </a:r>
+            <a:endParaRPr lang="es-ES" dirty="0">
+              <a:solidFill>
+                <a:schemeClr val="bg1"/>
+              </a:solidFill>
+            </a:endParaRPr>
+          </a:p>
+          <a:p>
+            <a:pPr marL="285750" indent="-285750">
+              <a:buFont typeface="Arial" panose="020B0604020202020204" pitchFamily="34" charset="0"/>
+              <a:buChar char="•"/>
+            </a:pPr>
+            <a:r>
+              <a:rPr lang="es-ES" dirty="0" err="1">
+                <a:solidFill>
+                  <a:schemeClr val="bg1"/>
+                </a:solidFill>
+              </a:rPr>
+              <a:t>Left</a:t>
+            </a:r>
+            <a:r>
+              <a:rPr lang="es-ES" dirty="0">
+                <a:solidFill>
+                  <a:schemeClr val="bg1"/>
+                </a:solidFill>
+              </a:rPr>
+              <a:t> </a:t>
+            </a:r>
+            <a:r>
+              <a:rPr lang="es-ES">
+                <a:solidFill>
+                  <a:schemeClr val="bg1"/>
+                </a:solidFill>
+              </a:rPr>
+              <a:t>skewness</a:t>
+            </a:r>
+            <a:r>
+              <a:rPr lang="es-ES" dirty="0">
+                <a:solidFill>
+                  <a:schemeClr val="bg1"/>
+                </a:solidFill>
+              </a:rPr>
+              <a:t> </a:t>
+            </a:r>
+            <a:r>
+              <a:rPr lang="es-ES" dirty="0" err="1">
+                <a:solidFill>
+                  <a:schemeClr val="bg1"/>
+                </a:solidFill>
+              </a:rPr>
+              <a:t>for</a:t>
+            </a:r>
+            <a:r>
+              <a:rPr lang="es-ES" dirty="0">
+                <a:solidFill>
+                  <a:schemeClr val="bg1"/>
+                </a:solidFill>
+              </a:rPr>
+              <a:t> </a:t>
+            </a:r>
+            <a:r>
+              <a:rPr lang="es-ES" dirty="0" err="1">
+                <a:solidFill>
+                  <a:schemeClr val="bg1"/>
+                </a:solidFill>
+              </a:rPr>
+              <a:t>numericals</a:t>
+            </a:r>
+            <a:endParaRPr lang="es-ES" dirty="0">
+              <a:solidFill>
+                <a:schemeClr val="bg1"/>
+              </a:solidFill>
+            </a:endParaRPr>
+          </a:p>
+          <a:p>
+            <a:pPr marL="285750" indent="-285750">
+              <a:buFont typeface="Arial" panose="020B0604020202020204" pitchFamily="34" charset="0"/>
+              <a:buChar char="•"/>
+            </a:pPr>
+            <a:r>
+              <a:rPr lang="es-ES" dirty="0">
+                <a:solidFill>
+                  <a:schemeClr val="bg1"/>
+                </a:solidFill>
+              </a:rPr>
+              <a:t>A </a:t>
+            </a:r>
+            <a:r>
+              <a:rPr lang="es-ES" dirty="0" err="1">
+                <a:solidFill>
+                  <a:schemeClr val="bg1"/>
+                </a:solidFill>
+              </a:rPr>
+              <a:t>lot</a:t>
+            </a:r>
+            <a:r>
+              <a:rPr lang="es-ES" dirty="0">
+                <a:solidFill>
+                  <a:schemeClr val="bg1"/>
+                </a:solidFill>
+              </a:rPr>
+              <a:t> </a:t>
+            </a:r>
+            <a:r>
+              <a:rPr lang="es-ES" dirty="0" err="1">
+                <a:solidFill>
+                  <a:schemeClr val="bg1"/>
+                </a:solidFill>
+              </a:rPr>
+              <a:t>of</a:t>
+            </a:r>
+            <a:r>
+              <a:rPr lang="es-ES" dirty="0">
+                <a:solidFill>
+                  <a:schemeClr val="bg1"/>
+                </a:solidFill>
+              </a:rPr>
+              <a:t> </a:t>
+            </a:r>
+            <a:r>
+              <a:rPr lang="es-ES" dirty="0" err="1">
+                <a:solidFill>
+                  <a:schemeClr val="bg1"/>
+                </a:solidFill>
+              </a:rPr>
+              <a:t>outliers</a:t>
+            </a:r>
+            <a:endParaRPr lang="es-ES" dirty="0">
+              <a:solidFill>
+                <a:schemeClr val="bg1"/>
+              </a:solidFill>
+            </a:endParaRPr>
+          </a:p>
+          <a:p>
+            <a:endParaRPr lang="es-ES" dirty="0"/>
+          </a:p>
+        </p:txBody>
+      </p:sp>
+      <p:pic>
+        <p:nvPicPr>
+          <p:cNvPr id="5" name="Imagen 4">
+            <a:extLst>
+              <a:ext uri="{FF2B5EF4-FFF2-40B4-BE49-F238E27FC236}">
+                <a16:creationId xmlns:a16="http://schemas.microsoft.com/office/drawing/2014/main" id="{8E0C84BE-7B94-39E7-03E1-50F8BAFFB1DA}"/>
+              </a:ext>
+            </a:extLst>
+          </p:cNvPr>
+          <p:cNvPicPr>
+            <a:picLocks noChangeAspect="1"/>
+          </p:cNvPicPr>
+          <p:nvPr/>
+        </p:nvPicPr>
+        <p:blipFill>
+          <a:blip r:embed="rId3"/>
+          <a:stretch>
+            <a:fillRect/>
+          </a:stretch>
+        </p:blipFill>
+        <p:spPr>
+          <a:xfrm>
+            <a:off x="7807254" y="1275127"/>
+            <a:ext cx="3240157" cy="5400261"/>
+          </a:xfrm>
+          <a:prstGeom prst="rect">
+            <a:avLst/>
+          </a:prstGeom>
+        </p:spPr>
+      </p:pic>
+      <p:pic>
+        <p:nvPicPr>
+          <p:cNvPr id="7" name="Imagen 6">
+            <a:extLst>
+              <a:ext uri="{FF2B5EF4-FFF2-40B4-BE49-F238E27FC236}">
+                <a16:creationId xmlns:a16="http://schemas.microsoft.com/office/drawing/2014/main" id="{D19E90F9-09A9-74D1-86A9-8028A00CA95B}"/>
+              </a:ext>
+            </a:extLst>
+          </p:cNvPr>
+          <p:cNvPicPr>
+            <a:picLocks noChangeAspect="1"/>
+          </p:cNvPicPr>
+          <p:nvPr/>
+        </p:nvPicPr>
+        <p:blipFill>
+          <a:blip r:embed="rId4"/>
+          <a:stretch>
+            <a:fillRect/>
+          </a:stretch>
+        </p:blipFill>
+        <p:spPr>
+          <a:xfrm>
+            <a:off x="3057526" y="2289036"/>
+            <a:ext cx="3959364" cy="3959364"/>
+          </a:xfrm>
+          <a:prstGeom prst="rect">
+            <a:avLst/>
+          </a:prstGeom>
+        </p:spPr>
+      </p:pic>
+    </p:spTree>
+    <p:extLst>
+      <p:ext uri="{BB962C8B-B14F-4D97-AF65-F5344CB8AC3E}">
+        <p14:creationId xmlns:p14="http://schemas.microsoft.com/office/powerpoint/2010/main" val="1995827458"/>
+      </p:ext>
+    </p:extLst>
+  </p:cSld>
+  <p:clrMapOvr>
+    <a:masterClrMapping/>
+  </p:clrMapOvr>
+</p:sld>
+</file>
+
+<file path=ppt/slides/slide5.xml><?xml version="1.0" encoding="utf-8"?>
+<p:sld xmlns:a="http://schemas.openxmlformats.org/drawingml/2006/main" xmlns:r="http://schemas.openxmlformats.org/officeDocument/2006/relationships" xmlns:p="http://schemas.openxmlformats.org/presentationml/2006/main">
+  <p:cSld>
+    <p:bg>
+      <p:bgPr>
+        <a:blipFill>
+          <a:blip r:embed="rId2">
+            <a:duotone>
+              <a:prstClr val="black"/>
+              <a:schemeClr val="accent6">
+                <a:tint val="45000"/>
+                <a:satMod val="400000"/>
+              </a:schemeClr>
+            </a:duotone>
+          </a:blip>
+          <a:stretch/>
+        </a:blipFill>
+        <a:effectLst/>
+      </p:bgPr>
+    </p:bg>
+    <p:spTree>
+      <p:nvGrpSpPr>
+        <p:cNvPr id="1" name=""/>
+        <p:cNvGrpSpPr/>
+        <p:nvPr/>
+      </p:nvGrpSpPr>
+      <p:grpSpPr>
+        <a:xfrm>
+          <a:off x="0" y="0"/>
+          <a:ext cx="0" cy="0"/>
+          <a:chOff x="0" y="0"/>
+          <a:chExt cx="0" cy="0"/>
+        </a:xfrm>
+      </p:grpSpPr>
+      <p:sp>
+        <p:nvSpPr>
+          <p:cNvPr id="2" name="Título 1">
+            <a:extLst>
+              <a:ext uri="{FF2B5EF4-FFF2-40B4-BE49-F238E27FC236}">
+                <a16:creationId xmlns:a16="http://schemas.microsoft.com/office/drawing/2014/main" id="{5E29DA92-3ABF-DE85-3049-9ED5A5D7ADE8}"/>
+              </a:ext>
+            </a:extLst>
+          </p:cNvPr>
+          <p:cNvSpPr>
+            <a:spLocks noGrp="1"/>
+          </p:cNvSpPr>
+          <p:nvPr>
+            <p:ph type="title"/>
+          </p:nvPr>
+        </p:nvSpPr>
+        <p:spPr>
+          <a:xfrm>
+            <a:off x="1141456" y="609600"/>
+            <a:ext cx="9905955" cy="665527"/>
+          </a:xfrm>
+        </p:spPr>
+        <p:txBody>
+          <a:bodyPr/>
+          <a:lstStyle/>
+          <a:p>
+            <a:r>
+              <a:rPr lang="es-ES" dirty="0" err="1">
+                <a:solidFill>
+                  <a:schemeClr val="bg1"/>
+                </a:solidFill>
+              </a:rPr>
+              <a:t>Exploratory</a:t>
+            </a:r>
+            <a:r>
+              <a:rPr lang="es-ES" dirty="0">
+                <a:solidFill>
+                  <a:schemeClr val="bg1"/>
+                </a:solidFill>
+              </a:rPr>
+              <a:t> data </a:t>
+            </a:r>
+            <a:r>
+              <a:rPr lang="es-ES" dirty="0" err="1">
+                <a:solidFill>
+                  <a:schemeClr val="bg1"/>
+                </a:solidFill>
+              </a:rPr>
+              <a:t>Analysis</a:t>
+            </a:r>
+            <a:r>
+              <a:rPr lang="es-ES" dirty="0">
+                <a:solidFill>
+                  <a:schemeClr val="bg1"/>
+                </a:solidFill>
+              </a:rPr>
+              <a:t> (</a:t>
+            </a:r>
+            <a:r>
+              <a:rPr lang="es-ES" dirty="0" err="1">
+                <a:solidFill>
+                  <a:schemeClr val="bg1"/>
+                </a:solidFill>
+              </a:rPr>
+              <a:t>categoricals</a:t>
+            </a:r>
+            <a:r>
+              <a:rPr lang="es-ES" dirty="0">
+                <a:solidFill>
+                  <a:schemeClr val="bg1"/>
+                </a:solidFill>
+              </a:rPr>
+              <a:t>):</a:t>
+            </a:r>
+            <a:endParaRPr lang="en-GB" dirty="0">
+              <a:solidFill>
+                <a:schemeClr val="bg1"/>
+              </a:solidFill>
+            </a:endParaRPr>
+          </a:p>
+        </p:txBody>
+      </p:sp>
+      <p:sp>
+        <p:nvSpPr>
+          <p:cNvPr id="3" name="Marcador de texto 2">
+            <a:extLst>
+              <a:ext uri="{FF2B5EF4-FFF2-40B4-BE49-F238E27FC236}">
+                <a16:creationId xmlns:a16="http://schemas.microsoft.com/office/drawing/2014/main" id="{58D8D5A9-15C8-4BB3-54D2-0A2F8BD9B803}"/>
+              </a:ext>
+            </a:extLst>
+          </p:cNvPr>
+          <p:cNvSpPr>
+            <a:spLocks noGrp="1"/>
+          </p:cNvSpPr>
+          <p:nvPr>
+            <p:ph type="body" sz="half" idx="2"/>
+          </p:nvPr>
+        </p:nvSpPr>
+        <p:spPr>
+          <a:xfrm>
+            <a:off x="1142952" y="54115"/>
+            <a:ext cx="9904459" cy="3384410"/>
+          </a:xfrm>
+        </p:spPr>
+        <p:txBody>
+          <a:bodyPr/>
+          <a:lstStyle/>
+          <a:p>
+            <a:pPr marL="285750" indent="-285750">
+              <a:buFont typeface="Arial" panose="020B0604020202020204" pitchFamily="34" charset="0"/>
+              <a:buChar char="•"/>
+            </a:pPr>
+            <a:r>
+              <a:rPr lang="es-ES" dirty="0" err="1">
+                <a:solidFill>
+                  <a:schemeClr val="bg1"/>
+                </a:solidFill>
+              </a:rPr>
+              <a:t>Which</a:t>
+            </a:r>
+            <a:r>
+              <a:rPr lang="es-ES" dirty="0">
+                <a:solidFill>
+                  <a:schemeClr val="bg1"/>
+                </a:solidFill>
+              </a:rPr>
+              <a:t> </a:t>
+            </a:r>
+            <a:r>
+              <a:rPr lang="es-ES" dirty="0" err="1">
+                <a:solidFill>
+                  <a:schemeClr val="bg1"/>
+                </a:solidFill>
+              </a:rPr>
+              <a:t>is</a:t>
+            </a:r>
+            <a:r>
+              <a:rPr lang="es-ES" dirty="0">
+                <a:solidFill>
+                  <a:schemeClr val="bg1"/>
+                </a:solidFill>
+              </a:rPr>
+              <a:t> </a:t>
+            </a:r>
+            <a:r>
+              <a:rPr lang="es-ES" dirty="0" err="1">
+                <a:solidFill>
+                  <a:schemeClr val="bg1"/>
+                </a:solidFill>
+              </a:rPr>
+              <a:t>the</a:t>
+            </a:r>
+            <a:r>
+              <a:rPr lang="es-ES" dirty="0">
+                <a:solidFill>
+                  <a:schemeClr val="bg1"/>
+                </a:solidFill>
+              </a:rPr>
+              <a:t> ideal </a:t>
+            </a:r>
+            <a:r>
+              <a:rPr lang="es-ES" dirty="0" err="1">
+                <a:solidFill>
+                  <a:schemeClr val="bg1"/>
+                </a:solidFill>
+              </a:rPr>
+              <a:t>customer</a:t>
+            </a:r>
+            <a:r>
+              <a:rPr lang="es-ES" dirty="0">
+                <a:solidFill>
+                  <a:schemeClr val="bg1"/>
+                </a:solidFill>
+              </a:rPr>
+              <a:t>?</a:t>
+            </a:r>
+          </a:p>
+          <a:p>
+            <a:endParaRPr lang="es-ES" dirty="0"/>
+          </a:p>
+        </p:txBody>
+      </p:sp>
+      <p:pic>
+        <p:nvPicPr>
+          <p:cNvPr id="6" name="Imagen 5">
+            <a:extLst>
+              <a:ext uri="{FF2B5EF4-FFF2-40B4-BE49-F238E27FC236}">
+                <a16:creationId xmlns:a16="http://schemas.microsoft.com/office/drawing/2014/main" id="{A9D165DF-BC8F-6D5F-B823-56B1BFFEE0FD}"/>
+              </a:ext>
+            </a:extLst>
+          </p:cNvPr>
+          <p:cNvPicPr>
+            <a:picLocks noChangeAspect="1"/>
+          </p:cNvPicPr>
+          <p:nvPr/>
+        </p:nvPicPr>
+        <p:blipFill>
+          <a:blip r:embed="rId3"/>
+          <a:stretch>
+            <a:fillRect/>
+          </a:stretch>
+        </p:blipFill>
+        <p:spPr>
+          <a:xfrm>
+            <a:off x="1141456" y="1043622"/>
+            <a:ext cx="10434637" cy="5565140"/>
+          </a:xfrm>
+          <a:prstGeom prst="rect">
+            <a:avLst/>
+          </a:prstGeom>
+        </p:spPr>
+      </p:pic>
+    </p:spTree>
+    <p:extLst>
+      <p:ext uri="{BB962C8B-B14F-4D97-AF65-F5344CB8AC3E}">
+        <p14:creationId xmlns:p14="http://schemas.microsoft.com/office/powerpoint/2010/main" val="1306983558"/>
+      </p:ext>
+    </p:extLst>
+  </p:cSld>
+  <p:clrMapOvr>
+    <a:masterClrMapping/>
+  </p:clrMapOvr>
+</p:sld>
+</file>
+
+<file path=ppt/slides/slide6.xml><?xml version="1.0" encoding="utf-8"?>
+<p:sld xmlns:a="http://schemas.openxmlformats.org/drawingml/2006/main" xmlns:r="http://schemas.openxmlformats.org/officeDocument/2006/relationships" xmlns:p="http://schemas.openxmlformats.org/presentationml/2006/main">
+  <p:cSld>
+    <p:bg>
+      <p:bgPr>
+        <a:blipFill>
+          <a:blip r:embed="rId2">
+            <a:duotone>
+              <a:prstClr val="black"/>
+              <a:schemeClr val="accent6">
+                <a:tint val="45000"/>
+                <a:satMod val="400000"/>
+              </a:schemeClr>
+            </a:duotone>
+          </a:blip>
+          <a:stretch/>
+        </a:blipFill>
+        <a:effectLst/>
+      </p:bgPr>
+    </p:bg>
+    <p:spTree>
+      <p:nvGrpSpPr>
+        <p:cNvPr id="1" name=""/>
+        <p:cNvGrpSpPr/>
+        <p:nvPr/>
+      </p:nvGrpSpPr>
+      <p:grpSpPr>
+        <a:xfrm>
+          <a:off x="0" y="0"/>
+          <a:ext cx="0" cy="0"/>
+          <a:chOff x="0" y="0"/>
+          <a:chExt cx="0" cy="0"/>
+        </a:xfrm>
+      </p:grpSpPr>
+      <p:pic>
+        <p:nvPicPr>
+          <p:cNvPr id="10" name="Imagen 9">
+            <a:extLst>
+              <a:ext uri="{FF2B5EF4-FFF2-40B4-BE49-F238E27FC236}">
+                <a16:creationId xmlns:a16="http://schemas.microsoft.com/office/drawing/2014/main" id="{421EC53F-76D8-2DC3-9CCA-84E28C75D945}"/>
+              </a:ext>
+            </a:extLst>
+          </p:cNvPr>
+          <p:cNvPicPr>
+            <a:picLocks noChangeAspect="1"/>
+          </p:cNvPicPr>
+          <p:nvPr/>
+        </p:nvPicPr>
+        <p:blipFill>
+          <a:blip r:embed="rId3"/>
+          <a:stretch>
+            <a:fillRect/>
+          </a:stretch>
+        </p:blipFill>
+        <p:spPr>
+          <a:xfrm>
+            <a:off x="716756" y="220662"/>
+            <a:ext cx="10758488" cy="5737860"/>
+          </a:xfrm>
+          <a:prstGeom prst="rect">
+            <a:avLst/>
+          </a:prstGeom>
+        </p:spPr>
+      </p:pic>
+    </p:spTree>
+    <p:extLst>
+      <p:ext uri="{BB962C8B-B14F-4D97-AF65-F5344CB8AC3E}">
+        <p14:creationId xmlns:p14="http://schemas.microsoft.com/office/powerpoint/2010/main" val="332273305"/>
+      </p:ext>
+    </p:extLst>
+  </p:cSld>
+  <p:clrMapOvr>
+    <a:masterClrMapping/>
+  </p:clrMapOvr>
+</p:sld>
+</file>
+
+<file path=ppt/slides/slide7.xml><?xml version="1.0" encoding="utf-8"?>
+<p:sld xmlns:a="http://schemas.openxmlformats.org/drawingml/2006/main" xmlns:r="http://schemas.openxmlformats.org/officeDocument/2006/relationships" xmlns:p="http://schemas.openxmlformats.org/presentationml/2006/main">
+  <p:cSld>
+    <p:bg>
+      <p:bgPr>
+        <a:blipFill>
+          <a:blip r:embed="rId2">
+            <a:duotone>
+              <a:prstClr val="black"/>
+              <a:schemeClr val="accent6">
+                <a:tint val="45000"/>
+                <a:satMod val="400000"/>
+              </a:schemeClr>
+            </a:duotone>
+          </a:blip>
+          <a:stretch/>
+        </a:blipFill>
+        <a:effectLst/>
+      </p:bgPr>
+    </p:bg>
+    <p:spTree>
+      <p:nvGrpSpPr>
+        <p:cNvPr id="1" name=""/>
+        <p:cNvGrpSpPr/>
+        <p:nvPr/>
+      </p:nvGrpSpPr>
+      <p:grpSpPr>
+        <a:xfrm>
+          <a:off x="0" y="0"/>
+          <a:ext cx="0" cy="0"/>
+          <a:chOff x="0" y="0"/>
+          <a:chExt cx="0" cy="0"/>
+        </a:xfrm>
+      </p:grpSpPr>
+      <p:pic>
+        <p:nvPicPr>
+          <p:cNvPr id="3" name="Imagen 2">
+            <a:extLst>
+              <a:ext uri="{FF2B5EF4-FFF2-40B4-BE49-F238E27FC236}">
+                <a16:creationId xmlns:a16="http://schemas.microsoft.com/office/drawing/2014/main" id="{B670E6EE-0277-4EEF-E3E2-E8246F001167}"/>
+              </a:ext>
+            </a:extLst>
+          </p:cNvPr>
+          <p:cNvPicPr>
+            <a:picLocks noChangeAspect="1"/>
+          </p:cNvPicPr>
+          <p:nvPr/>
+        </p:nvPicPr>
+        <p:blipFill>
+          <a:blip r:embed="rId3"/>
+          <a:stretch>
+            <a:fillRect/>
+          </a:stretch>
+        </p:blipFill>
+        <p:spPr>
+          <a:xfrm>
+            <a:off x="731043" y="0"/>
+            <a:ext cx="10729913" cy="5722620"/>
+          </a:xfrm>
+          <a:prstGeom prst="rect">
+            <a:avLst/>
+          </a:prstGeom>
+        </p:spPr>
+      </p:pic>
+    </p:spTree>
+    <p:extLst>
+      <p:ext uri="{BB962C8B-B14F-4D97-AF65-F5344CB8AC3E}">
+        <p14:creationId xmlns:p14="http://schemas.microsoft.com/office/powerpoint/2010/main" val="1184649394"/>
+      </p:ext>
+    </p:extLst>
+  </p:cSld>
+  <p:clrMapOvr>
+    <a:masterClrMapping/>
+  </p:clrMapOvr>
+</p:sld>
+</file>
+
+<file path=ppt/slides/slide8.xml><?xml version="1.0" encoding="utf-8"?>
+<p:sld xmlns:a="http://schemas.openxmlformats.org/drawingml/2006/main" xmlns:r="http://schemas.openxmlformats.org/officeDocument/2006/relationships" xmlns:p="http://schemas.openxmlformats.org/presentationml/2006/main">
+  <p:cSld>
+    <p:bg>
+      <p:bgPr>
+        <a:blipFill>
+          <a:blip r:embed="rId2">
+            <a:duotone>
+              <a:prstClr val="black"/>
+              <a:schemeClr val="accent6">
+                <a:tint val="45000"/>
+                <a:satMod val="400000"/>
+              </a:schemeClr>
+            </a:duotone>
+          </a:blip>
+          <a:stretch/>
+        </a:blipFill>
+        <a:effectLst/>
+      </p:bgPr>
+    </p:bg>
+    <p:spTree>
+      <p:nvGrpSpPr>
+        <p:cNvPr id="1" name=""/>
+        <p:cNvGrpSpPr/>
+        <p:nvPr/>
+      </p:nvGrpSpPr>
+      <p:grpSpPr>
+        <a:xfrm>
+          <a:off x="0" y="0"/>
+          <a:ext cx="0" cy="0"/>
+          <a:chOff x="0" y="0"/>
+          <a:chExt cx="0" cy="0"/>
+        </a:xfrm>
+      </p:grpSpPr>
+      <p:pic>
+        <p:nvPicPr>
+          <p:cNvPr id="4" name="Imagen 3">
+            <a:extLst>
+              <a:ext uri="{FF2B5EF4-FFF2-40B4-BE49-F238E27FC236}">
+                <a16:creationId xmlns:a16="http://schemas.microsoft.com/office/drawing/2014/main" id="{73A8A09D-6445-C735-93D7-0896430482CC}"/>
+              </a:ext>
+            </a:extLst>
+          </p:cNvPr>
+          <p:cNvPicPr>
+            <a:picLocks noChangeAspect="1"/>
+          </p:cNvPicPr>
+          <p:nvPr/>
+        </p:nvPicPr>
+        <p:blipFill>
+          <a:blip r:embed="rId3"/>
+          <a:stretch>
+            <a:fillRect/>
+          </a:stretch>
+        </p:blipFill>
+        <p:spPr>
+          <a:xfrm>
+            <a:off x="698003" y="-100014"/>
+            <a:ext cx="10795994" cy="5757863"/>
+          </a:xfrm>
+          <a:prstGeom prst="rect">
+            <a:avLst/>
+          </a:prstGeom>
+        </p:spPr>
+      </p:pic>
+    </p:spTree>
+    <p:extLst>
+      <p:ext uri="{BB962C8B-B14F-4D97-AF65-F5344CB8AC3E}">
+        <p14:creationId xmlns:p14="http://schemas.microsoft.com/office/powerpoint/2010/main" val="3285453714"/>
+      </p:ext>
+    </p:extLst>
+  </p:cSld>
+  <p:clrMapOvr>
+    <a:masterClrMapping/>
+  </p:clrMapOvr>
+</p:sld>
+</file>
+
+<file path=ppt/slides/slide9.xml><?xml version="1.0" encoding="utf-8"?>
+<p:sld xmlns:a="http://schemas.openxmlformats.org/drawingml/2006/main" xmlns:r="http://schemas.openxmlformats.org/officeDocument/2006/relationships" xmlns:p="http://schemas.openxmlformats.org/presentationml/2006/main">
+  <p:cSld>
+    <p:bg>
+      <p:bgPr>
+        <a:blipFill>
+          <a:blip r:embed="rId2">
+            <a:duotone>
+              <a:prstClr val="black"/>
+              <a:schemeClr val="accent6">
+                <a:tint val="45000"/>
+                <a:satMod val="400000"/>
+              </a:schemeClr>
+            </a:duotone>
+          </a:blip>
+          <a:stretch/>
+        </a:blipFill>
+        <a:effectLst/>
+      </p:bgPr>
+    </p:bg>
+    <p:spTree>
+      <p:nvGrpSpPr>
+        <p:cNvPr id="1" name=""/>
+        <p:cNvGrpSpPr/>
+        <p:nvPr/>
+      </p:nvGrpSpPr>
+      <p:grpSpPr>
+        <a:xfrm>
+          <a:off x="0" y="0"/>
+          <a:ext cx="0" cy="0"/>
+          <a:chOff x="0" y="0"/>
+          <a:chExt cx="0" cy="0"/>
+        </a:xfrm>
+      </p:grpSpPr>
+      <p:pic>
+        <p:nvPicPr>
+          <p:cNvPr id="3" name="Imagen 2">
+            <a:extLst>
+              <a:ext uri="{FF2B5EF4-FFF2-40B4-BE49-F238E27FC236}">
+                <a16:creationId xmlns:a16="http://schemas.microsoft.com/office/drawing/2014/main" id="{7AFEA653-CB45-EC65-1A5F-79BFF314A5CC}"/>
+              </a:ext>
+            </a:extLst>
+          </p:cNvPr>
+          <p:cNvPicPr>
+            <a:picLocks noChangeAspect="1"/>
+          </p:cNvPicPr>
+          <p:nvPr/>
+        </p:nvPicPr>
+        <p:blipFill>
+          <a:blip r:embed="rId3"/>
+          <a:stretch>
+            <a:fillRect/>
+          </a:stretch>
+        </p:blipFill>
+        <p:spPr>
+          <a:xfrm>
+            <a:off x="797718" y="-179388"/>
+            <a:ext cx="10596564" cy="5651501"/>
+          </a:xfrm>
+          <a:prstGeom prst="rect">
+            <a:avLst/>
+          </a:prstGeom>
+        </p:spPr>
+      </p:pic>
+    </p:spTree>
+    <p:extLst>
+      <p:ext uri="{BB962C8B-B14F-4D97-AF65-F5344CB8AC3E}">
+        <p14:creationId xmlns:p14="http://schemas.microsoft.com/office/powerpoint/2010/main" val="2547914848"/>
       </p:ext>
     </p:extLst>
   </p:cSld>

--- a/Slides/Mid_bootcamp_project_Bank_marketing_campaing.pptx
+++ b/Slides/Mid_bootcamp_project_Bank_marketing_campaing.pptx
@@ -12,15 +12,14 @@
     <p:sldId id="261" r:id="rId6"/>
     <p:sldId id="262" r:id="rId7"/>
     <p:sldId id="263" r:id="rId8"/>
-    <p:sldId id="264" r:id="rId9"/>
-    <p:sldId id="265" r:id="rId10"/>
-    <p:sldId id="266" r:id="rId11"/>
-    <p:sldId id="267" r:id="rId12"/>
-    <p:sldId id="268" r:id="rId13"/>
-    <p:sldId id="269" r:id="rId14"/>
-    <p:sldId id="270" r:id="rId15"/>
-    <p:sldId id="271" r:id="rId16"/>
-    <p:sldId id="272" r:id="rId17"/>
+    <p:sldId id="265" r:id="rId9"/>
+    <p:sldId id="266" r:id="rId10"/>
+    <p:sldId id="267" r:id="rId11"/>
+    <p:sldId id="268" r:id="rId12"/>
+    <p:sldId id="269" r:id="rId13"/>
+    <p:sldId id="270" r:id="rId14"/>
+    <p:sldId id="271" r:id="rId15"/>
+    <p:sldId id="272" r:id="rId16"/>
   </p:sldIdLst>
   <p:sldSz cx="12192000" cy="6858000"/>
   <p:notesSz cx="6858000" cy="9144000"/>
@@ -12549,83 +12548,6 @@
       </p:grpSpPr>
       <p:pic>
         <p:nvPicPr>
-          <p:cNvPr id="3" name="Imagen 2">
-            <a:extLst>
-              <a:ext uri="{FF2B5EF4-FFF2-40B4-BE49-F238E27FC236}">
-                <a16:creationId xmlns:a16="http://schemas.microsoft.com/office/drawing/2014/main" id="{35BF8F12-784F-23A1-49CD-6806E13FA21E}"/>
-              </a:ext>
-            </a:extLst>
-          </p:cNvPr>
-          <p:cNvPicPr>
-            <a:picLocks noChangeAspect="1"/>
-          </p:cNvPicPr>
-          <p:nvPr/>
-        </p:nvPicPr>
-        <p:blipFill>
-          <a:blip r:embed="rId3"/>
-          <a:stretch>
-            <a:fillRect/>
-          </a:stretch>
-        </p:blipFill>
-        <p:spPr>
-          <a:xfrm>
-            <a:off x="1138237" y="0"/>
-            <a:ext cx="9915525" cy="5288280"/>
-          </a:xfrm>
-          <a:prstGeom prst="rect">
-            <a:avLst/>
-          </a:prstGeom>
-        </p:spPr>
-      </p:pic>
-    </p:spTree>
-    <p:extLst>
-      <p:ext uri="{BB962C8B-B14F-4D97-AF65-F5344CB8AC3E}">
-        <p14:creationId xmlns:p14="http://schemas.microsoft.com/office/powerpoint/2010/main" val="1318645495"/>
-      </p:ext>
-    </p:extLst>
-  </p:cSld>
-  <p:clrMapOvr>
-    <a:masterClrMapping/>
-  </p:clrMapOvr>
-</p:sld>
-</file>
-
-<file path=ppt/slides/slide11.xml><?xml version="1.0" encoding="utf-8"?>
-<p:sld xmlns:a="http://schemas.openxmlformats.org/drawingml/2006/main" xmlns:r="http://schemas.openxmlformats.org/officeDocument/2006/relationships" xmlns:p="http://schemas.openxmlformats.org/presentationml/2006/main">
-  <p:cSld>
-    <p:bg>
-      <p:bgPr>
-        <a:blipFill>
-          <a:blip r:embed="rId2">
-            <a:duotone>
-              <a:prstClr val="black"/>
-              <a:schemeClr val="accent6">
-                <a:tint val="45000"/>
-                <a:satMod val="400000"/>
-              </a:schemeClr>
-            </a:duotone>
-          </a:blip>
-          <a:stretch/>
-        </a:blipFill>
-        <a:effectLst/>
-      </p:bgPr>
-    </p:bg>
-    <p:spTree>
-      <p:nvGrpSpPr>
-        <p:cNvPr id="1" name=""/>
-        <p:cNvGrpSpPr/>
-        <p:nvPr/>
-      </p:nvGrpSpPr>
-      <p:grpSpPr>
-        <a:xfrm>
-          <a:off x="0" y="0"/>
-          <a:ext cx="0" cy="0"/>
-          <a:chOff x="0" y="0"/>
-          <a:chExt cx="0" cy="0"/>
-        </a:xfrm>
-      </p:grpSpPr>
-      <p:pic>
-        <p:nvPicPr>
           <p:cNvPr id="4" name="Imagen 3">
             <a:extLst>
               <a:ext uri="{FF2B5EF4-FFF2-40B4-BE49-F238E27FC236}">
@@ -12667,7 +12589,7 @@
 </p:sld>
 </file>
 
-<file path=ppt/slides/slide12.xml><?xml version="1.0" encoding="utf-8"?>
+<file path=ppt/slides/slide11.xml><?xml version="1.0" encoding="utf-8"?>
 <p:sld xmlns:a="http://schemas.openxmlformats.org/drawingml/2006/main" xmlns:r="http://schemas.openxmlformats.org/officeDocument/2006/relationships" xmlns:p="http://schemas.openxmlformats.org/presentationml/2006/main">
   <p:cSld>
     <p:bg>
@@ -12744,7 +12666,7 @@
 </p:sld>
 </file>
 
-<file path=ppt/slides/slide13.xml><?xml version="1.0" encoding="utf-8"?>
+<file path=ppt/slides/slide12.xml><?xml version="1.0" encoding="utf-8"?>
 <p:sld xmlns:a="http://schemas.openxmlformats.org/drawingml/2006/main" xmlns:r="http://schemas.openxmlformats.org/officeDocument/2006/relationships" xmlns:p="http://schemas.openxmlformats.org/presentationml/2006/main">
   <p:cSld>
     <p:bg>
@@ -13060,7 +12982,7 @@
 </p:sld>
 </file>
 
-<file path=ppt/slides/slide14.xml><?xml version="1.0" encoding="utf-8"?>
+<file path=ppt/slides/slide13.xml><?xml version="1.0" encoding="utf-8"?>
 <p:sld xmlns:a="http://schemas.openxmlformats.org/drawingml/2006/main" xmlns:r="http://schemas.openxmlformats.org/officeDocument/2006/relationships" xmlns:p="http://schemas.openxmlformats.org/presentationml/2006/main">
   <p:cSld>
     <p:bg>
@@ -13474,7 +13396,7 @@
 </p:sld>
 </file>
 
-<file path=ppt/slides/slide15.xml><?xml version="1.0" encoding="utf-8"?>
+<file path=ppt/slides/slide14.xml><?xml version="1.0" encoding="utf-8"?>
 <p:sld xmlns:a="http://schemas.openxmlformats.org/drawingml/2006/main" xmlns:r="http://schemas.openxmlformats.org/officeDocument/2006/relationships" xmlns:p="http://schemas.openxmlformats.org/presentationml/2006/main">
   <p:cSld>
     <p:bg>
@@ -13711,7 +13633,7 @@
 </p:sld>
 </file>
 
-<file path=ppt/slides/slide16.xml><?xml version="1.0" encoding="utf-8"?>
+<file path=ppt/slides/slide15.xml><?xml version="1.0" encoding="utf-8"?>
 <p:sld xmlns:a="http://schemas.openxmlformats.org/drawingml/2006/main" xmlns:r="http://schemas.openxmlformats.org/officeDocument/2006/relationships" xmlns:p="http://schemas.openxmlformats.org/presentationml/2006/main">
   <p:cSld>
     <p:bg>
@@ -14172,7 +14094,7 @@
                   <a:schemeClr val="bg1"/>
                 </a:solidFill>
               </a:rPr>
-              <a:t>explains</a:t>
+              <a:t>of</a:t>
             </a:r>
             <a:r>
               <a:rPr lang="es-ES" dirty="0">
@@ -14180,6 +14102,22 @@
                   <a:schemeClr val="bg1"/>
                 </a:solidFill>
               </a:rPr>
+              <a:t> a marketing </a:t>
+            </a:r>
+            <a:r>
+              <a:rPr lang="es-ES" dirty="0" err="1">
+                <a:solidFill>
+                  <a:schemeClr val="bg1"/>
+                </a:solidFill>
+              </a:rPr>
+              <a:t>campaign</a:t>
+            </a:r>
+            <a:r>
+              <a:rPr lang="es-ES" dirty="0">
+                <a:solidFill>
+                  <a:schemeClr val="bg1"/>
+                </a:solidFill>
+              </a:rPr>
               <a:t> </a:t>
             </a:r>
             <a:r>
@@ -14188,7 +14126,7 @@
                   <a:schemeClr val="bg1"/>
                 </a:solidFill>
               </a:rPr>
-              <a:t>the</a:t>
+              <a:t>performed</a:t>
             </a:r>
             <a:r>
               <a:rPr lang="es-ES" dirty="0">
@@ -14204,7 +14142,7 @@
                   <a:schemeClr val="bg1"/>
                 </a:solidFill>
               </a:rPr>
-              <a:t>results</a:t>
+              <a:t>by</a:t>
             </a:r>
             <a:r>
               <a:rPr lang="es-ES" dirty="0">
@@ -14212,6 +14150,22 @@
                   <a:schemeClr val="bg1"/>
                 </a:solidFill>
               </a:rPr>
+              <a:t> a portuguese </a:t>
+            </a:r>
+            <a:r>
+              <a:rPr lang="es-ES" dirty="0" err="1">
+                <a:solidFill>
+                  <a:schemeClr val="bg1"/>
+                </a:solidFill>
+              </a:rPr>
+              <a:t>bank</a:t>
+            </a:r>
+            <a:r>
+              <a:rPr lang="es-ES" dirty="0">
+                <a:solidFill>
+                  <a:schemeClr val="bg1"/>
+                </a:solidFill>
+              </a:rPr>
               <a:t> </a:t>
             </a:r>
             <a:r>
@@ -14220,7 +14174,7 @@
                   <a:schemeClr val="bg1"/>
                 </a:solidFill>
               </a:rPr>
-              <a:t>of</a:t>
+              <a:t>from</a:t>
             </a:r>
             <a:r>
               <a:rPr lang="es-ES" dirty="0">
@@ -14228,7 +14182,7 @@
                   <a:schemeClr val="bg1"/>
                 </a:solidFill>
               </a:rPr>
-              <a:t> a marketing </a:t>
+              <a:t> 2008 </a:t>
             </a:r>
             <a:r>
               <a:rPr lang="es-ES" dirty="0" err="1">
@@ -14236,7 +14190,7 @@
                   <a:schemeClr val="bg1"/>
                 </a:solidFill>
               </a:rPr>
-              <a:t>campaign</a:t>
+              <a:t>to</a:t>
             </a:r>
             <a:r>
               <a:rPr lang="es-ES" dirty="0">
@@ -14244,55 +14198,7 @@
                   <a:schemeClr val="bg1"/>
                 </a:solidFill>
               </a:rPr>
-              <a:t> </a:t>
-            </a:r>
-            <a:r>
-              <a:rPr lang="es-ES" dirty="0" err="1">
-                <a:solidFill>
-                  <a:schemeClr val="bg1"/>
-                </a:solidFill>
-              </a:rPr>
-              <a:t>performed</a:t>
-            </a:r>
-            <a:r>
-              <a:rPr lang="es-ES" dirty="0">
-                <a:solidFill>
-                  <a:schemeClr val="bg1"/>
-                </a:solidFill>
-              </a:rPr>
-              <a:t> </a:t>
-            </a:r>
-            <a:r>
-              <a:rPr lang="es-ES" dirty="0" err="1">
-                <a:solidFill>
-                  <a:schemeClr val="bg1"/>
-                </a:solidFill>
-              </a:rPr>
-              <a:t>by</a:t>
-            </a:r>
-            <a:r>
-              <a:rPr lang="es-ES" dirty="0">
-                <a:solidFill>
-                  <a:schemeClr val="bg1"/>
-                </a:solidFill>
-              </a:rPr>
-              <a:t> a portuguese </a:t>
-            </a:r>
-            <a:r>
-              <a:rPr lang="es-ES" dirty="0" err="1">
-                <a:solidFill>
-                  <a:schemeClr val="bg1"/>
-                </a:solidFill>
-              </a:rPr>
-              <a:t>bank</a:t>
-            </a:r>
-            <a:r>
-              <a:rPr lang="es-ES" dirty="0">
-                <a:solidFill>
-                  <a:schemeClr val="bg1"/>
-                </a:solidFill>
-              </a:rPr>
-              <a:t> in 2011</a:t>
+              <a:t> 2010</a:t>
             </a:r>
           </a:p>
           <a:p>
@@ -14546,7 +14452,7 @@
                   <a:schemeClr val="bg1"/>
                 </a:solidFill>
               </a:rPr>
-              <a:t>depending on whether the client contracted this savings instrument</a:t>
+              <a:t>depending on whether the client contracted this saving instrument</a:t>
             </a:r>
             <a:r>
               <a:rPr lang="es-ES" dirty="0">
@@ -14779,109 +14685,18 @@
               <a:t>attributes</a:t>
             </a:r>
             <a:r>
-              <a:rPr lang="es-ES" dirty="0">
-                <a:solidFill>
-                  <a:schemeClr val="bg1"/>
-                </a:solidFill>
-              </a:rPr>
-              <a:t> </a:t>
-            </a:r>
-            <a:r>
-              <a:rPr lang="es-ES" dirty="0" err="1">
-                <a:solidFill>
-                  <a:schemeClr val="bg1"/>
-                </a:solidFill>
-              </a:rPr>
-              <a:t>like</a:t>
-            </a:r>
-            <a:r>
-              <a:rPr lang="es-ES" dirty="0">
-                <a:solidFill>
-                  <a:schemeClr val="bg1"/>
-                </a:solidFill>
-              </a:rPr>
-              <a:t> </a:t>
-            </a:r>
-            <a:r>
-              <a:rPr lang="es-ES" dirty="0" err="1">
-                <a:solidFill>
-                  <a:schemeClr val="bg1"/>
-                </a:solidFill>
-              </a:rPr>
-              <a:t>campaign</a:t>
-            </a:r>
-            <a:r>
-              <a:rPr lang="es-ES" dirty="0">
-                <a:solidFill>
-                  <a:schemeClr val="bg1"/>
-                </a:solidFill>
-              </a:rPr>
-              <a:t>, </a:t>
-            </a:r>
-            <a:r>
-              <a:rPr lang="es-ES" dirty="0" err="1">
-                <a:solidFill>
-                  <a:schemeClr val="bg1"/>
-                </a:solidFill>
-              </a:rPr>
-              <a:t>pdays</a:t>
-            </a:r>
-            <a:r>
-              <a:rPr lang="es-ES" dirty="0">
-                <a:solidFill>
-                  <a:schemeClr val="bg1"/>
-                </a:solidFill>
-              </a:rPr>
-              <a:t>, </a:t>
-            </a:r>
-            <a:r>
-              <a:rPr lang="es-ES" dirty="0" err="1">
-                <a:solidFill>
-                  <a:schemeClr val="bg1"/>
-                </a:solidFill>
-              </a:rPr>
-              <a:t>previous</a:t>
-            </a:r>
-            <a:r>
-              <a:rPr lang="es-ES" dirty="0">
-                <a:solidFill>
-                  <a:schemeClr val="bg1"/>
-                </a:solidFill>
-              </a:rPr>
-              <a:t> </a:t>
-            </a:r>
-            <a:r>
-              <a:rPr lang="es-ES" dirty="0" err="1">
-                <a:solidFill>
-                  <a:schemeClr val="bg1"/>
-                </a:solidFill>
-              </a:rPr>
-              <a:t>or</a:t>
-            </a:r>
-            <a:r>
-              <a:rPr lang="es-ES" dirty="0">
-                <a:solidFill>
-                  <a:schemeClr val="bg1"/>
-                </a:solidFill>
-              </a:rPr>
-              <a:t> </a:t>
-            </a:r>
-            <a:r>
-              <a:rPr lang="es-ES" dirty="0" err="1">
-                <a:solidFill>
-                  <a:schemeClr val="bg1"/>
-                </a:solidFill>
-              </a:rPr>
-              <a:t>poutcome</a:t>
-            </a:r>
-            <a:r>
-              <a:rPr lang="es-ES" dirty="0">
+              <a:rPr lang="es-ES">
                 <a:solidFill>
                   <a:schemeClr val="bg1"/>
                 </a:solidFill>
               </a:rPr>
               <a:t>.</a:t>
             </a:r>
+            <a:endParaRPr lang="es-ES" dirty="0">
+              <a:solidFill>
+                <a:schemeClr val="bg1"/>
+              </a:solidFill>
+            </a:endParaRPr>
           </a:p>
           <a:p>
             <a:endParaRPr lang="es-ES" dirty="0"/>
@@ -15573,8 +15388,21 @@
                   <a:schemeClr val="bg1"/>
                 </a:solidFill>
               </a:rPr>
-              <a:t> Project</a:t>
-            </a:r>
+              <a:t> </a:t>
+            </a:r>
+            <a:r>
+              <a:rPr lang="es-ES" dirty="0" err="1">
+                <a:solidFill>
+                  <a:schemeClr val="bg1"/>
+                </a:solidFill>
+              </a:rPr>
+              <a:t>project</a:t>
+            </a:r>
+            <a:endParaRPr lang="es-ES" dirty="0">
+              <a:solidFill>
+                <a:schemeClr val="bg1"/>
+              </a:solidFill>
+            </a:endParaRPr>
           </a:p>
           <a:p>
             <a:pPr marL="285750" indent="-285750">
@@ -16086,7 +15914,7 @@
               <a:t> </a:t>
             </a:r>
             <a:r>
-              <a:rPr lang="es-ES">
+              <a:rPr lang="es-ES" dirty="0" err="1">
                 <a:solidFill>
                   <a:schemeClr val="bg1"/>
                 </a:solidFill>
@@ -16717,10 +16545,10 @@
       </p:grpSpPr>
       <p:pic>
         <p:nvPicPr>
-          <p:cNvPr id="4" name="Imagen 3">
+          <p:cNvPr id="3" name="Imagen 2">
             <a:extLst>
               <a:ext uri="{FF2B5EF4-FFF2-40B4-BE49-F238E27FC236}">
-                <a16:creationId xmlns:a16="http://schemas.microsoft.com/office/drawing/2014/main" id="{73A8A09D-6445-C735-93D7-0896430482CC}"/>
+                <a16:creationId xmlns:a16="http://schemas.microsoft.com/office/drawing/2014/main" id="{7AFEA653-CB45-EC65-1A5F-79BFF314A5CC}"/>
               </a:ext>
             </a:extLst>
           </p:cNvPr>
@@ -16737,8 +16565,8 @@
         </p:blipFill>
         <p:spPr>
           <a:xfrm>
-            <a:off x="698003" y="-100014"/>
-            <a:ext cx="10795994" cy="5757863"/>
+            <a:off x="797718" y="-179388"/>
+            <a:ext cx="10596564" cy="5651501"/>
           </a:xfrm>
           <a:prstGeom prst="rect">
             <a:avLst/>
@@ -16748,7 +16576,7 @@
     </p:spTree>
     <p:extLst>
       <p:ext uri="{BB962C8B-B14F-4D97-AF65-F5344CB8AC3E}">
-        <p14:creationId xmlns:p14="http://schemas.microsoft.com/office/powerpoint/2010/main" val="3285453714"/>
+        <p14:creationId xmlns:p14="http://schemas.microsoft.com/office/powerpoint/2010/main" val="2547914848"/>
       </p:ext>
     </p:extLst>
   </p:cSld>
@@ -16797,7 +16625,7 @@
           <p:cNvPr id="3" name="Imagen 2">
             <a:extLst>
               <a:ext uri="{FF2B5EF4-FFF2-40B4-BE49-F238E27FC236}">
-                <a16:creationId xmlns:a16="http://schemas.microsoft.com/office/drawing/2014/main" id="{7AFEA653-CB45-EC65-1A5F-79BFF314A5CC}"/>
+                <a16:creationId xmlns:a16="http://schemas.microsoft.com/office/drawing/2014/main" id="{35BF8F12-784F-23A1-49CD-6806E13FA21E}"/>
               </a:ext>
             </a:extLst>
           </p:cNvPr>
@@ -16814,8 +16642,8 @@
         </p:blipFill>
         <p:spPr>
           <a:xfrm>
-            <a:off x="797718" y="-179388"/>
-            <a:ext cx="10596564" cy="5651501"/>
+            <a:off x="1138237" y="0"/>
+            <a:ext cx="9915525" cy="5288280"/>
           </a:xfrm>
           <a:prstGeom prst="rect">
             <a:avLst/>
@@ -16825,7 +16653,7 @@
     </p:spTree>
     <p:extLst>
       <p:ext uri="{BB962C8B-B14F-4D97-AF65-F5344CB8AC3E}">
-        <p14:creationId xmlns:p14="http://schemas.microsoft.com/office/powerpoint/2010/main" val="2547914848"/>
+        <p14:creationId xmlns:p14="http://schemas.microsoft.com/office/powerpoint/2010/main" val="1318645495"/>
       </p:ext>
     </p:extLst>
   </p:cSld>

--- a/Slides/Mid_bootcamp_project_Bank_marketing_campaing.pptx
+++ b/Slides/Mid_bootcamp_project_Bank_marketing_campaing.pptx
@@ -14685,20 +14685,19 @@
               <a:t>attributes</a:t>
             </a:r>
             <a:r>
-              <a:rPr lang="es-ES">
+              <a:rPr lang="es-ES" dirty="0">
                 <a:solidFill>
                   <a:schemeClr val="bg1"/>
                 </a:solidFill>
               </a:rPr>
               <a:t>.</a:t>
             </a:r>
-            <a:endParaRPr lang="es-ES" dirty="0">
-              <a:solidFill>
-                <a:schemeClr val="bg1"/>
-              </a:solidFill>
-            </a:endParaRPr>
-          </a:p>
-          <a:p>
+          </a:p>
+          <a:p>
+            <a:r>
+              <a:rPr lang="es-ES"/>
+              <a:t>git</a:t>
+            </a:r>
             <a:endParaRPr lang="es-ES" dirty="0"/>
           </a:p>
         </p:txBody>
